--- a/monolith_instrumenting/slides.pptx
+++ b/monolith_instrumenting/slides.pptx
@@ -4,17 +4,9 @@
   <p:sldMasterIdLst>
     <p:sldMasterId id="2147483648" r:id="rId1"/>
   </p:sldMasterIdLst>
-  <p:notesMasterIdLst>
-    <p:NotesMasterId r:id="rId9"/>
-  </p:notesMasterIdLst>
   <p:sldIdLst>
     <p:sldId id="256" r:id="rId2"/>
     <p:sldId id="257" r:id="rId3"/>
-    <p:sldId id="258" r:id="rId4"/>
-    <p:sldId id="259" r:id="rId5"/>
-    <p:sldId id="260" r:id="rId6"/>
-    <p:sldId id="261" r:id="rId7"/>
-    <p:sldId id="262" r:id="rId8"/>
   </p:sldIdLst>
   <p:sldSz cx="9144000" cy="6858000" type="screen4x3"/>
   <p:notesSz cx="6858000" cy="9144000"/>
@@ -130,708 +122,6 @@
     </p:ext>
   </p:extLst>
 </p:presentation>
-</file>
-
-<file path=ppt/notesMasters/notesMaster1.xml><?xml version="1.0" encoding="utf-8"?>
-<p:notesMaster xmlns:a="http://schemas.openxmlformats.org/drawingml/2006/main" xmlns:r="http://schemas.openxmlformats.org/officeDocument/2006/relationships" xmlns:p="http://schemas.openxmlformats.org/presentationml/2006/main">
-  <p:cSld>
-    <p:bg>
-      <p:bgRef idx="1001">
-        <a:schemeClr val="bg1"/>
-      </p:bgRef>
-    </p:bg>
-    <p:spTree>
-      <p:nvGrpSpPr>
-        <p:cNvPr id="1" name=""/>
-        <p:cNvGrpSpPr/>
-        <p:nvPr/>
-      </p:nvGrpSpPr>
-      <p:grpSpPr>
-        <a:xfrm>
-          <a:off x="0" y="0"/>
-          <a:ext cx="0" cy="0"/>
-          <a:chOff x="0" y="0"/>
-          <a:chExt cx="0" cy="0"/>
-        </a:xfrm>
-      </p:grpSpPr>
-      <p:sp>
-        <p:nvSpPr>
-          <p:cNvPr id="2" name="Header Placeholder 1"/>
-          <p:cNvSpPr>
-            <a:spLocks noGrp="1"/>
-          </p:cNvSpPr>
-          <p:nvPr>
-            <p:ph type="hdr" sz="quarter"/>
-          </p:nvPr>
-        </p:nvSpPr>
-        <p:spPr>
-          <a:xfrm>
-            <a:off x="0" y="0"/>
-            <a:ext cx="2971800" cy="458788"/>
-          </a:xfrm>
-          <a:prstGeom prst="rect">
-            <a:avLst/>
-          </a:prstGeom>
-        </p:spPr>
-        <p:txBody>
-          <a:bodyPr vert="horz" lIns="91440" tIns="45720" rIns="91440" bIns="45720" rtlCol="0"/>
-          <a:lstStyle>
-            <a:lvl1pPr algn="l">
-              <a:defRPr sz="1200"/>
-            </a:lvl1pPr>
-          </a:lstStyle>
-          <a:p>
-            <a:endParaRPr lang="en-US"/>
-          </a:p>
-        </p:txBody>
-      </p:sp>
-      <p:sp>
-        <p:nvSpPr>
-          <p:cNvPr id="3" name="Date Placeholder 2"/>
-          <p:cNvSpPr>
-            <a:spLocks noGrp="1"/>
-          </p:cNvSpPr>
-          <p:nvPr>
-            <p:ph type="dt" idx="1"/>
-          </p:nvPr>
-        </p:nvSpPr>
-        <p:spPr>
-          <a:xfrm>
-            <a:off x="3884613" y="0"/>
-            <a:ext cx="2971800" cy="458788"/>
-          </a:xfrm>
-          <a:prstGeom prst="rect">
-            <a:avLst/>
-          </a:prstGeom>
-        </p:spPr>
-        <p:txBody>
-          <a:bodyPr vert="horz" lIns="91440" tIns="45720" rIns="91440" bIns="45720" rtlCol="0"/>
-          <a:lstStyle>
-            <a:lvl1pPr algn="r">
-              <a:defRPr sz="1200"/>
-            </a:lvl1pPr>
-          </a:lstStyle>
-          <a:p>
-            <a:fld id="{0F9C1CCF-B725-44A7-AA57-5E433BD85C9F}" type="datetimeFigureOut">
-              <a:rPr lang="en-US" smtClean="0"/>
-              <a:t>4/5/2019</a:t>
-            </a:fld>
-            <a:endParaRPr lang="en-US"/>
-          </a:p>
-        </p:txBody>
-      </p:sp>
-      <p:sp>
-        <p:nvSpPr>
-          <p:cNvPr id="4" name="Slide Image Placeholder 3"/>
-          <p:cNvSpPr>
-            <a:spLocks noGrp="1" noRot="1" noChangeAspect="1"/>
-          </p:cNvSpPr>
-          <p:nvPr>
-            <p:ph type="sldImg" idx="2"/>
-          </p:nvPr>
-        </p:nvSpPr>
-        <p:spPr>
-          <a:xfrm>
-            <a:off x="1371600" y="1143000"/>
-            <a:ext cx="4114800" cy="3086100"/>
-          </a:xfrm>
-          <a:prstGeom prst="rect">
-            <a:avLst/>
-          </a:prstGeom>
-          <a:noFill/>
-          <a:ln w="12700">
-            <a:solidFill>
-              <a:prstClr val="black"/>
-            </a:solidFill>
-          </a:ln>
-        </p:spPr>
-        <p:txBody>
-          <a:bodyPr vert="horz" lIns="91440" tIns="45720" rIns="91440" bIns="45720" rtlCol="0" anchor="ctr"/>
-          <a:lstStyle/>
-          <a:p>
-            <a:endParaRPr lang="en-US"/>
-          </a:p>
-        </p:txBody>
-      </p:sp>
-      <p:sp>
-        <p:nvSpPr>
-          <p:cNvPr id="5" name="Notes Placeholder 4"/>
-          <p:cNvSpPr>
-            <a:spLocks noGrp="1"/>
-          </p:cNvSpPr>
-          <p:nvPr>
-            <p:ph type="body" sz="quarter" idx="3"/>
-          </p:nvPr>
-        </p:nvSpPr>
-        <p:spPr>
-          <a:xfrm>
-            <a:off x="685800" y="4400550"/>
-            <a:ext cx="5486400" cy="3600450"/>
-          </a:xfrm>
-          <a:prstGeom prst="rect">
-            <a:avLst/>
-          </a:prstGeom>
-        </p:spPr>
-        <p:txBody>
-          <a:bodyPr vert="horz" lIns="91440" tIns="45720" rIns="91440" bIns="45720" rtlCol="0"/>
-          <a:lstStyle/>
-          <a:p>
-            <a:pPr lvl="0"/>
-            <a:r>
-              <a:rPr lang="en-US" smtClean="0"/>
-              <a:t>Click to edit Master text styles</a:t>
-            </a:r>
-          </a:p>
-          <a:p>
-            <a:pPr lvl="1"/>
-            <a:r>
-              <a:rPr lang="en-US" smtClean="0"/>
-              <a:t>Second level</a:t>
-            </a:r>
-          </a:p>
-          <a:p>
-            <a:pPr lvl="2"/>
-            <a:r>
-              <a:rPr lang="en-US" smtClean="0"/>
-              <a:t>Third level</a:t>
-            </a:r>
-          </a:p>
-          <a:p>
-            <a:pPr lvl="3"/>
-            <a:r>
-              <a:rPr lang="en-US" smtClean="0"/>
-              <a:t>Fourth level</a:t>
-            </a:r>
-          </a:p>
-          <a:p>
-            <a:pPr lvl="4"/>
-            <a:r>
-              <a:rPr lang="en-US" smtClean="0"/>
-              <a:t>Fifth level</a:t>
-            </a:r>
-            <a:endParaRPr lang="en-US"/>
-          </a:p>
-        </p:txBody>
-      </p:sp>
-      <p:sp>
-        <p:nvSpPr>
-          <p:cNvPr id="6" name="Footer Placeholder 5"/>
-          <p:cNvSpPr>
-            <a:spLocks noGrp="1"/>
-          </p:cNvSpPr>
-          <p:nvPr>
-            <p:ph type="ftr" sz="quarter" idx="4"/>
-          </p:nvPr>
-        </p:nvSpPr>
-        <p:spPr>
-          <a:xfrm>
-            <a:off x="0" y="8685213"/>
-            <a:ext cx="2971800" cy="458787"/>
-          </a:xfrm>
-          <a:prstGeom prst="rect">
-            <a:avLst/>
-          </a:prstGeom>
-        </p:spPr>
-        <p:txBody>
-          <a:bodyPr vert="horz" lIns="91440" tIns="45720" rIns="91440" bIns="45720" rtlCol="0" anchor="b"/>
-          <a:lstStyle>
-            <a:lvl1pPr algn="l">
-              <a:defRPr sz="1200"/>
-            </a:lvl1pPr>
-          </a:lstStyle>
-          <a:p>
-            <a:endParaRPr lang="en-US"/>
-          </a:p>
-        </p:txBody>
-      </p:sp>
-      <p:sp>
-        <p:nvSpPr>
-          <p:cNvPr id="7" name="Slide Number Placeholder 6"/>
-          <p:cNvSpPr>
-            <a:spLocks noGrp="1"/>
-          </p:cNvSpPr>
-          <p:nvPr>
-            <p:ph type="sldNum" sz="quarter" idx="5"/>
-          </p:nvPr>
-        </p:nvSpPr>
-        <p:spPr>
-          <a:xfrm>
-            <a:off x="3884613" y="8685213"/>
-            <a:ext cx="2971800" cy="458787"/>
-          </a:xfrm>
-          <a:prstGeom prst="rect">
-            <a:avLst/>
-          </a:prstGeom>
-        </p:spPr>
-        <p:txBody>
-          <a:bodyPr vert="horz" lIns="91440" tIns="45720" rIns="91440" bIns="45720" rtlCol="0" anchor="b"/>
-          <a:lstStyle>
-            <a:lvl1pPr algn="r">
-              <a:defRPr sz="1200"/>
-            </a:lvl1pPr>
-          </a:lstStyle>
-          <a:p>
-            <a:fld id="{18BDFEC3-8487-43E8-A154-7C12CBC1FFF2}" type="slidenum">
-              <a:rPr lang="en-US" smtClean="0"/>
-              <a:t>‹#›</a:t>
-            </a:fld>
-            <a:endParaRPr lang="en-US"/>
-          </a:p>
-        </p:txBody>
-      </p:sp>
-    </p:spTree>
-    <p:extLst>
-      <p:ext uri="{BB962C8B-B14F-4D97-AF65-F5344CB8AC3E}">
-        <p14:creationId xmlns:p14="http://schemas.microsoft.com/office/powerpoint/2010/main" val="3782709779"/>
-      </p:ext>
-    </p:extLst>
-  </p:cSld>
-  <p:clrMap bg1="lt1" tx1="dk1" bg2="lt2" tx2="dk2" accent1="accent1" accent2="accent2" accent3="accent3" accent4="accent4" accent5="accent5" accent6="accent6" hlink="hlink" folHlink="folHlink"/>
-  <p:notesStyle>
-    <a:lvl1pPr marL="0" algn="l" defTabSz="914400" rtl="0" eaLnBrk="1" latinLnBrk="0" hangingPunct="1">
-      <a:defRPr sz="1200" kern="1200">
-        <a:solidFill>
-          <a:schemeClr val="tx1"/>
-        </a:solidFill>
-        <a:latin typeface="+mn-lt"/>
-        <a:ea typeface="+mn-ea"/>
-        <a:cs typeface="+mn-cs"/>
-      </a:defRPr>
-    </a:lvl1pPr>
-    <a:lvl2pPr marL="457200" algn="l" defTabSz="914400" rtl="0" eaLnBrk="1" latinLnBrk="0" hangingPunct="1">
-      <a:defRPr sz="1200" kern="1200">
-        <a:solidFill>
-          <a:schemeClr val="tx1"/>
-        </a:solidFill>
-        <a:latin typeface="+mn-lt"/>
-        <a:ea typeface="+mn-ea"/>
-        <a:cs typeface="+mn-cs"/>
-      </a:defRPr>
-    </a:lvl2pPr>
-    <a:lvl3pPr marL="914400" algn="l" defTabSz="914400" rtl="0" eaLnBrk="1" latinLnBrk="0" hangingPunct="1">
-      <a:defRPr sz="1200" kern="1200">
-        <a:solidFill>
-          <a:schemeClr val="tx1"/>
-        </a:solidFill>
-        <a:latin typeface="+mn-lt"/>
-        <a:ea typeface="+mn-ea"/>
-        <a:cs typeface="+mn-cs"/>
-      </a:defRPr>
-    </a:lvl3pPr>
-    <a:lvl4pPr marL="1371600" algn="l" defTabSz="914400" rtl="0" eaLnBrk="1" latinLnBrk="0" hangingPunct="1">
-      <a:defRPr sz="1200" kern="1200">
-        <a:solidFill>
-          <a:schemeClr val="tx1"/>
-        </a:solidFill>
-        <a:latin typeface="+mn-lt"/>
-        <a:ea typeface="+mn-ea"/>
-        <a:cs typeface="+mn-cs"/>
-      </a:defRPr>
-    </a:lvl4pPr>
-    <a:lvl5pPr marL="1828800" algn="l" defTabSz="914400" rtl="0" eaLnBrk="1" latinLnBrk="0" hangingPunct="1">
-      <a:defRPr sz="1200" kern="1200">
-        <a:solidFill>
-          <a:schemeClr val="tx1"/>
-        </a:solidFill>
-        <a:latin typeface="+mn-lt"/>
-        <a:ea typeface="+mn-ea"/>
-        <a:cs typeface="+mn-cs"/>
-      </a:defRPr>
-    </a:lvl5pPr>
-    <a:lvl6pPr marL="2286000" algn="l" defTabSz="914400" rtl="0" eaLnBrk="1" latinLnBrk="0" hangingPunct="1">
-      <a:defRPr sz="1200" kern="1200">
-        <a:solidFill>
-          <a:schemeClr val="tx1"/>
-        </a:solidFill>
-        <a:latin typeface="+mn-lt"/>
-        <a:ea typeface="+mn-ea"/>
-        <a:cs typeface="+mn-cs"/>
-      </a:defRPr>
-    </a:lvl6pPr>
-    <a:lvl7pPr marL="2743200" algn="l" defTabSz="914400" rtl="0" eaLnBrk="1" latinLnBrk="0" hangingPunct="1">
-      <a:defRPr sz="1200" kern="1200">
-        <a:solidFill>
-          <a:schemeClr val="tx1"/>
-        </a:solidFill>
-        <a:latin typeface="+mn-lt"/>
-        <a:ea typeface="+mn-ea"/>
-        <a:cs typeface="+mn-cs"/>
-      </a:defRPr>
-    </a:lvl7pPr>
-    <a:lvl8pPr marL="3200400" algn="l" defTabSz="914400" rtl="0" eaLnBrk="1" latinLnBrk="0" hangingPunct="1">
-      <a:defRPr sz="1200" kern="1200">
-        <a:solidFill>
-          <a:schemeClr val="tx1"/>
-        </a:solidFill>
-        <a:latin typeface="+mn-lt"/>
-        <a:ea typeface="+mn-ea"/>
-        <a:cs typeface="+mn-cs"/>
-      </a:defRPr>
-    </a:lvl8pPr>
-    <a:lvl9pPr marL="3657600" algn="l" defTabSz="914400" rtl="0" eaLnBrk="1" latinLnBrk="0" hangingPunct="1">
-      <a:defRPr sz="1200" kern="1200">
-        <a:solidFill>
-          <a:schemeClr val="tx1"/>
-        </a:solidFill>
-        <a:latin typeface="+mn-lt"/>
-        <a:ea typeface="+mn-ea"/>
-        <a:cs typeface="+mn-cs"/>
-      </a:defRPr>
-    </a:lvl9pPr>
-  </p:notesStyle>
-</p:notesMaster>
-</file>
-
-<file path=ppt/notesSlides/notesSlide1.xml><?xml version="1.0" encoding="utf-8"?>
-<p:notes xmlns:a="http://schemas.openxmlformats.org/drawingml/2006/main" xmlns:r="http://schemas.openxmlformats.org/officeDocument/2006/relationships" xmlns:p="http://schemas.openxmlformats.org/presentationml/2006/main">
-  <p:cSld>
-    <p:spTree>
-      <p:nvGrpSpPr>
-        <p:cNvPr id="1" name=""/>
-        <p:cNvGrpSpPr/>
-        <p:nvPr/>
-      </p:nvGrpSpPr>
-      <p:grpSpPr>
-        <a:xfrm>
-          <a:off x="0" y="0"/>
-          <a:ext cx="0" cy="0"/>
-          <a:chOff x="0" y="0"/>
-          <a:chExt cx="0" cy="0"/>
-        </a:xfrm>
-      </p:grpSpPr>
-      <p:sp>
-        <p:nvSpPr>
-          <p:cNvPr id="2" name="Slide Image Placeholder 1"/>
-          <p:cNvSpPr>
-            <a:spLocks noGrp="1" noRot="1" noChangeAspect="1"/>
-          </p:cNvSpPr>
-          <p:nvPr>
-            <p:ph type="sldImg"/>
-          </p:nvPr>
-        </p:nvSpPr>
-        <p:spPr/>
-      </p:sp>
-      <p:sp>
-        <p:nvSpPr>
-          <p:cNvPr id="3" name="Notes Placeholder 2"/>
-          <p:cNvSpPr>
-            <a:spLocks noGrp="1"/>
-          </p:cNvSpPr>
-          <p:nvPr>
-            <p:ph type="body" idx="1"/>
-          </p:nvPr>
-        </p:nvSpPr>
-        <p:spPr/>
-        <p:txBody>
-          <a:bodyPr/>
-          <a:lstStyle/>
-          <a:p>
-            <a:pPr lvl="0" marL="0" indent="0">
-              <a:buNone/>
-            </a:pPr>
-            <a:r>
-              <a:rPr/>
-              <a:t>This</a:t>
-            </a:r>
-            <a:r>
-              <a:rPr/>
-              <a:t> </a:t>
-            </a:r>
-            <a:r>
-              <a:rPr/>
-              <a:t>is</a:t>
-            </a:r>
-            <a:r>
-              <a:rPr/>
-              <a:t> </a:t>
-            </a:r>
-            <a:r>
-              <a:rPr/>
-              <a:t>a</a:t>
-            </a:r>
-            <a:r>
-              <a:rPr/>
-              <a:t> </a:t>
-            </a:r>
-            <a:r>
-              <a:rPr/>
-              <a:t>speaker</a:t>
-            </a:r>
-            <a:r>
-              <a:rPr/>
-              <a:t> </a:t>
-            </a:r>
-            <a:r>
-              <a:rPr/>
-              <a:t>note.</a:t>
-            </a:r>
-          </a:p>
-          <a:p>
-            <a:pPr lvl="0" marL="0" indent="0">
-              <a:buNone/>
-            </a:pPr>
-          </a:p>
-          <a:p>
-            <a:pPr lvl="1"/>
-            <a:r>
-              <a:rPr/>
-              <a:t>Use</a:t>
-            </a:r>
-            <a:r>
-              <a:rPr/>
-              <a:t> </a:t>
-            </a:r>
-            <a:r>
-              <a:rPr/>
-              <a:t>basic</a:t>
-            </a:r>
-            <a:r>
-              <a:rPr/>
-              <a:t> </a:t>
-            </a:r>
-            <a:r>
-              <a:rPr/>
-              <a:t>Markdown</a:t>
-            </a:r>
-          </a:p>
-          <a:p>
-            <a:pPr lvl="0" marL="0" indent="0">
-              <a:buNone/>
-            </a:pPr>
-          </a:p>
-          <a:p>
-            <a:pPr lvl="1"/>
-            <a:r>
-              <a:rPr/>
-              <a:t>like</a:t>
-            </a:r>
-            <a:r>
-              <a:rPr/>
-              <a:t> </a:t>
-            </a:r>
-            <a:r>
-              <a:rPr/>
-              <a:t>this</a:t>
-            </a:r>
-            <a:r>
-              <a:rPr/>
-              <a:t> </a:t>
-            </a:r>
-            <a:r>
-              <a:rPr/>
-              <a:t>list</a:t>
-            </a:r>
-          </a:p>
-          <a:p>
-            <a:pPr lvl="0" marL="0" indent="0">
-              <a:buNone/>
-            </a:pPr>
-          </a:p>
-          <a:p>
-            <a:pPr lvl="1"/>
-            <a:r>
-              <a:rPr i="1"/>
-              <a:t>and</a:t>
-            </a:r>
-            <a:r>
-              <a:rPr i="1"/>
-              <a:t> </a:t>
-            </a:r>
-            <a:r>
-              <a:rPr i="1"/>
-              <a:t>inline</a:t>
-            </a:r>
-            <a:r>
-              <a:rPr i="1"/>
-              <a:t> </a:t>
-            </a:r>
-            <a:r>
-              <a:rPr i="1"/>
-              <a:t>formatting</a:t>
-            </a:r>
-          </a:p>
-        </p:txBody>
-      </p:sp>
-      <p:sp>
-        <p:nvSpPr>
-          <p:cNvPr id="4" name="Slide Number Placeholder 3"/>
-          <p:cNvSpPr>
-            <a:spLocks noGrp="1"/>
-          </p:cNvSpPr>
-          <p:nvPr>
-            <p:ph type="sldNum" sz="quarter" idx="10"/>
-          </p:nvPr>
-        </p:nvSpPr>
-        <p:spPr/>
-        <p:txBody>
-          <a:bodyPr/>
-          <a:lstStyle/>
-          <a:p>
-            <a:fld id="{18BDFEC3-8487-43E8-A154-7C12CBC1FFF2}" type="slidenum">
-              <a:rPr lang="en-US"/>
-              <a:t>5</a:t>
-            </a:fld>
-            <a:endParaRPr lang="en-US"/>
-          </a:p>
-        </p:txBody>
-      </p:sp>
-    </p:spTree>
-  </p:cSld>
-</p:notes>
-</file>
-
-<file path=ppt/notesSlides/notesSlide2.xml><?xml version="1.0" encoding="utf-8"?>
-<p:notes xmlns:a="http://schemas.openxmlformats.org/drawingml/2006/main" xmlns:r="http://schemas.openxmlformats.org/officeDocument/2006/relationships" xmlns:p="http://schemas.openxmlformats.org/presentationml/2006/main">
-  <p:cSld>
-    <p:spTree>
-      <p:nvGrpSpPr>
-        <p:cNvPr id="1" name=""/>
-        <p:cNvGrpSpPr/>
-        <p:nvPr/>
-      </p:nvGrpSpPr>
-      <p:grpSpPr>
-        <a:xfrm>
-          <a:off x="0" y="0"/>
-          <a:ext cx="0" cy="0"/>
-          <a:chOff x="0" y="0"/>
-          <a:chExt cx="0" cy="0"/>
-        </a:xfrm>
-      </p:grpSpPr>
-      <p:sp>
-        <p:nvSpPr>
-          <p:cNvPr id="2" name="Slide Image Placeholder 1"/>
-          <p:cNvSpPr>
-            <a:spLocks noGrp="1" noRot="1" noChangeAspect="1"/>
-          </p:cNvSpPr>
-          <p:nvPr>
-            <p:ph type="sldImg"/>
-          </p:nvPr>
-        </p:nvSpPr>
-        <p:spPr/>
-      </p:sp>
-      <p:sp>
-        <p:nvSpPr>
-          <p:cNvPr id="3" name="Notes Placeholder 2"/>
-          <p:cNvSpPr>
-            <a:spLocks noGrp="1"/>
-          </p:cNvSpPr>
-          <p:nvPr>
-            <p:ph type="body" idx="1"/>
-          </p:nvPr>
-        </p:nvSpPr>
-        <p:spPr/>
-        <p:txBody>
-          <a:bodyPr/>
-          <a:lstStyle/>
-          <a:p>
-            <a:pPr lvl="0" marL="0" indent="0">
-              <a:buNone/>
-            </a:pPr>
-            <a:r>
-              <a:rPr/>
-              <a:t>I</a:t>
-            </a:r>
-            <a:r>
-              <a:rPr/>
-              <a:t> </a:t>
-            </a:r>
-            <a:r>
-              <a:rPr/>
-              <a:t>am</a:t>
-            </a:r>
-            <a:r>
-              <a:rPr/>
-              <a:t> </a:t>
-            </a:r>
-            <a:r>
-              <a:rPr/>
-              <a:t>thinking</a:t>
-            </a:r>
-            <a:r>
-              <a:rPr/>
-              <a:t> </a:t>
-            </a:r>
-            <a:r>
-              <a:rPr/>
-              <a:t>that</a:t>
-            </a:r>
-            <a:r>
-              <a:rPr/>
-              <a:t> </a:t>
-            </a:r>
-            <a:r>
-              <a:rPr/>
-              <a:t>this</a:t>
-            </a:r>
-            <a:r>
-              <a:rPr/>
-              <a:t> </a:t>
-            </a:r>
-            <a:r>
-              <a:rPr/>
-              <a:t>will</a:t>
-            </a:r>
-            <a:r>
-              <a:rPr/>
-              <a:t> </a:t>
-            </a:r>
-            <a:r>
-              <a:rPr/>
-              <a:t>be</a:t>
-            </a:r>
-            <a:r>
-              <a:rPr/>
-              <a:t> </a:t>
-            </a:r>
-            <a:r>
-              <a:rPr/>
-              <a:t>in</a:t>
-            </a:r>
-            <a:r>
-              <a:rPr/>
-              <a:t> </a:t>
-            </a:r>
-            <a:r>
-              <a:rPr/>
-              <a:t>javascript</a:t>
-            </a:r>
-            <a:r>
-              <a:rPr/>
-              <a:t> </a:t>
-            </a:r>
-            <a:r>
-              <a:rPr/>
-              <a:t>format</a:t>
-            </a:r>
-          </a:p>
-        </p:txBody>
-      </p:sp>
-      <p:sp>
-        <p:nvSpPr>
-          <p:cNvPr id="4" name="Slide Number Placeholder 3"/>
-          <p:cNvSpPr>
-            <a:spLocks noGrp="1"/>
-          </p:cNvSpPr>
-          <p:nvPr>
-            <p:ph type="sldNum" sz="quarter" idx="10"/>
-          </p:nvPr>
-        </p:nvSpPr>
-        <p:spPr/>
-        <p:txBody>
-          <a:bodyPr/>
-          <a:lstStyle/>
-          <a:p>
-            <a:fld id="{18BDFEC3-8487-43E8-A154-7C12CBC1FFF2}" type="slidenum">
-              <a:rPr lang="en-US"/>
-              <a:t>6</a:t>
-            </a:fld>
-            <a:endParaRPr lang="en-US"/>
-          </a:p>
-        </p:txBody>
-      </p:sp>
-    </p:spTree>
-  </p:cSld>
-</p:notes>
 </file>
 
 <file path=ppt/slideLayouts/slideLayout1.xml><?xml version="1.0" encoding="utf-8"?>
@@ -3847,7 +3137,7 @@
             </a:pPr>
             <a:r>
               <a:rPr/>
-              <a:t>Title</a:t>
+              <a:t>Monolith</a:t>
             </a:r>
             <a:r>
               <a:rPr/>
@@ -3855,23 +3145,7 @@
             </a:r>
             <a:r>
               <a:rPr/>
-              <a:t>slide</a:t>
-            </a:r>
-            <a:r>
-              <a:rPr/>
-              <a:t> </a:t>
-            </a:r>
-            <a:r>
-              <a:rPr/>
-              <a:t>(Slide</a:t>
-            </a:r>
-            <a:r>
-              <a:rPr/>
-              <a:t> </a:t>
-            </a:r>
-            <a:r>
-              <a:rPr/>
-              <a:t>1)</a:t>
+              <a:t>(instrumenting)</a:t>
             </a:r>
           </a:p>
         </p:txBody>
@@ -3936,12 +3210,7 @@
             <p:ph type="title"/>
           </p:nvPr>
         </p:nvSpPr>
-        <p:spPr>
-          <a:xfrm>
-            <a:off x="722313" y="4406900"/>
-            <a:ext cx="7772400" cy="1362075"/>
-          </a:xfrm>
-        </p:spPr>
+        <p:spPr/>
         <p:txBody>
           <a:bodyPr/>
           <a:lstStyle/>
@@ -3951,596 +3220,44 @@
             </a:pPr>
             <a:r>
               <a:rPr/>
-              <a:t>Section</a:t>
-            </a:r>
+              <a:t>Agenda</a:t>
+            </a:r>
+          </a:p>
+        </p:txBody>
+      </p:sp>
+      <p:sp>
+        <p:nvSpPr>
+          <p:cNvPr id="3" name="Content Placeholder 2"/>
+          <p:cNvSpPr>
+            <a:spLocks noGrp="1"/>
+          </p:cNvSpPr>
+          <p:nvPr>
+            <p:ph idx="1"/>
+          </p:nvPr>
+        </p:nvSpPr>
+        <p:spPr/>
+        <p:txBody>
+          <a:bodyPr/>
+          <a:lstStyle/>
+          <a:p>
+            <a:pPr lvl="1"/>
             <a:r>
               <a:rPr/>
-              <a:t> </a:t>
-            </a:r>
+              <a:t>Introduce the Challenge/Activity</a:t>
+            </a:r>
+          </a:p>
+          <a:p>
+            <a:pPr lvl="1"/>
             <a:r>
               <a:rPr/>
-              <a:t>header</a:t>
-            </a:r>
+              <a:t>Theory to support learning outcomes and the Activity</a:t>
+            </a:r>
+          </a:p>
+          <a:p>
+            <a:pPr lvl="1"/>
             <a:r>
               <a:rPr/>
-              <a:t> </a:t>
-            </a:r>
-            <a:r>
-              <a:rPr/>
-              <a:t>(Slide</a:t>
-            </a:r>
-            <a:r>
-              <a:rPr/>
-              <a:t> </a:t>
-            </a:r>
-            <a:r>
-              <a:rPr/>
-              <a:t>2)</a:t>
-            </a:r>
-          </a:p>
-        </p:txBody>
-      </p:sp>
-    </p:spTree>
-  </p:cSld>
-</p:sld>
-</file>
-
-<file path=ppt/slides/slide3.xml><?xml version="1.0" encoding="utf-8"?>
-<p:sld xmlns:a="http://schemas.openxmlformats.org/drawingml/2006/main" xmlns:r="http://schemas.openxmlformats.org/officeDocument/2006/relationships" xmlns:p="http://schemas.openxmlformats.org/presentationml/2006/main">
-  <p:cSld>
-    <p:spTree>
-      <p:nvGrpSpPr>
-        <p:cNvPr id="1" name=""/>
-        <p:cNvGrpSpPr/>
-        <p:nvPr/>
-      </p:nvGrpSpPr>
-      <p:grpSpPr>
-        <a:xfrm>
-          <a:off x="0" y="0"/>
-          <a:ext cx="0" cy="0"/>
-          <a:chOff x="0" y="0"/>
-          <a:chExt cx="0" cy="0"/>
-        </a:xfrm>
-      </p:grpSpPr>
-      <p:sp>
-        <p:nvSpPr>
-          <p:cNvPr id="2" name="Title 1"/>
-          <p:cNvSpPr>
-            <a:spLocks noGrp="1"/>
-          </p:cNvSpPr>
-          <p:nvPr>
-            <p:ph type="title"/>
-          </p:nvPr>
-        </p:nvSpPr>
-        <p:spPr>
-          <a:xfrm>
-            <a:off x="722313" y="4406900"/>
-            <a:ext cx="7772400" cy="1362075"/>
-          </a:xfrm>
-        </p:spPr>
-        <p:txBody>
-          <a:bodyPr/>
-          <a:lstStyle/>
-          <a:p>
-            <a:pPr lvl="0" marL="0" indent="0">
-              <a:buNone/>
-            </a:pPr>
-            <a:r>
-              <a:rPr/>
-              <a:t>Section</a:t>
-            </a:r>
-            <a:r>
-              <a:rPr/>
-              <a:t> </a:t>
-            </a:r>
-            <a:r>
-              <a:rPr/>
-              <a:t>header</a:t>
-            </a:r>
-            <a:r>
-              <a:rPr/>
-              <a:t> </a:t>
-            </a:r>
-            <a:r>
-              <a:rPr/>
-              <a:t>(Slide</a:t>
-            </a:r>
-            <a:r>
-              <a:rPr/>
-              <a:t> </a:t>
-            </a:r>
-            <a:r>
-              <a:rPr/>
-              <a:t>3)</a:t>
-            </a:r>
-          </a:p>
-        </p:txBody>
-      </p:sp>
-    </p:spTree>
-  </p:cSld>
-</p:sld>
-</file>
-
-<file path=ppt/slides/slide4.xml><?xml version="1.0" encoding="utf-8"?>
-<p:sld xmlns:a="http://schemas.openxmlformats.org/drawingml/2006/main" xmlns:r="http://schemas.openxmlformats.org/officeDocument/2006/relationships" xmlns:p="http://schemas.openxmlformats.org/presentationml/2006/main">
-  <p:cSld>
-    <p:spTree>
-      <p:nvGrpSpPr>
-        <p:cNvPr id="1" name=""/>
-        <p:cNvGrpSpPr/>
-        <p:nvPr/>
-      </p:nvGrpSpPr>
-      <p:grpSpPr>
-        <a:xfrm>
-          <a:off x="0" y="0"/>
-          <a:ext cx="0" cy="0"/>
-          <a:chOff x="0" y="0"/>
-          <a:chExt cx="0" cy="0"/>
-        </a:xfrm>
-      </p:grpSpPr>
-      <p:sp>
-        <p:nvSpPr>
-          <p:cNvPr id="2" name="Title 1"/>
-          <p:cNvSpPr>
-            <a:spLocks noGrp="1"/>
-          </p:cNvSpPr>
-          <p:nvPr>
-            <p:ph type="title"/>
-          </p:nvPr>
-        </p:nvSpPr>
-        <p:spPr/>
-        <p:txBody>
-          <a:bodyPr/>
-          <a:lstStyle/>
-          <a:p>
-            <a:pPr lvl="0" marL="0" indent="0">
-              <a:buNone/>
-            </a:pPr>
-            <a:r>
-              <a:rPr/>
-              <a:t>Slide</a:t>
-            </a:r>
-            <a:r>
-              <a:rPr/>
-              <a:t> </a:t>
-            </a:r>
-            <a:r>
-              <a:rPr/>
-              <a:t>Title</a:t>
-            </a:r>
-            <a:r>
-              <a:rPr/>
-              <a:t> </a:t>
-            </a:r>
-            <a:r>
-              <a:rPr/>
-              <a:t>(Slide</a:t>
-            </a:r>
-            <a:r>
-              <a:rPr/>
-              <a:t> </a:t>
-            </a:r>
-            <a:r>
-              <a:rPr/>
-              <a:t>4)</a:t>
-            </a:r>
-          </a:p>
-        </p:txBody>
-      </p:sp>
-      <p:sp>
-        <p:nvSpPr>
-          <p:cNvPr id="3" name="Content Placeholder 2"/>
-          <p:cNvSpPr>
-            <a:spLocks noGrp="1"/>
-          </p:cNvSpPr>
-          <p:nvPr>
-            <p:ph idx="1"/>
-          </p:nvPr>
-        </p:nvSpPr>
-        <p:spPr/>
-        <p:txBody>
-          <a:bodyPr/>
-          <a:lstStyle/>
-          <a:p>
-            <a:pPr lvl="0" marL="0" indent="0">
-              <a:buNone/>
-            </a:pPr>
-            <a:r>
-              <a:rPr/>
-              <a:t>Slide Content (by default this content sets the slide level to three)</a:t>
-            </a:r>
-          </a:p>
-          <a:p>
-            <a:pPr lvl="0" marL="0" indent="0">
-              <a:spcBef>
-                <a:spcPts val="3000"/>
-              </a:spcBef>
-              <a:buNone/>
-            </a:pPr>
-            <a:r>
-              <a:rPr b="1"/>
-              <a:t>Slide content header (Slide 4)</a:t>
-            </a:r>
-          </a:p>
-          <a:p>
-            <a:pPr lvl="0" marL="0" indent="0">
-              <a:spcBef>
-                <a:spcPts val="3000"/>
-              </a:spcBef>
-              <a:buNone/>
-            </a:pPr>
-            <a:r>
-              <a:rPr b="1"/>
-              <a:t>Slide content header (Slide 4)</a:t>
-            </a:r>
-          </a:p>
-        </p:txBody>
-      </p:sp>
-    </p:spTree>
-  </p:cSld>
-</p:sld>
-</file>
-
-<file path=ppt/slides/slide5.xml><?xml version="1.0" encoding="utf-8"?>
-<p:sld xmlns:a="http://schemas.openxmlformats.org/drawingml/2006/main" xmlns:r="http://schemas.openxmlformats.org/officeDocument/2006/relationships" xmlns:p="http://schemas.openxmlformats.org/presentationml/2006/main">
-  <p:cSld>
-    <p:spTree>
-      <p:nvGrpSpPr>
-        <p:cNvPr id="1" name=""/>
-        <p:cNvGrpSpPr/>
-        <p:nvPr/>
-      </p:nvGrpSpPr>
-      <p:grpSpPr>
-        <a:xfrm>
-          <a:off x="0" y="0"/>
-          <a:ext cx="0" cy="0"/>
-          <a:chOff x="0" y="0"/>
-          <a:chExt cx="0" cy="0"/>
-        </a:xfrm>
-      </p:grpSpPr>
-      <p:sp>
-        <p:nvSpPr>
-          <p:cNvPr id="2" name="Title 1"/>
-          <p:cNvSpPr>
-            <a:spLocks noGrp="1"/>
-          </p:cNvSpPr>
-          <p:nvPr>
-            <p:ph type="title"/>
-          </p:nvPr>
-        </p:nvSpPr>
-        <p:spPr/>
-        <p:txBody>
-          <a:bodyPr/>
-          <a:lstStyle/>
-          <a:p>
-            <a:pPr lvl="0" marL="0" indent="0">
-              <a:buNone/>
-            </a:pPr>
-            <a:r>
-              <a:rPr/>
-              <a:t>Slide</a:t>
-            </a:r>
-            <a:r>
-              <a:rPr/>
-              <a:t> </a:t>
-            </a:r>
-            <a:r>
-              <a:rPr/>
-              <a:t>Title</a:t>
-            </a:r>
-            <a:r>
-              <a:rPr/>
-              <a:t> </a:t>
-            </a:r>
-            <a:r>
-              <a:rPr/>
-              <a:t>(Slide</a:t>
-            </a:r>
-            <a:r>
-              <a:rPr/>
-              <a:t> </a:t>
-            </a:r>
-            <a:r>
-              <a:rPr/>
-              <a:t>5)</a:t>
-            </a:r>
-          </a:p>
-        </p:txBody>
-      </p:sp>
-      <p:sp>
-        <p:nvSpPr>
-          <p:cNvPr id="3" name="Content Placeholder 2"/>
-          <p:cNvSpPr>
-            <a:spLocks noGrp="1"/>
-          </p:cNvSpPr>
-          <p:nvPr>
-            <p:ph idx="1"/>
-          </p:nvPr>
-        </p:nvSpPr>
-        <p:spPr/>
-        <p:txBody>
-          <a:bodyPr/>
-          <a:lstStyle/>
-          <a:p>
-            <a:pPr lvl="1"/>
-            <a:r>
-              <a:rPr/>
-              <a:t>list item 1</a:t>
-            </a:r>
-          </a:p>
-          <a:p>
-            <a:pPr lvl="1"/>
-            <a:r>
-              <a:rPr/>
-              <a:t>list item 2</a:t>
-            </a:r>
-          </a:p>
-          <a:p>
-            <a:pPr lvl="0" marL="0" indent="0">
-              <a:spcBef>
-                <a:spcPts val="3000"/>
-              </a:spcBef>
-              <a:buNone/>
-            </a:pPr>
-            <a:r>
-              <a:rPr b="1"/>
-              <a:t>List 2</a:t>
-            </a:r>
-          </a:p>
-          <a:p>
-            <a:pPr lvl="1"/>
-            <a:r>
-              <a:rPr/>
-              <a:t>list item 1</a:t>
-            </a:r>
-          </a:p>
-          <a:p>
-            <a:pPr lvl="1"/>
-            <a:r>
-              <a:rPr/>
-              <a:t>list item 2</a:t>
-            </a:r>
-          </a:p>
-        </p:txBody>
-      </p:sp>
-    </p:spTree>
-  </p:cSld>
-</p:sld>
-</file>
-
-<file path=ppt/slides/slide6.xml><?xml version="1.0" encoding="utf-8"?>
-<p:sld xmlns:a="http://schemas.openxmlformats.org/drawingml/2006/main" xmlns:r="http://schemas.openxmlformats.org/officeDocument/2006/relationships" xmlns:p="http://schemas.openxmlformats.org/presentationml/2006/main">
-  <p:cSld>
-    <p:spTree>
-      <p:nvGrpSpPr>
-        <p:cNvPr id="1" name=""/>
-        <p:cNvGrpSpPr/>
-        <p:nvPr/>
-      </p:nvGrpSpPr>
-      <p:grpSpPr>
-        <a:xfrm>
-          <a:off x="0" y="0"/>
-          <a:ext cx="0" cy="0"/>
-          <a:chOff x="0" y="0"/>
-          <a:chExt cx="0" cy="0"/>
-        </a:xfrm>
-      </p:grpSpPr>
-      <p:sp>
-        <p:nvSpPr>
-          <p:cNvPr id="2" name="Title 1"/>
-          <p:cNvSpPr>
-            <a:spLocks noGrp="1"/>
-          </p:cNvSpPr>
-          <p:nvPr>
-            <p:ph type="title"/>
-          </p:nvPr>
-        </p:nvSpPr>
-        <p:spPr/>
-        <p:txBody>
-          <a:bodyPr/>
-          <a:lstStyle/>
-          <a:p>
-            <a:pPr lvl="0" marL="0" indent="0">
-              <a:buNone/>
-            </a:pPr>
-            <a:r>
-              <a:rPr/>
-              <a:t>Code</a:t>
-            </a:r>
-            <a:r>
-              <a:rPr/>
-              <a:t> </a:t>
-            </a:r>
-            <a:r>
-              <a:rPr/>
-              <a:t>here</a:t>
-            </a:r>
-          </a:p>
-        </p:txBody>
-      </p:sp>
-      <p:sp>
-        <p:nvSpPr>
-          <p:cNvPr id="3" name="Content Placeholder 2"/>
-          <p:cNvSpPr>
-            <a:spLocks noGrp="1"/>
-          </p:cNvSpPr>
-          <p:nvPr>
-            <p:ph idx="1"/>
-          </p:nvPr>
-        </p:nvSpPr>
-        <p:spPr/>
-        <p:txBody>
-          <a:bodyPr/>
-          <a:lstStyle/>
-          <a:p>
-            <a:pPr lvl="0" indent="0">
-              <a:buNone/>
-            </a:pPr>
-            <a:br/>
-            <a:r>
-              <a:rPr i="1">
-                <a:solidFill>
-                  <a:srgbClr val="60A0B0"/>
-                </a:solidFill>
-                <a:latin typeface="Courier"/>
-              </a:rPr>
-              <a:t>// This is javascript code</a:t>
-            </a:r>
-            <a:br/>
-            <a:br/>
-            <a:r>
-              <a:rPr>
-                <a:latin typeface="Courier"/>
-              </a:rPr>
-              <a:t>console</a:t>
-            </a:r>
-            <a:r>
-              <a:rPr>
-                <a:solidFill>
-                  <a:srgbClr val="666666"/>
-                </a:solidFill>
-                <a:latin typeface="Courier"/>
-              </a:rPr>
-              <a:t>.</a:t>
-            </a:r>
-            <a:r>
-              <a:rPr>
-                <a:solidFill>
-                  <a:srgbClr val="06287E"/>
-                </a:solidFill>
-                <a:latin typeface="Courier"/>
-              </a:rPr>
-              <a:t>log</a:t>
-            </a:r>
-            <a:r>
-              <a:rPr>
-                <a:latin typeface="Courier"/>
-              </a:rPr>
-              <a:t>(</a:t>
-            </a:r>
-            <a:r>
-              <a:rPr>
-                <a:solidFill>
-                  <a:srgbClr val="4070A0"/>
-                </a:solidFill>
-                <a:latin typeface="Courier"/>
-              </a:rPr>
-              <a:t>`${</a:t>
-            </a:r>
-            <a:r>
-              <a:rPr>
-                <a:latin typeface="Courier"/>
-              </a:rPr>
-              <a:t>name</a:t>
-            </a:r>
-            <a:r>
-              <a:rPr>
-                <a:solidFill>
-                  <a:srgbClr val="4070A0"/>
-                </a:solidFill>
-                <a:latin typeface="Courier"/>
-              </a:rPr>
-              <a:t>} was here`</a:t>
-            </a:r>
-            <a:r>
-              <a:rPr>
-                <a:latin typeface="Courier"/>
-              </a:rPr>
-              <a:t>)</a:t>
-            </a:r>
-            <a:r>
-              <a:rPr>
-                <a:solidFill>
-                  <a:srgbClr val="666666"/>
-                </a:solidFill>
-                <a:latin typeface="Courier"/>
-              </a:rPr>
-              <a:t>;</a:t>
-            </a:r>
-          </a:p>
-        </p:txBody>
-      </p:sp>
-    </p:spTree>
-  </p:cSld>
-</p:sld>
-</file>
-
-<file path=ppt/slides/slide7.xml><?xml version="1.0" encoding="utf-8"?>
-<p:sld xmlns:a="http://schemas.openxmlformats.org/drawingml/2006/main" xmlns:r="http://schemas.openxmlformats.org/officeDocument/2006/relationships" xmlns:p="http://schemas.openxmlformats.org/presentationml/2006/main">
-  <p:cSld>
-    <p:spTree>
-      <p:nvGrpSpPr>
-        <p:cNvPr id="1" name=""/>
-        <p:cNvGrpSpPr/>
-        <p:nvPr/>
-      </p:nvGrpSpPr>
-      <p:grpSpPr>
-        <a:xfrm>
-          <a:off x="0" y="0"/>
-          <a:ext cx="0" cy="0"/>
-          <a:chOff x="0" y="0"/>
-          <a:chExt cx="0" cy="0"/>
-        </a:xfrm>
-      </p:grpSpPr>
-      <p:sp>
-        <p:nvSpPr>
-          <p:cNvPr id="2" name="Title 1"/>
-          <p:cNvSpPr>
-            <a:spLocks noGrp="1"/>
-          </p:cNvSpPr>
-          <p:nvPr>
-            <p:ph type="title"/>
-          </p:nvPr>
-        </p:nvSpPr>
-        <p:spPr/>
-        <p:txBody>
-          <a:bodyPr/>
-          <a:lstStyle/>
-          <a:p>
-            <a:pPr lvl="0" marL="0" indent="0">
-              <a:buNone/>
-            </a:pPr>
-            <a:r>
-              <a:rPr/>
-              <a:t>Another</a:t>
-            </a:r>
-            <a:r>
-              <a:rPr/>
-              <a:t> </a:t>
-            </a:r>
-            <a:r>
-              <a:rPr/>
-              <a:t>Slide</a:t>
-            </a:r>
-          </a:p>
-        </p:txBody>
-      </p:sp>
-      <p:sp>
-        <p:nvSpPr>
-          <p:cNvPr id="3" name="Content Placeholder 2"/>
-          <p:cNvSpPr>
-            <a:spLocks noGrp="1"/>
-          </p:cNvSpPr>
-          <p:nvPr>
-            <p:ph idx="1"/>
-          </p:nvPr>
-        </p:nvSpPr>
-        <p:spPr/>
-        <p:txBody>
-          <a:bodyPr/>
-          <a:lstStyle/>
-          <a:p>
-            <a:pPr lvl="1"/>
-            <a:r>
-              <a:rPr/>
-              <a:t>I don’t think this should work???</a:t>
-            </a:r>
-          </a:p>
-          <a:p>
-            <a:pPr lvl="1"/>
-            <a:r>
-              <a:rPr/>
-              <a:t>lets see</a:t>
+              <a:t>Initial demo of activity</a:t>
             </a:r>
           </a:p>
         </p:txBody>
@@ -4868,265 +3585,4 @@
   </a:objectDefaults>
   <a:extraClrSchemeLst/>
 </a:theme>
-</file>
-
-<file path=ppt/theme/theme2.xml><?xml version="1.0" encoding="utf-8"?>
-<a:theme xmlns:a="http://schemas.openxmlformats.org/drawingml/2006/main" name="Office Theme">
-  <a:themeElements>
-    <a:clrScheme name="Office">
-      <a:dk1>
-        <a:sysClr val="windowText" lastClr="000000"/>
-      </a:dk1>
-      <a:lt1>
-        <a:sysClr val="window" lastClr="FFFFFF"/>
-      </a:lt1>
-      <a:dk2>
-        <a:srgbClr val="44546A"/>
-      </a:dk2>
-      <a:lt2>
-        <a:srgbClr val="E7E6E6"/>
-      </a:lt2>
-      <a:accent1>
-        <a:srgbClr val="5B9BD5"/>
-      </a:accent1>
-      <a:accent2>
-        <a:srgbClr val="ED7D31"/>
-      </a:accent2>
-      <a:accent3>
-        <a:srgbClr val="A5A5A5"/>
-      </a:accent3>
-      <a:accent4>
-        <a:srgbClr val="FFC000"/>
-      </a:accent4>
-      <a:accent5>
-        <a:srgbClr val="4472C4"/>
-      </a:accent5>
-      <a:accent6>
-        <a:srgbClr val="70AD47"/>
-      </a:accent6>
-      <a:hlink>
-        <a:srgbClr val="0563C1"/>
-      </a:hlink>
-      <a:folHlink>
-        <a:srgbClr val="954F72"/>
-      </a:folHlink>
-    </a:clrScheme>
-    <a:fontScheme name="Office">
-      <a:majorFont>
-        <a:latin typeface="Calibri Light" panose="020F0302020204030204"/>
-        <a:ea typeface=""/>
-        <a:cs typeface=""/>
-        <a:font script="Jpan" typeface="ＭＳ Ｐゴシック"/>
-        <a:font script="Hang" typeface="맑은 고딕"/>
-        <a:font script="Hans" typeface="宋体"/>
-        <a:font script="Hant" typeface="新細明體"/>
-        <a:font script="Arab" typeface="Times New Roman"/>
-        <a:font script="Hebr" typeface="Times New Roman"/>
-        <a:font script="Thai" typeface="Angsana New"/>
-        <a:font script="Ethi" typeface="Nyala"/>
-        <a:font script="Beng" typeface="Vrinda"/>
-        <a:font script="Gujr" typeface="Shruti"/>
-        <a:font script="Khmr" typeface="MoolBoran"/>
-        <a:font script="Knda" typeface="Tunga"/>
-        <a:font script="Guru" typeface="Raavi"/>
-        <a:font script="Cans" typeface="Euphemia"/>
-        <a:font script="Cher" typeface="Plantagenet Cherokee"/>
-        <a:font script="Yiii" typeface="Microsoft Yi Baiti"/>
-        <a:font script="Tibt" typeface="Microsoft Himalaya"/>
-        <a:font script="Thaa" typeface="MV Boli"/>
-        <a:font script="Deva" typeface="Mangal"/>
-        <a:font script="Telu" typeface="Gautami"/>
-        <a:font script="Taml" typeface="Latha"/>
-        <a:font script="Syrc" typeface="Estrangelo Edessa"/>
-        <a:font script="Orya" typeface="Kalinga"/>
-        <a:font script="Mlym" typeface="Kartika"/>
-        <a:font script="Laoo" typeface="DokChampa"/>
-        <a:font script="Sinh" typeface="Iskoola Pota"/>
-        <a:font script="Mong" typeface="Mongolian Baiti"/>
-        <a:font script="Viet" typeface="Times New Roman"/>
-        <a:font script="Uigh" typeface="Microsoft Uighur"/>
-        <a:font script="Geor" typeface="Sylfaen"/>
-      </a:majorFont>
-      <a:minorFont>
-        <a:latin typeface="Calibri" panose="020F0502020204030204"/>
-        <a:ea typeface=""/>
-        <a:cs typeface=""/>
-        <a:font script="Jpan" typeface="ＭＳ Ｐゴシック"/>
-        <a:font script="Hang" typeface="맑은 고딕"/>
-        <a:font script="Hans" typeface="宋体"/>
-        <a:font script="Hant" typeface="新細明體"/>
-        <a:font script="Arab" typeface="Arial"/>
-        <a:font script="Hebr" typeface="Arial"/>
-        <a:font script="Thai" typeface="Cordia New"/>
-        <a:font script="Ethi" typeface="Nyala"/>
-        <a:font script="Beng" typeface="Vrinda"/>
-        <a:font script="Gujr" typeface="Shruti"/>
-        <a:font script="Khmr" typeface="DaunPenh"/>
-        <a:font script="Knda" typeface="Tunga"/>
-        <a:font script="Guru" typeface="Raavi"/>
-        <a:font script="Cans" typeface="Euphemia"/>
-        <a:font script="Cher" typeface="Plantagenet Cherokee"/>
-        <a:font script="Yiii" typeface="Microsoft Yi Baiti"/>
-        <a:font script="Tibt" typeface="Microsoft Himalaya"/>
-        <a:font script="Thaa" typeface="MV Boli"/>
-        <a:font script="Deva" typeface="Mangal"/>
-        <a:font script="Telu" typeface="Gautami"/>
-        <a:font script="Taml" typeface="Latha"/>
-        <a:font script="Syrc" typeface="Estrangelo Edessa"/>
-        <a:font script="Orya" typeface="Kalinga"/>
-        <a:font script="Mlym" typeface="Kartika"/>
-        <a:font script="Laoo" typeface="DokChampa"/>
-        <a:font script="Sinh" typeface="Iskoola Pota"/>
-        <a:font script="Mong" typeface="Mongolian Baiti"/>
-        <a:font script="Viet" typeface="Arial"/>
-        <a:font script="Uigh" typeface="Microsoft Uighur"/>
-        <a:font script="Geor" typeface="Sylfaen"/>
-      </a:minorFont>
-    </a:fontScheme>
-    <a:fmtScheme name="Office">
-      <a:fillStyleLst>
-        <a:solidFill>
-          <a:schemeClr val="phClr"/>
-        </a:solidFill>
-        <a:gradFill rotWithShape="1">
-          <a:gsLst>
-            <a:gs pos="0">
-              <a:schemeClr val="phClr">
-                <a:lumMod val="110000"/>
-                <a:satMod val="105000"/>
-                <a:tint val="67000"/>
-              </a:schemeClr>
-            </a:gs>
-            <a:gs pos="50000">
-              <a:schemeClr val="phClr">
-                <a:lumMod val="105000"/>
-                <a:satMod val="103000"/>
-                <a:tint val="73000"/>
-              </a:schemeClr>
-            </a:gs>
-            <a:gs pos="100000">
-              <a:schemeClr val="phClr">
-                <a:lumMod val="105000"/>
-                <a:satMod val="109000"/>
-                <a:tint val="81000"/>
-              </a:schemeClr>
-            </a:gs>
-          </a:gsLst>
-          <a:lin ang="5400000" scaled="0"/>
-        </a:gradFill>
-        <a:gradFill rotWithShape="1">
-          <a:gsLst>
-            <a:gs pos="0">
-              <a:schemeClr val="phClr">
-                <a:satMod val="103000"/>
-                <a:lumMod val="102000"/>
-                <a:tint val="94000"/>
-              </a:schemeClr>
-            </a:gs>
-            <a:gs pos="50000">
-              <a:schemeClr val="phClr">
-                <a:satMod val="110000"/>
-                <a:lumMod val="100000"/>
-                <a:shade val="100000"/>
-              </a:schemeClr>
-            </a:gs>
-            <a:gs pos="100000">
-              <a:schemeClr val="phClr">
-                <a:lumMod val="99000"/>
-                <a:satMod val="120000"/>
-                <a:shade val="78000"/>
-              </a:schemeClr>
-            </a:gs>
-          </a:gsLst>
-          <a:lin ang="5400000" scaled="0"/>
-        </a:gradFill>
-      </a:fillStyleLst>
-      <a:lnStyleLst>
-        <a:ln w="6350" cap="flat" cmpd="sng" algn="ctr">
-          <a:solidFill>
-            <a:schemeClr val="phClr"/>
-          </a:solidFill>
-          <a:prstDash val="solid"/>
-          <a:miter lim="800000"/>
-        </a:ln>
-        <a:ln w="12700" cap="flat" cmpd="sng" algn="ctr">
-          <a:solidFill>
-            <a:schemeClr val="phClr"/>
-          </a:solidFill>
-          <a:prstDash val="solid"/>
-          <a:miter lim="800000"/>
-        </a:ln>
-        <a:ln w="19050" cap="flat" cmpd="sng" algn="ctr">
-          <a:solidFill>
-            <a:schemeClr val="phClr"/>
-          </a:solidFill>
-          <a:prstDash val="solid"/>
-          <a:miter lim="800000"/>
-        </a:ln>
-      </a:lnStyleLst>
-      <a:effectStyleLst>
-        <a:effectStyle>
-          <a:effectLst/>
-        </a:effectStyle>
-        <a:effectStyle>
-          <a:effectLst/>
-        </a:effectStyle>
-        <a:effectStyle>
-          <a:effectLst>
-            <a:outerShdw blurRad="57150" dist="19050" dir="5400000" algn="ctr" rotWithShape="0">
-              <a:srgbClr val="000000">
-                <a:alpha val="63000"/>
-              </a:srgbClr>
-            </a:outerShdw>
-          </a:effectLst>
-        </a:effectStyle>
-      </a:effectStyleLst>
-      <a:bgFillStyleLst>
-        <a:solidFill>
-          <a:schemeClr val="phClr"/>
-        </a:solidFill>
-        <a:solidFill>
-          <a:schemeClr val="phClr">
-            <a:tint val="95000"/>
-            <a:satMod val="170000"/>
-          </a:schemeClr>
-        </a:solidFill>
-        <a:gradFill rotWithShape="1">
-          <a:gsLst>
-            <a:gs pos="0">
-              <a:schemeClr val="phClr">
-                <a:tint val="93000"/>
-                <a:satMod val="150000"/>
-                <a:shade val="98000"/>
-                <a:lumMod val="102000"/>
-              </a:schemeClr>
-            </a:gs>
-            <a:gs pos="50000">
-              <a:schemeClr val="phClr">
-                <a:tint val="98000"/>
-                <a:satMod val="130000"/>
-                <a:shade val="90000"/>
-                <a:lumMod val="103000"/>
-              </a:schemeClr>
-            </a:gs>
-            <a:gs pos="100000">
-              <a:schemeClr val="phClr">
-                <a:shade val="63000"/>
-                <a:satMod val="120000"/>
-              </a:schemeClr>
-            </a:gs>
-          </a:gsLst>
-          <a:lin ang="5400000" scaled="0"/>
-        </a:gradFill>
-      </a:bgFillStyleLst>
-    </a:fmtScheme>
-  </a:themeElements>
-  <a:objectDefaults/>
-  <a:extraClrSchemeLst/>
-  <a:extLst>
-    <a:ext uri="{05A4C25C-085E-4340-85A3-A5531E510DB2}">
-      <thm15:themeFamily xmlns:thm15="http://schemas.microsoft.com/office/thememl/2012/main" name="Office Theme" id="{62F939B6-93AF-4DB8-9C6B-D6C7DFDC589F}" vid="{4A3C46E8-61CC-4603-A589-7422A47A8E4A}"/>
-    </a:ext>
-  </a:extLst>
-</a:theme>
 </file>
--- a/monolith_instrumenting/slides.pptx
+++ b/monolith_instrumenting/slides.pptx
@@ -7,6 +7,15 @@
   <p:sldIdLst>
     <p:sldId id="256" r:id="rId2"/>
     <p:sldId id="257" r:id="rId3"/>
+    <p:sldId id="258" r:id="rId4"/>
+    <p:sldId id="259" r:id="rId5"/>
+    <p:sldId id="260" r:id="rId6"/>
+    <p:sldId id="261" r:id="rId7"/>
+    <p:sldId id="262" r:id="rId8"/>
+    <p:sldId id="263" r:id="rId9"/>
+    <p:sldId id="264" r:id="rId10"/>
+    <p:sldId id="265" r:id="rId11"/>
+    <p:sldId id="266" r:id="rId12"/>
   </p:sldIdLst>
   <p:sldSz cx="9144000" cy="6858000" type="screen4x3"/>
   <p:notesSz cx="6858000" cy="9144000"/>
@@ -3183,6 +3192,269 @@
 </p:sld>
 </file>
 
+<file path=ppt/slides/slide10.xml><?xml version="1.0" encoding="utf-8"?>
+<p:sld xmlns:a="http://schemas.openxmlformats.org/drawingml/2006/main" xmlns:r="http://schemas.openxmlformats.org/officeDocument/2006/relationships" xmlns:p="http://schemas.openxmlformats.org/presentationml/2006/main">
+  <p:cSld>
+    <p:spTree>
+      <p:nvGrpSpPr>
+        <p:cNvPr id="1" name=""/>
+        <p:cNvGrpSpPr/>
+        <p:nvPr/>
+      </p:nvGrpSpPr>
+      <p:grpSpPr>
+        <a:xfrm>
+          <a:off x="0" y="0"/>
+          <a:ext cx="0" cy="0"/>
+          <a:chOff x="0" y="0"/>
+          <a:chExt cx="0" cy="0"/>
+        </a:xfrm>
+      </p:grpSpPr>
+      <p:sp>
+        <p:nvSpPr>
+          <p:cNvPr id="2" name="Title 1"/>
+          <p:cNvSpPr>
+            <a:spLocks noGrp="1"/>
+          </p:cNvSpPr>
+          <p:nvPr>
+            <p:ph type="title"/>
+          </p:nvPr>
+        </p:nvSpPr>
+        <p:spPr/>
+        <p:txBody>
+          <a:bodyPr/>
+          <a:lstStyle/>
+          <a:p>
+            <a:pPr lvl="0" marL="0" indent="0">
+              <a:buNone/>
+            </a:pPr>
+            <a:r>
+              <a:rPr/>
+              <a:t>Telemetry</a:t>
+            </a:r>
+            <a:r>
+              <a:rPr/>
+              <a:t> </a:t>
+            </a:r>
+            <a:r>
+              <a:rPr/>
+              <a:t>Schemas</a:t>
+            </a:r>
+          </a:p>
+        </p:txBody>
+      </p:sp>
+      <p:pic>
+        <p:nvPicPr>
+          <p:cNvPr descr="images/schemas.png" id="0" name="Picture 1"/>
+          <p:cNvPicPr>
+            <a:picLocks noGrp="1" noChangeAspect="1"/>
+          </p:cNvPicPr>
+          <p:nvPr/>
+        </p:nvPicPr>
+        <p:blipFill>
+          <a:blip r:embed="rId2"/>
+          <a:stretch>
+            <a:fillRect/>
+          </a:stretch>
+        </p:blipFill>
+        <p:spPr bwMode="auto">
+          <a:xfrm>
+            <a:off x="1498600" y="1600200"/>
+            <a:ext cx="6159500" cy="4013200"/>
+          </a:xfrm>
+          <a:prstGeom prst="rect">
+            <a:avLst/>
+          </a:prstGeom>
+          <a:noFill/>
+          <a:ln w="9525">
+            <a:noFill/>
+            <a:headEnd/>
+            <a:tailEnd/>
+          </a:ln>
+        </p:spPr>
+      </p:pic>
+      <p:sp>
+        <p:nvSpPr>
+          <p:cNvPr id="1" name="TextBox 3"/>
+          <p:cNvSpPr txBox="1"/>
+          <p:nvPr/>
+        </p:nvSpPr>
+        <p:spPr>
+          <a:xfrm>
+            <a:off x="457200" y="5613400"/>
+            <a:ext cx="8229600" cy="508000"/>
+          </a:xfrm>
+          <a:prstGeom prst="rect">
+            <a:avLst/>
+          </a:prstGeom>
+          <a:noFill/>
+        </p:spPr>
+        <p:txBody>
+          <a:bodyPr/>
+          <a:lstStyle/>
+          <a:p>
+            <a:pPr lvl="0" marL="0" indent="0" algn="ctr">
+              <a:buNone/>
+            </a:pPr>
+            <a:r>
+              <a:rPr/>
+              <a:t>An</a:t>
+            </a:r>
+            <a:r>
+              <a:rPr/>
+              <a:t> </a:t>
+            </a:r>
+            <a:r>
+              <a:rPr/>
+              <a:t>example</a:t>
+            </a:r>
+            <a:r>
+              <a:rPr/>
+              <a:t> </a:t>
+            </a:r>
+            <a:r>
+              <a:rPr/>
+              <a:t>of</a:t>
+            </a:r>
+            <a:r>
+              <a:rPr/>
+              <a:t> </a:t>
+            </a:r>
+            <a:r>
+              <a:rPr/>
+              <a:t>a</a:t>
+            </a:r>
+            <a:r>
+              <a:rPr/>
+              <a:t> </a:t>
+            </a:r>
+            <a:r>
+              <a:rPr/>
+              <a:t>schema-aware</a:t>
+            </a:r>
+            <a:r>
+              <a:rPr/>
+              <a:t> </a:t>
+            </a:r>
+            <a:r>
+              <a:rPr/>
+              <a:t>telemetry</a:t>
+            </a:r>
+            <a:r>
+              <a:rPr/>
+              <a:t> </a:t>
+            </a:r>
+            <a:r>
+              <a:rPr/>
+              <a:t>system</a:t>
+            </a:r>
+          </a:p>
+        </p:txBody>
+      </p:sp>
+    </p:spTree>
+  </p:cSld>
+</p:sld>
+</file>
+
+<file path=ppt/slides/slide11.xml><?xml version="1.0" encoding="utf-8"?>
+<p:sld xmlns:a="http://schemas.openxmlformats.org/drawingml/2006/main" xmlns:r="http://schemas.openxmlformats.org/officeDocument/2006/relationships" xmlns:p="http://schemas.openxmlformats.org/presentationml/2006/main">
+  <p:cSld>
+    <p:spTree>
+      <p:nvGrpSpPr>
+        <p:cNvPr id="1" name=""/>
+        <p:cNvGrpSpPr/>
+        <p:nvPr/>
+      </p:nvGrpSpPr>
+      <p:grpSpPr>
+        <a:xfrm>
+          <a:off x="0" y="0"/>
+          <a:ext cx="0" cy="0"/>
+          <a:chOff x="0" y="0"/>
+          <a:chExt cx="0" cy="0"/>
+        </a:xfrm>
+      </p:grpSpPr>
+      <p:sp>
+        <p:nvSpPr>
+          <p:cNvPr id="2" name="Title 1"/>
+          <p:cNvSpPr>
+            <a:spLocks noGrp="1"/>
+          </p:cNvSpPr>
+          <p:nvPr>
+            <p:ph type="title"/>
+          </p:nvPr>
+        </p:nvSpPr>
+        <p:spPr/>
+        <p:txBody>
+          <a:bodyPr/>
+          <a:lstStyle/>
+          <a:p>
+            <a:pPr lvl="0" marL="0" indent="0">
+              <a:buNone/>
+            </a:pPr>
+            <a:r>
+              <a:rPr/>
+              <a:t>Open</a:t>
+            </a:r>
+            <a:r>
+              <a:rPr/>
+              <a:t> </a:t>
+            </a:r>
+            <a:r>
+              <a:rPr/>
+              <a:t>Telemetry</a:t>
+            </a:r>
+            <a:r>
+              <a:rPr/>
+              <a:t> </a:t>
+            </a:r>
+            <a:r>
+              <a:rPr/>
+              <a:t>Collector</a:t>
+            </a:r>
+          </a:p>
+        </p:txBody>
+      </p:sp>
+      <p:sp>
+        <p:nvSpPr>
+          <p:cNvPr id="3" name="Content Placeholder 2"/>
+          <p:cNvSpPr>
+            <a:spLocks noGrp="1"/>
+          </p:cNvSpPr>
+          <p:nvPr>
+            <p:ph idx="1"/>
+          </p:nvPr>
+        </p:nvSpPr>
+        <p:spPr/>
+        <p:txBody>
+          <a:bodyPr/>
+          <a:lstStyle/>
+          <a:p>
+            <a:pPr lvl="1"/>
+            <a:r>
+              <a:rPr/>
+              <a:t>can provide schema transformations</a:t>
+            </a:r>
+          </a:p>
+          <a:p>
+            <a:pPr lvl="1"/>
+            <a:r>
+              <a:rPr/>
+              <a:t>support changes in semantic conventions (and their associated support in analysis tools)</a:t>
+            </a:r>
+          </a:p>
+          <a:p>
+            <a:pPr lvl="1"/>
+            <a:r>
+              <a:rPr/>
+              <a:t>without having to reinstrument or redefine output from existing services</a:t>
+            </a:r>
+          </a:p>
+        </p:txBody>
+      </p:sp>
+    </p:spTree>
+  </p:cSld>
+</p:sld>
+</file>
+
 <file path=ppt/slides/slide2.xml><?xml version="1.0" encoding="utf-8"?>
 <p:sld xmlns:a="http://schemas.openxmlformats.org/drawingml/2006/main" xmlns:r="http://schemas.openxmlformats.org/officeDocument/2006/relationships" xmlns:p="http://schemas.openxmlformats.org/presentationml/2006/main">
   <p:cSld>
@@ -3243,6 +3515,13 @@
             <a:pPr lvl="1"/>
             <a:r>
               <a:rPr/>
+              <a:t>Review database lab</a:t>
+            </a:r>
+          </a:p>
+          <a:p>
+            <a:pPr lvl="1"/>
+            <a:r>
+              <a:rPr/>
               <a:t>Introduce the Challenge/Activity</a:t>
             </a:r>
           </a:p>
@@ -3258,6 +3537,1226 @@
             <a:r>
               <a:rPr/>
               <a:t>Initial demo of activity</a:t>
+            </a:r>
+          </a:p>
+          <a:p>
+            <a:pPr lvl="0" marL="0" indent="0">
+              <a:buNone/>
+            </a:pPr>
+            <a:r>
+              <a:rPr/>
+              <a:t>Chapter 3 and 5 in the book</a:t>
+            </a:r>
+          </a:p>
+        </p:txBody>
+      </p:sp>
+    </p:spTree>
+  </p:cSld>
+</p:sld>
+</file>
+
+<file path=ppt/slides/slide3.xml><?xml version="1.0" encoding="utf-8"?>
+<p:sld xmlns:a="http://schemas.openxmlformats.org/drawingml/2006/main" xmlns:r="http://schemas.openxmlformats.org/officeDocument/2006/relationships" xmlns:p="http://schemas.openxmlformats.org/presentationml/2006/main">
+  <p:cSld>
+    <p:spTree>
+      <p:nvGrpSpPr>
+        <p:cNvPr id="1" name=""/>
+        <p:cNvGrpSpPr/>
+        <p:nvPr/>
+      </p:nvGrpSpPr>
+      <p:grpSpPr>
+        <a:xfrm>
+          <a:off x="0" y="0"/>
+          <a:ext cx="0" cy="0"/>
+          <a:chOff x="0" y="0"/>
+          <a:chExt cx="0" cy="0"/>
+        </a:xfrm>
+      </p:grpSpPr>
+      <p:sp>
+        <p:nvSpPr>
+          <p:cNvPr id="2" name="Title 1"/>
+          <p:cNvSpPr>
+            <a:spLocks noGrp="1"/>
+          </p:cNvSpPr>
+          <p:nvPr>
+            <p:ph type="title"/>
+          </p:nvPr>
+        </p:nvSpPr>
+        <p:spPr/>
+        <p:txBody>
+          <a:bodyPr/>
+          <a:lstStyle/>
+          <a:p>
+            <a:pPr lvl="0" marL="0" indent="0">
+              <a:buNone/>
+            </a:pPr>
+            <a:r>
+              <a:rPr/>
+              <a:t>Otel</a:t>
+            </a:r>
+            <a:r>
+              <a:rPr/>
+              <a:t> </a:t>
+            </a:r>
+            <a:r>
+              <a:rPr/>
+              <a:t>Collector</a:t>
+            </a:r>
+            <a:r>
+              <a:rPr/>
+              <a:t> </a:t>
+            </a:r>
+            <a:r>
+              <a:rPr/>
+              <a:t>for</a:t>
+            </a:r>
+            <a:r>
+              <a:rPr/>
+              <a:t> </a:t>
+            </a:r>
+            <a:r>
+              <a:rPr/>
+              <a:t>Database</a:t>
+            </a:r>
+            <a:r>
+              <a:rPr/>
+              <a:t> </a:t>
+            </a:r>
+            <a:r>
+              <a:rPr/>
+              <a:t>(R)</a:t>
+            </a:r>
+          </a:p>
+        </p:txBody>
+      </p:sp>
+      <p:sp>
+        <p:nvSpPr>
+          <p:cNvPr id="3" name="Content Placeholder 2"/>
+          <p:cNvSpPr>
+            <a:spLocks noGrp="1"/>
+          </p:cNvSpPr>
+          <p:nvPr>
+            <p:ph idx="1"/>
+          </p:nvPr>
+        </p:nvSpPr>
+        <p:spPr/>
+        <p:txBody>
+          <a:bodyPr/>
+          <a:lstStyle/>
+          <a:p>
+            <a:pPr lvl="0" indent="0">
+              <a:buNone/>
+            </a:pPr>
+            <a:r>
+              <a:rPr>
+                <a:solidFill>
+                  <a:srgbClr val="7D9029"/>
+                </a:solidFill>
+                <a:latin typeface="Courier"/>
+              </a:rPr>
+              <a:t>    </a:t>
+            </a:r>
+            <a:r>
+              <a:rPr>
+                <a:solidFill>
+                  <a:srgbClr val="06287E"/>
+                </a:solidFill>
+                <a:latin typeface="Courier"/>
+              </a:rPr>
+              <a:t>queries</a:t>
+            </a:r>
+            <a:r>
+              <a:rPr b="1">
+                <a:solidFill>
+                  <a:srgbClr val="007020"/>
+                </a:solidFill>
+                <a:latin typeface="Courier"/>
+              </a:rPr>
+              <a:t>:</a:t>
+            </a:r>
+            <a:br/>
+            <a:r>
+              <a:rPr>
+                <a:solidFill>
+                  <a:srgbClr val="7D9029"/>
+                </a:solidFill>
+                <a:latin typeface="Courier"/>
+              </a:rPr>
+              <a:t>      </a:t>
+            </a:r>
+            <a:r>
+              <a:rPr b="1">
+                <a:solidFill>
+                  <a:srgbClr val="007020"/>
+                </a:solidFill>
+                <a:latin typeface="Courier"/>
+              </a:rPr>
+              <a:t>-</a:t>
+            </a:r>
+            <a:r>
+              <a:rPr>
+                <a:solidFill>
+                  <a:srgbClr val="7D9029"/>
+                </a:solidFill>
+                <a:latin typeface="Courier"/>
+              </a:rPr>
+              <a:t> </a:t>
+            </a:r>
+            <a:r>
+              <a:rPr>
+                <a:solidFill>
+                  <a:srgbClr val="06287E"/>
+                </a:solidFill>
+                <a:latin typeface="Courier"/>
+              </a:rPr>
+              <a:t>sql</a:t>
+            </a:r>
+            <a:r>
+              <a:rPr b="1">
+                <a:solidFill>
+                  <a:srgbClr val="007020"/>
+                </a:solidFill>
+                <a:latin typeface="Courier"/>
+              </a:rPr>
+              <a:t>:</a:t>
+            </a:r>
+            <a:r>
+              <a:rPr>
+                <a:solidFill>
+                  <a:srgbClr val="7D9029"/>
+                </a:solidFill>
+                <a:latin typeface="Courier"/>
+              </a:rPr>
+              <a:t> </a:t>
+            </a:r>
+            <a:r>
+              <a:rPr>
+                <a:solidFill>
+                  <a:srgbClr val="4070A0"/>
+                </a:solidFill>
+                <a:latin typeface="Courier"/>
+              </a:rPr>
+              <a:t>"SELECT sum(xact_commit+xact_rollback) as count_test FROM pg_stat_database; "</a:t>
+            </a:r>
+            <a:br/>
+            <a:r>
+              <a:rPr>
+                <a:solidFill>
+                  <a:srgbClr val="7D9029"/>
+                </a:solidFill>
+                <a:latin typeface="Courier"/>
+              </a:rPr>
+              <a:t>        </a:t>
+            </a:r>
+            <a:r>
+              <a:rPr>
+                <a:solidFill>
+                  <a:srgbClr val="06287E"/>
+                </a:solidFill>
+                <a:latin typeface="Courier"/>
+              </a:rPr>
+              <a:t>metrics</a:t>
+            </a:r>
+            <a:r>
+              <a:rPr b="1">
+                <a:solidFill>
+                  <a:srgbClr val="007020"/>
+                </a:solidFill>
+                <a:latin typeface="Courier"/>
+              </a:rPr>
+              <a:t>:</a:t>
+            </a:r>
+            <a:br/>
+            <a:r>
+              <a:rPr>
+                <a:solidFill>
+                  <a:srgbClr val="7D9029"/>
+                </a:solidFill>
+                <a:latin typeface="Courier"/>
+              </a:rPr>
+              <a:t>          </a:t>
+            </a:r>
+            <a:r>
+              <a:rPr b="1">
+                <a:solidFill>
+                  <a:srgbClr val="007020"/>
+                </a:solidFill>
+                <a:latin typeface="Courier"/>
+              </a:rPr>
+              <a:t>-</a:t>
+            </a:r>
+            <a:r>
+              <a:rPr>
+                <a:solidFill>
+                  <a:srgbClr val="7D9029"/>
+                </a:solidFill>
+                <a:latin typeface="Courier"/>
+              </a:rPr>
+              <a:t> </a:t>
+            </a:r>
+            <a:r>
+              <a:rPr>
+                <a:solidFill>
+                  <a:srgbClr val="06287E"/>
+                </a:solidFill>
+                <a:latin typeface="Courier"/>
+              </a:rPr>
+              <a:t>metric_name</a:t>
+            </a:r>
+            <a:r>
+              <a:rPr b="1">
+                <a:solidFill>
+                  <a:srgbClr val="007020"/>
+                </a:solidFill>
+                <a:latin typeface="Courier"/>
+              </a:rPr>
+              <a:t>:</a:t>
+            </a:r>
+            <a:r>
+              <a:rPr>
+                <a:solidFill>
+                  <a:srgbClr val="7D9029"/>
+                </a:solidFill>
+                <a:latin typeface="Courier"/>
+              </a:rPr>
+              <a:t> query_requests</a:t>
+            </a:r>
+            <a:r>
+              <a:rPr i="1">
+                <a:solidFill>
+                  <a:srgbClr val="60A0B0"/>
+                </a:solidFill>
+                <a:latin typeface="Courier"/>
+              </a:rPr>
+              <a:t> # R from REDS</a:t>
+            </a:r>
+            <a:br/>
+            <a:r>
+              <a:rPr>
+                <a:solidFill>
+                  <a:srgbClr val="7D9029"/>
+                </a:solidFill>
+                <a:latin typeface="Courier"/>
+              </a:rPr>
+              <a:t>            </a:t>
+            </a:r>
+            <a:r>
+              <a:rPr>
+                <a:solidFill>
+                  <a:srgbClr val="06287E"/>
+                </a:solidFill>
+                <a:latin typeface="Courier"/>
+              </a:rPr>
+              <a:t>value_column</a:t>
+            </a:r>
+            <a:r>
+              <a:rPr b="1">
+                <a:solidFill>
+                  <a:srgbClr val="007020"/>
+                </a:solidFill>
+                <a:latin typeface="Courier"/>
+              </a:rPr>
+              <a:t>:</a:t>
+            </a:r>
+            <a:r>
+              <a:rPr>
+                <a:solidFill>
+                  <a:srgbClr val="7D9029"/>
+                </a:solidFill>
+                <a:latin typeface="Courier"/>
+              </a:rPr>
+              <a:t> count_test</a:t>
+            </a:r>
+          </a:p>
+        </p:txBody>
+      </p:sp>
+    </p:spTree>
+  </p:cSld>
+</p:sld>
+</file>
+
+<file path=ppt/slides/slide4.xml><?xml version="1.0" encoding="utf-8"?>
+<p:sld xmlns:a="http://schemas.openxmlformats.org/drawingml/2006/main" xmlns:r="http://schemas.openxmlformats.org/officeDocument/2006/relationships" xmlns:p="http://schemas.openxmlformats.org/presentationml/2006/main">
+  <p:cSld>
+    <p:spTree>
+      <p:nvGrpSpPr>
+        <p:cNvPr id="1" name=""/>
+        <p:cNvGrpSpPr/>
+        <p:nvPr/>
+      </p:nvGrpSpPr>
+      <p:grpSpPr>
+        <a:xfrm>
+          <a:off x="0" y="0"/>
+          <a:ext cx="0" cy="0"/>
+          <a:chOff x="0" y="0"/>
+          <a:chExt cx="0" cy="0"/>
+        </a:xfrm>
+      </p:grpSpPr>
+      <p:sp>
+        <p:nvSpPr>
+          <p:cNvPr id="2" name="Title 1"/>
+          <p:cNvSpPr>
+            <a:spLocks noGrp="1"/>
+          </p:cNvSpPr>
+          <p:nvPr>
+            <p:ph type="title"/>
+          </p:nvPr>
+        </p:nvSpPr>
+        <p:spPr/>
+        <p:txBody>
+          <a:bodyPr/>
+          <a:lstStyle/>
+          <a:p>
+            <a:pPr lvl="0" marL="0" indent="0">
+              <a:buNone/>
+            </a:pPr>
+            <a:r>
+              <a:rPr/>
+              <a:t>Otel</a:t>
+            </a:r>
+            <a:r>
+              <a:rPr/>
+              <a:t> </a:t>
+            </a:r>
+            <a:r>
+              <a:rPr/>
+              <a:t>Collector</a:t>
+            </a:r>
+            <a:r>
+              <a:rPr/>
+              <a:t> </a:t>
+            </a:r>
+            <a:r>
+              <a:rPr/>
+              <a:t>for</a:t>
+            </a:r>
+            <a:r>
+              <a:rPr/>
+              <a:t> </a:t>
+            </a:r>
+            <a:r>
+              <a:rPr/>
+              <a:t>Database</a:t>
+            </a:r>
+            <a:r>
+              <a:rPr/>
+              <a:t> </a:t>
+            </a:r>
+            <a:r>
+              <a:rPr/>
+              <a:t>(E)</a:t>
+            </a:r>
+          </a:p>
+        </p:txBody>
+      </p:sp>
+      <p:sp>
+        <p:nvSpPr>
+          <p:cNvPr id="3" name="Content Placeholder 2"/>
+          <p:cNvSpPr>
+            <a:spLocks noGrp="1"/>
+          </p:cNvSpPr>
+          <p:nvPr>
+            <p:ph idx="1"/>
+          </p:nvPr>
+        </p:nvSpPr>
+        <p:spPr/>
+        <p:txBody>
+          <a:bodyPr/>
+          <a:lstStyle/>
+          <a:p>
+            <a:pPr lvl="0" indent="0">
+              <a:buNone/>
+            </a:pPr>
+            <a:r>
+              <a:rPr>
+                <a:solidFill>
+                  <a:srgbClr val="7D9029"/>
+                </a:solidFill>
+                <a:latin typeface="Courier"/>
+              </a:rPr>
+              <a:t>      </a:t>
+            </a:r>
+            <a:r>
+              <a:rPr b="1">
+                <a:solidFill>
+                  <a:srgbClr val="007020"/>
+                </a:solidFill>
+                <a:latin typeface="Courier"/>
+              </a:rPr>
+              <a:t>-</a:t>
+            </a:r>
+            <a:r>
+              <a:rPr>
+                <a:solidFill>
+                  <a:srgbClr val="7D9029"/>
+                </a:solidFill>
+                <a:latin typeface="Courier"/>
+              </a:rPr>
+              <a:t> </a:t>
+            </a:r>
+            <a:r>
+              <a:rPr>
+                <a:solidFill>
+                  <a:srgbClr val="06287E"/>
+                </a:solidFill>
+                <a:latin typeface="Courier"/>
+              </a:rPr>
+              <a:t>sql</a:t>
+            </a:r>
+            <a:r>
+              <a:rPr b="1">
+                <a:solidFill>
+                  <a:srgbClr val="007020"/>
+                </a:solidFill>
+                <a:latin typeface="Courier"/>
+              </a:rPr>
+              <a:t>:</a:t>
+            </a:r>
+            <a:r>
+              <a:rPr>
+                <a:solidFill>
+                  <a:srgbClr val="7D9029"/>
+                </a:solidFill>
+                <a:latin typeface="Courier"/>
+              </a:rPr>
+              <a:t> </a:t>
+            </a:r>
+            <a:r>
+              <a:rPr>
+                <a:solidFill>
+                  <a:srgbClr val="4070A0"/>
+                </a:solidFill>
+                <a:latin typeface="Courier"/>
+              </a:rPr>
+              <a:t>"SELECT sum(xact_rollback) as count_test FROM pg_stat_database; "</a:t>
+            </a:r>
+            <a:br/>
+            <a:r>
+              <a:rPr>
+                <a:solidFill>
+                  <a:srgbClr val="7D9029"/>
+                </a:solidFill>
+                <a:latin typeface="Courier"/>
+              </a:rPr>
+              <a:t>        </a:t>
+            </a:r>
+            <a:r>
+              <a:rPr>
+                <a:solidFill>
+                  <a:srgbClr val="06287E"/>
+                </a:solidFill>
+                <a:latin typeface="Courier"/>
+              </a:rPr>
+              <a:t>metrics</a:t>
+            </a:r>
+            <a:r>
+              <a:rPr b="1">
+                <a:solidFill>
+                  <a:srgbClr val="007020"/>
+                </a:solidFill>
+                <a:latin typeface="Courier"/>
+              </a:rPr>
+              <a:t>:</a:t>
+            </a:r>
+            <a:br/>
+            <a:r>
+              <a:rPr>
+                <a:solidFill>
+                  <a:srgbClr val="7D9029"/>
+                </a:solidFill>
+                <a:latin typeface="Courier"/>
+              </a:rPr>
+              <a:t>          </a:t>
+            </a:r>
+            <a:r>
+              <a:rPr b="1">
+                <a:solidFill>
+                  <a:srgbClr val="007020"/>
+                </a:solidFill>
+                <a:latin typeface="Courier"/>
+              </a:rPr>
+              <a:t>-</a:t>
+            </a:r>
+            <a:r>
+              <a:rPr>
+                <a:solidFill>
+                  <a:srgbClr val="7D9029"/>
+                </a:solidFill>
+                <a:latin typeface="Courier"/>
+              </a:rPr>
+              <a:t> </a:t>
+            </a:r>
+            <a:r>
+              <a:rPr>
+                <a:solidFill>
+                  <a:srgbClr val="06287E"/>
+                </a:solidFill>
+                <a:latin typeface="Courier"/>
+              </a:rPr>
+              <a:t>metric_name</a:t>
+            </a:r>
+            <a:r>
+              <a:rPr b="1">
+                <a:solidFill>
+                  <a:srgbClr val="007020"/>
+                </a:solidFill>
+                <a:latin typeface="Courier"/>
+              </a:rPr>
+              <a:t>:</a:t>
+            </a:r>
+            <a:r>
+              <a:rPr>
+                <a:solidFill>
+                  <a:srgbClr val="7D9029"/>
+                </a:solidFill>
+                <a:latin typeface="Courier"/>
+              </a:rPr>
+              <a:t> query_errors</a:t>
+            </a:r>
+            <a:r>
+              <a:rPr i="1">
+                <a:solidFill>
+                  <a:srgbClr val="60A0B0"/>
+                </a:solidFill>
+                <a:latin typeface="Courier"/>
+              </a:rPr>
+              <a:t> # E from REDS</a:t>
+            </a:r>
+            <a:br/>
+            <a:r>
+              <a:rPr>
+                <a:solidFill>
+                  <a:srgbClr val="7D9029"/>
+                </a:solidFill>
+                <a:latin typeface="Courier"/>
+              </a:rPr>
+              <a:t>            </a:t>
+            </a:r>
+            <a:r>
+              <a:rPr>
+                <a:solidFill>
+                  <a:srgbClr val="06287E"/>
+                </a:solidFill>
+                <a:latin typeface="Courier"/>
+              </a:rPr>
+              <a:t>value_column</a:t>
+            </a:r>
+            <a:r>
+              <a:rPr b="1">
+                <a:solidFill>
+                  <a:srgbClr val="007020"/>
+                </a:solidFill>
+                <a:latin typeface="Courier"/>
+              </a:rPr>
+              <a:t>:</a:t>
+            </a:r>
+            <a:r>
+              <a:rPr>
+                <a:solidFill>
+                  <a:srgbClr val="7D9029"/>
+                </a:solidFill>
+                <a:latin typeface="Courier"/>
+              </a:rPr>
+              <a:t> count_test</a:t>
+            </a:r>
+          </a:p>
+        </p:txBody>
+      </p:sp>
+    </p:spTree>
+  </p:cSld>
+</p:sld>
+</file>
+
+<file path=ppt/slides/slide5.xml><?xml version="1.0" encoding="utf-8"?>
+<p:sld xmlns:a="http://schemas.openxmlformats.org/drawingml/2006/main" xmlns:r="http://schemas.openxmlformats.org/officeDocument/2006/relationships" xmlns:p="http://schemas.openxmlformats.org/presentationml/2006/main">
+  <p:cSld>
+    <p:spTree>
+      <p:nvGrpSpPr>
+        <p:cNvPr id="1" name=""/>
+        <p:cNvGrpSpPr/>
+        <p:nvPr/>
+      </p:nvGrpSpPr>
+      <p:grpSpPr>
+        <a:xfrm>
+          <a:off x="0" y="0"/>
+          <a:ext cx="0" cy="0"/>
+          <a:chOff x="0" y="0"/>
+          <a:chExt cx="0" cy="0"/>
+        </a:xfrm>
+      </p:grpSpPr>
+      <p:sp>
+        <p:nvSpPr>
+          <p:cNvPr id="2" name="Title 1"/>
+          <p:cNvSpPr>
+            <a:spLocks noGrp="1"/>
+          </p:cNvSpPr>
+          <p:nvPr>
+            <p:ph type="title"/>
+          </p:nvPr>
+        </p:nvSpPr>
+        <p:spPr/>
+        <p:txBody>
+          <a:bodyPr/>
+          <a:lstStyle/>
+          <a:p>
+            <a:pPr lvl="0" marL="0" indent="0">
+              <a:buNone/>
+            </a:pPr>
+            <a:r>
+              <a:rPr/>
+              <a:t>Monolithic</a:t>
+            </a:r>
+            <a:r>
+              <a:rPr/>
+              <a:t> </a:t>
+            </a:r>
+            <a:r>
+              <a:rPr/>
+              <a:t>white</a:t>
+            </a:r>
+            <a:r>
+              <a:rPr/>
+              <a:t> </a:t>
+            </a:r>
+            <a:r>
+              <a:rPr/>
+              <a:t>box</a:t>
+            </a:r>
+            <a:r>
+              <a:rPr/>
+              <a:t> </a:t>
+            </a:r>
+            <a:r>
+              <a:rPr/>
+              <a:t>Challenge</a:t>
+            </a:r>
+          </a:p>
+        </p:txBody>
+      </p:sp>
+      <p:sp>
+        <p:nvSpPr>
+          <p:cNvPr id="3" name="Content Placeholder 2"/>
+          <p:cNvSpPr>
+            <a:spLocks noGrp="1"/>
+          </p:cNvSpPr>
+          <p:nvPr>
+            <p:ph idx="1"/>
+          </p:nvPr>
+        </p:nvSpPr>
+        <p:spPr/>
+        <p:txBody>
+          <a:bodyPr/>
+          <a:lstStyle/>
+          <a:p>
+            <a:pPr lvl="1"/>
+            <a:r>
+              <a:rPr/>
+              <a:t>Create a codespace from this </a:t>
+            </a:r>
+            <a:r>
+              <a:rPr>
+                <a:hlinkClick r:id="rId2"/>
+              </a:rPr>
+              <a:t>github template</a:t>
+            </a:r>
+            <a:r>
+              <a:rPr/>
+              <a:t>.</a:t>
+            </a:r>
+          </a:p>
+          <a:p>
+            <a:pPr lvl="1"/>
+            <a:r>
+              <a:rPr/>
+              <a:t>Start with, “Create and launch an HTTP Server,” in </a:t>
+            </a:r>
+            <a:r>
+              <a:rPr>
+                <a:hlinkClick r:id="rId3"/>
+              </a:rPr>
+              <a:t>the open telemetry python docs</a:t>
+            </a:r>
+          </a:p>
+          <a:p>
+            <a:pPr lvl="1"/>
+            <a:r>
+              <a:rPr/>
+              <a:t>When you are done submit the output from the </a:t>
+            </a:r>
+            <a:r>
+              <a:rPr>
+                <a:latin typeface="Courier"/>
+              </a:rPr>
+              <a:t>docker-compose up</a:t>
+            </a:r>
+            <a:r>
+              <a:rPr/>
+              <a:t> window</a:t>
+            </a:r>
+          </a:p>
+        </p:txBody>
+      </p:sp>
+    </p:spTree>
+  </p:cSld>
+</p:sld>
+</file>
+
+<file path=ppt/slides/slide6.xml><?xml version="1.0" encoding="utf-8"?>
+<p:sld xmlns:a="http://schemas.openxmlformats.org/drawingml/2006/main" xmlns:r="http://schemas.openxmlformats.org/officeDocument/2006/relationships" xmlns:p="http://schemas.openxmlformats.org/presentationml/2006/main">
+  <p:cSld>
+    <p:spTree>
+      <p:nvGrpSpPr>
+        <p:cNvPr id="1" name=""/>
+        <p:cNvGrpSpPr/>
+        <p:nvPr/>
+      </p:nvGrpSpPr>
+      <p:grpSpPr>
+        <a:xfrm>
+          <a:off x="0" y="0"/>
+          <a:ext cx="0" cy="0"/>
+          <a:chOff x="0" y="0"/>
+          <a:chExt cx="0" cy="0"/>
+        </a:xfrm>
+      </p:grpSpPr>
+      <p:sp>
+        <p:nvSpPr>
+          <p:cNvPr id="2" name="Title 1"/>
+          <p:cNvSpPr>
+            <a:spLocks noGrp="1"/>
+          </p:cNvSpPr>
+          <p:nvPr>
+            <p:ph type="title"/>
+          </p:nvPr>
+        </p:nvSpPr>
+        <p:spPr/>
+        <p:txBody>
+          <a:bodyPr/>
+          <a:lstStyle/>
+          <a:p>
+            <a:pPr lvl="0" marL="0" indent="0">
+              <a:buNone/>
+            </a:pPr>
+            <a:r>
+              <a:rPr/>
+              <a:t>Learning</a:t>
+            </a:r>
+            <a:r>
+              <a:rPr/>
+              <a:t> </a:t>
+            </a:r>
+            <a:r>
+              <a:rPr/>
+              <a:t>Outcomes</a:t>
+            </a:r>
+          </a:p>
+        </p:txBody>
+      </p:sp>
+      <p:sp>
+        <p:nvSpPr>
+          <p:cNvPr id="3" name="Content Placeholder 2"/>
+          <p:cNvSpPr>
+            <a:spLocks noGrp="1"/>
+          </p:cNvSpPr>
+          <p:nvPr>
+            <p:ph idx="1"/>
+          </p:nvPr>
+        </p:nvSpPr>
+        <p:spPr/>
+        <p:txBody>
+          <a:bodyPr/>
+          <a:lstStyle/>
+          <a:p>
+            <a:pPr lvl="1"/>
+            <a:r>
+              <a:rPr/>
+              <a:t>Support traces in a monolithic app by instrumenting so that code traces are available for troubleshooting.</a:t>
+            </a:r>
+          </a:p>
+          <a:p>
+            <a:pPr lvl="1"/>
+            <a:r>
+              <a:rPr/>
+              <a:t>Measure REDS metrics in monolithic app by adding and incrementing the appropriate counters.</a:t>
+            </a:r>
+          </a:p>
+          <a:p>
+            <a:pPr lvl="1"/>
+            <a:r>
+              <a:rPr/>
+              <a:t>Integrate language logs by turning them into open telemetry loggers.</a:t>
+            </a:r>
+          </a:p>
+        </p:txBody>
+      </p:sp>
+    </p:spTree>
+  </p:cSld>
+</p:sld>
+</file>
+
+<file path=ppt/slides/slide7.xml><?xml version="1.0" encoding="utf-8"?>
+<p:sld xmlns:a="http://schemas.openxmlformats.org/drawingml/2006/main" xmlns:r="http://schemas.openxmlformats.org/officeDocument/2006/relationships" xmlns:p="http://schemas.openxmlformats.org/presentationml/2006/main">
+  <p:cSld>
+    <p:spTree>
+      <p:nvGrpSpPr>
+        <p:cNvPr id="1" name=""/>
+        <p:cNvGrpSpPr/>
+        <p:nvPr/>
+      </p:nvGrpSpPr>
+      <p:grpSpPr>
+        <a:xfrm>
+          <a:off x="0" y="0"/>
+          <a:ext cx="0" cy="0"/>
+          <a:chOff x="0" y="0"/>
+          <a:chExt cx="0" cy="0"/>
+        </a:xfrm>
+      </p:grpSpPr>
+      <p:sp>
+        <p:nvSpPr>
+          <p:cNvPr id="2" name="Title 1"/>
+          <p:cNvSpPr>
+            <a:spLocks noGrp="1"/>
+          </p:cNvSpPr>
+          <p:nvPr>
+            <p:ph type="title"/>
+          </p:nvPr>
+        </p:nvSpPr>
+        <p:spPr/>
+        <p:txBody>
+          <a:bodyPr/>
+          <a:lstStyle/>
+          <a:p>
+            <a:pPr lvl="0" marL="0" indent="0">
+              <a:buNone/>
+            </a:pPr>
+            <a:r>
+              <a:rPr/>
+              <a:t>Observability</a:t>
+            </a:r>
+            <a:r>
+              <a:rPr/>
+              <a:t> </a:t>
+            </a:r>
+            <a:r>
+              <a:rPr/>
+              <a:t>Pipelines</a:t>
+            </a:r>
+          </a:p>
+        </p:txBody>
+      </p:sp>
+      <p:sp>
+        <p:nvSpPr>
+          <p:cNvPr id="3" name="Content Placeholder 2"/>
+          <p:cNvSpPr>
+            <a:spLocks noGrp="1"/>
+          </p:cNvSpPr>
+          <p:nvPr>
+            <p:ph idx="1"/>
+          </p:nvPr>
+        </p:nvSpPr>
+        <p:spPr/>
+        <p:txBody>
+          <a:bodyPr/>
+          <a:lstStyle/>
+          <a:p>
+            <a:pPr lvl="0" marL="1270000" indent="0">
+              <a:buNone/>
+            </a:pPr>
+            <a:r>
+              <a:rPr sz="2000"/>
+              <a:t>push data from a process to an instance of the OpenTelemetry Collector. Filtering, batching, and creating metric views are all accomplished at the Collector rather than in the process itself.</a:t>
+            </a:r>
+          </a:p>
+          <a:p>
+            <a:pPr lvl="1"/>
+            <a:r>
+              <a:rPr/>
+              <a:t>having said that the semantics of what we push are important</a:t>
+            </a:r>
+          </a:p>
+          <a:p>
+            <a:pPr lvl="1"/>
+            <a:r>
+              <a:rPr/>
+              <a:t>chapter 3 covers this in some depth</a:t>
+            </a:r>
+          </a:p>
+        </p:txBody>
+      </p:sp>
+    </p:spTree>
+  </p:cSld>
+</p:sld>
+</file>
+
+<file path=ppt/slides/slide8.xml><?xml version="1.0" encoding="utf-8"?>
+<p:sld xmlns:a="http://schemas.openxmlformats.org/drawingml/2006/main" xmlns:r="http://schemas.openxmlformats.org/officeDocument/2006/relationships" xmlns:p="http://schemas.openxmlformats.org/presentationml/2006/main">
+  <p:cSld>
+    <p:spTree>
+      <p:nvGrpSpPr>
+        <p:cNvPr id="1" name=""/>
+        <p:cNvGrpSpPr/>
+        <p:nvPr/>
+      </p:nvGrpSpPr>
+      <p:grpSpPr>
+        <a:xfrm>
+          <a:off x="0" y="0"/>
+          <a:ext cx="0" cy="0"/>
+          <a:chOff x="0" y="0"/>
+          <a:chExt cx="0" cy="0"/>
+        </a:xfrm>
+      </p:grpSpPr>
+      <p:sp>
+        <p:nvSpPr>
+          <p:cNvPr id="2" name="Title 1"/>
+          <p:cNvSpPr>
+            <a:spLocks noGrp="1"/>
+          </p:cNvSpPr>
+          <p:nvPr>
+            <p:ph type="title"/>
+          </p:nvPr>
+        </p:nvSpPr>
+        <p:spPr/>
+        <p:txBody>
+          <a:bodyPr/>
+          <a:lstStyle/>
+          <a:p>
+            <a:pPr lvl="0" marL="0" indent="0">
+              <a:buNone/>
+            </a:pPr>
+            <a:r>
+              <a:rPr/>
+              <a:t>Pipeline</a:t>
+            </a:r>
+            <a:r>
+              <a:rPr/>
+              <a:t> </a:t>
+            </a:r>
+            <a:r>
+              <a:rPr/>
+              <a:t>Semantics</a:t>
+            </a:r>
+          </a:p>
+        </p:txBody>
+      </p:sp>
+      <p:pic>
+        <p:nvPicPr>
+          <p:cNvPr descr="images/otelSupport.png" id="0" name="Picture 1"/>
+          <p:cNvPicPr>
+            <a:picLocks noGrp="1" noChangeAspect="1"/>
+          </p:cNvPicPr>
+          <p:nvPr/>
+        </p:nvPicPr>
+        <p:blipFill>
+          <a:blip r:embed="rId2"/>
+          <a:stretch>
+            <a:fillRect/>
+          </a:stretch>
+        </p:blipFill>
+        <p:spPr bwMode="auto">
+          <a:xfrm>
+            <a:off x="3162300" y="1600200"/>
+            <a:ext cx="2819400" cy="4013200"/>
+          </a:xfrm>
+          <a:prstGeom prst="rect">
+            <a:avLst/>
+          </a:prstGeom>
+          <a:noFill/>
+          <a:ln w="9525">
+            <a:noFill/>
+            <a:headEnd/>
+            <a:tailEnd/>
+          </a:ln>
+        </p:spPr>
+      </p:pic>
+      <p:sp>
+        <p:nvSpPr>
+          <p:cNvPr id="1" name="TextBox 3"/>
+          <p:cNvSpPr txBox="1"/>
+          <p:nvPr/>
+        </p:nvSpPr>
+        <p:spPr>
+          <a:xfrm>
+            <a:off x="457200" y="5613400"/>
+            <a:ext cx="8229600" cy="508000"/>
+          </a:xfrm>
+          <a:prstGeom prst="rect">
+            <a:avLst/>
+          </a:prstGeom>
+          <a:noFill/>
+        </p:spPr>
+        <p:txBody>
+          <a:bodyPr/>
+          <a:lstStyle/>
+          <a:p>
+            <a:pPr lvl="0" marL="0" indent="0" algn="ctr">
+              <a:buNone/>
+            </a:pPr>
+            <a:r>
+              <a:rPr/>
+              <a:t>OpenTelemetry’s</a:t>
+            </a:r>
+            <a:r>
+              <a:rPr/>
+              <a:t> </a:t>
+            </a:r>
+            <a:r>
+              <a:rPr/>
+              <a:t>long-term</a:t>
+            </a:r>
+            <a:r>
+              <a:rPr/>
+              <a:t> </a:t>
+            </a:r>
+            <a:r>
+              <a:rPr/>
+              <a:t>support</a:t>
+            </a:r>
+            <a:r>
+              <a:rPr/>
+              <a:t> </a:t>
+            </a:r>
+            <a:r>
+              <a:rPr/>
+              <a:t>guarantees</a:t>
+            </a:r>
+          </a:p>
+        </p:txBody>
+      </p:sp>
+    </p:spTree>
+  </p:cSld>
+</p:sld>
+</file>
+
+<file path=ppt/slides/slide9.xml><?xml version="1.0" encoding="utf-8"?>
+<p:sld xmlns:a="http://schemas.openxmlformats.org/drawingml/2006/main" xmlns:r="http://schemas.openxmlformats.org/officeDocument/2006/relationships" xmlns:p="http://schemas.openxmlformats.org/presentationml/2006/main">
+  <p:cSld>
+    <p:spTree>
+      <p:nvGrpSpPr>
+        <p:cNvPr id="1" name=""/>
+        <p:cNvGrpSpPr/>
+        <p:nvPr/>
+      </p:nvGrpSpPr>
+      <p:grpSpPr>
+        <a:xfrm>
+          <a:off x="0" y="0"/>
+          <a:ext cx="0" cy="0"/>
+          <a:chOff x="0" y="0"/>
+          <a:chExt cx="0" cy="0"/>
+        </a:xfrm>
+      </p:grpSpPr>
+      <p:sp>
+        <p:nvSpPr>
+          <p:cNvPr id="2" name="Title 1"/>
+          <p:cNvSpPr>
+            <a:spLocks noGrp="1"/>
+          </p:cNvSpPr>
+          <p:nvPr>
+            <p:ph type="title"/>
+          </p:nvPr>
+        </p:nvSpPr>
+        <p:spPr/>
+        <p:txBody>
+          <a:bodyPr/>
+          <a:lstStyle/>
+          <a:p>
+            <a:pPr lvl="0" marL="0" indent="0">
+              <a:buNone/>
+            </a:pPr>
+            <a:r>
+              <a:rPr/>
+              <a:t>Foundation</a:t>
+            </a:r>
+            <a:r>
+              <a:rPr/>
+              <a:t> </a:t>
+            </a:r>
+            <a:r>
+              <a:rPr/>
+              <a:t>of</a:t>
+            </a:r>
+            <a:r>
+              <a:rPr/>
+              <a:t> </a:t>
+            </a:r>
+            <a:r>
+              <a:rPr/>
+              <a:t>OpenTelemetry</a:t>
+            </a:r>
+            <a:r>
+              <a:rPr/>
+              <a:t> </a:t>
+            </a:r>
+            <a:r>
+              <a:rPr/>
+              <a:t>is</a:t>
+            </a:r>
+            <a:r>
+              <a:rPr/>
+              <a:t> </a:t>
+            </a:r>
+            <a:r>
+              <a:rPr/>
+              <a:t>built</a:t>
+            </a:r>
+            <a:r>
+              <a:rPr/>
+              <a:t> </a:t>
+            </a:r>
+            <a:r>
+              <a:rPr/>
+              <a:t>on</a:t>
+            </a:r>
+            <a:r>
+              <a:rPr/>
+              <a:t> </a:t>
+            </a:r>
+            <a:r>
+              <a:rPr/>
+              <a:t>two</a:t>
+            </a:r>
+            <a:r>
+              <a:rPr/>
+              <a:t> </a:t>
+            </a:r>
+            <a:r>
+              <a:rPr/>
+              <a:t>points:</a:t>
+            </a:r>
+          </a:p>
+        </p:txBody>
+      </p:sp>
+      <p:sp>
+        <p:nvSpPr>
+          <p:cNvPr id="3" name="Content Placeholder 2"/>
+          <p:cNvSpPr>
+            <a:spLocks noGrp="1"/>
+          </p:cNvSpPr>
+          <p:nvPr>
+            <p:ph idx="1"/>
+          </p:nvPr>
+        </p:nvSpPr>
+        <p:spPr/>
+        <p:txBody>
+          <a:bodyPr/>
+          <a:lstStyle/>
+          <a:p>
+            <a:pPr lvl="1"/>
+            <a:r>
+              <a:rPr/>
+              <a:t>standards-based context and conventions,</a:t>
+            </a:r>
+          </a:p>
+          <a:p>
+            <a:pPr lvl="1"/>
+            <a:r>
+              <a:rPr/>
+              <a:t>alongside a universal data format.</a:t>
+            </a:r>
+          </a:p>
+          <a:p>
+            <a:pPr lvl="1"/>
+            <a:r>
+              <a:rPr/>
+              <a:t>the telemetry pipeline includes attributes that meet stakeholder needs for observability</a:t>
             </a:r>
           </a:p>
         </p:txBody>

--- a/monolith_instrumenting/slides.pptx
+++ b/monolith_instrumenting/slides.pptx
@@ -16,6 +16,18 @@
     <p:sldId id="264" r:id="rId10"/>
     <p:sldId id="265" r:id="rId11"/>
     <p:sldId id="266" r:id="rId12"/>
+    <p:sldId id="267" r:id="rId13"/>
+    <p:sldId id="268" r:id="rId14"/>
+    <p:sldId id="269" r:id="rId15"/>
+    <p:sldId id="270" r:id="rId16"/>
+    <p:sldId id="271" r:id="rId17"/>
+    <p:sldId id="272" r:id="rId18"/>
+    <p:sldId id="273" r:id="rId19"/>
+    <p:sldId id="274" r:id="rId20"/>
+    <p:sldId id="275" r:id="rId21"/>
+    <p:sldId id="276" r:id="rId22"/>
+    <p:sldId id="277" r:id="rId23"/>
+    <p:sldId id="278" r:id="rId24"/>
   </p:sldIdLst>
   <p:sldSz cx="9144000" cy="6858000" type="screen4x3"/>
   <p:notesSz cx="6858000" cy="9144000"/>
@@ -3229,6 +3241,528 @@
             </a:pPr>
             <a:r>
               <a:rPr/>
+              <a:t>Attributes</a:t>
+            </a:r>
+            <a:r>
+              <a:rPr/>
+              <a:t> </a:t>
+            </a:r>
+            <a:r>
+              <a:rPr/>
+              <a:t>(from</a:t>
+            </a:r>
+            <a:r>
+              <a:rPr/>
+              <a:t> </a:t>
+            </a:r>
+            <a:r>
+              <a:rPr/>
+              <a:t>today’s</a:t>
+            </a:r>
+            <a:r>
+              <a:rPr/>
+              <a:t> </a:t>
+            </a:r>
+            <a:r>
+              <a:rPr/>
+              <a:t>lab)</a:t>
+            </a:r>
+          </a:p>
+        </p:txBody>
+      </p:sp>
+      <p:sp>
+        <p:nvSpPr>
+          <p:cNvPr id="3" name="Content Placeholder 2"/>
+          <p:cNvSpPr>
+            <a:spLocks noGrp="1"/>
+          </p:cNvSpPr>
+          <p:nvPr>
+            <p:ph idx="1"/>
+          </p:nvPr>
+        </p:nvSpPr>
+        <p:spPr/>
+        <p:txBody>
+          <a:bodyPr/>
+          <a:lstStyle/>
+          <a:p>
+            <a:pPr lvl="0" indent="0">
+              <a:buNone/>
+            </a:pPr>
+            <a:r>
+              <a:rPr i="1">
+                <a:solidFill>
+                  <a:srgbClr val="60A0B0"/>
+                </a:solidFill>
+                <a:latin typeface="Courier"/>
+              </a:rPr>
+              <a:t># Now create a counter instrument to make measurements with</a:t>
+            </a:r>
+            <a:br/>
+            <a:r>
+              <a:rPr>
+                <a:latin typeface="Courier"/>
+              </a:rPr>
+              <a:t>roll_counter </a:t>
+            </a:r>
+            <a:r>
+              <a:rPr>
+                <a:solidFill>
+                  <a:srgbClr val="666666"/>
+                </a:solidFill>
+                <a:latin typeface="Courier"/>
+              </a:rPr>
+              <a:t>=</a:t>
+            </a:r>
+            <a:r>
+              <a:rPr>
+                <a:latin typeface="Courier"/>
+              </a:rPr>
+              <a:t> meter.create_counter(</a:t>
+            </a:r>
+            <a:br/>
+            <a:r>
+              <a:rPr>
+                <a:latin typeface="Courier"/>
+              </a:rPr>
+              <a:t>    </a:t>
+            </a:r>
+            <a:r>
+              <a:rPr>
+                <a:solidFill>
+                  <a:srgbClr val="4070A0"/>
+                </a:solidFill>
+                <a:latin typeface="Courier"/>
+              </a:rPr>
+              <a:t>"dice.rolls"</a:t>
+            </a:r>
+            <a:r>
+              <a:rPr>
+                <a:latin typeface="Courier"/>
+              </a:rPr>
+              <a:t>,</a:t>
+            </a:r>
+            <a:br/>
+            <a:r>
+              <a:rPr>
+                <a:latin typeface="Courier"/>
+              </a:rPr>
+              <a:t>    description</a:t>
+            </a:r>
+            <a:r>
+              <a:rPr>
+                <a:solidFill>
+                  <a:srgbClr val="666666"/>
+                </a:solidFill>
+                <a:latin typeface="Courier"/>
+              </a:rPr>
+              <a:t>=</a:t>
+            </a:r>
+            <a:r>
+              <a:rPr>
+                <a:solidFill>
+                  <a:srgbClr val="4070A0"/>
+                </a:solidFill>
+                <a:latin typeface="Courier"/>
+              </a:rPr>
+              <a:t>"The number of rolls by roll value"</a:t>
+            </a:r>
+            <a:r>
+              <a:rPr>
+                <a:latin typeface="Courier"/>
+              </a:rPr>
+              <a:t>,</a:t>
+            </a:r>
+            <a:br/>
+            <a:r>
+              <a:rPr>
+                <a:latin typeface="Courier"/>
+              </a:rPr>
+              <a:t>)</a:t>
+            </a:r>
+            <a:br/>
+            <a:r>
+              <a:rPr>
+                <a:latin typeface="Courier"/>
+              </a:rPr>
+              <a:t>roll_counter.add(</a:t>
+            </a:r>
+            <a:r>
+              <a:rPr>
+                <a:solidFill>
+                  <a:srgbClr val="40A070"/>
+                </a:solidFill>
+                <a:latin typeface="Courier"/>
+              </a:rPr>
+              <a:t>1</a:t>
+            </a:r>
+            <a:r>
+              <a:rPr>
+                <a:latin typeface="Courier"/>
+              </a:rPr>
+              <a:t>, {</a:t>
+            </a:r>
+            <a:r>
+              <a:rPr>
+                <a:solidFill>
+                  <a:srgbClr val="4070A0"/>
+                </a:solidFill>
+                <a:latin typeface="Courier"/>
+              </a:rPr>
+              <a:t>"roll.value"</a:t>
+            </a:r>
+            <a:r>
+              <a:rPr>
+                <a:latin typeface="Courier"/>
+              </a:rPr>
+              <a:t>: result})</a:t>
+            </a:r>
+          </a:p>
+          <a:p>
+            <a:pPr lvl="1"/>
+            <a:r>
+              <a:rPr/>
+              <a:t>roll.value is an attribute</a:t>
+            </a:r>
+          </a:p>
+        </p:txBody>
+      </p:sp>
+    </p:spTree>
+  </p:cSld>
+</p:sld>
+</file>
+
+<file path=ppt/slides/slide11.xml><?xml version="1.0" encoding="utf-8"?>
+<p:sld xmlns:a="http://schemas.openxmlformats.org/drawingml/2006/main" xmlns:r="http://schemas.openxmlformats.org/officeDocument/2006/relationships" xmlns:p="http://schemas.openxmlformats.org/presentationml/2006/main">
+  <p:cSld>
+    <p:spTree>
+      <p:nvGrpSpPr>
+        <p:cNvPr id="1" name=""/>
+        <p:cNvGrpSpPr/>
+        <p:nvPr/>
+      </p:nvGrpSpPr>
+      <p:grpSpPr>
+        <a:xfrm>
+          <a:off x="0" y="0"/>
+          <a:ext cx="0" cy="0"/>
+          <a:chOff x="0" y="0"/>
+          <a:chExt cx="0" cy="0"/>
+        </a:xfrm>
+      </p:grpSpPr>
+      <p:sp>
+        <p:nvSpPr>
+          <p:cNvPr id="2" name="Title 1"/>
+          <p:cNvSpPr>
+            <a:spLocks noGrp="1"/>
+          </p:cNvSpPr>
+          <p:nvPr>
+            <p:ph type="title"/>
+          </p:nvPr>
+        </p:nvSpPr>
+        <p:spPr/>
+        <p:txBody>
+          <a:bodyPr/>
+          <a:lstStyle/>
+          <a:p>
+            <a:pPr lvl="0" marL="0" indent="0">
+              <a:buNone/>
+            </a:pPr>
+            <a:r>
+              <a:rPr/>
+              <a:t>Future</a:t>
+            </a:r>
+            <a:r>
+              <a:rPr/>
+              <a:t> </a:t>
+            </a:r>
+            <a:r>
+              <a:rPr/>
+              <a:t>of</a:t>
+            </a:r>
+            <a:r>
+              <a:rPr/>
+              <a:t> </a:t>
+            </a:r>
+            <a:r>
+              <a:rPr/>
+              <a:t>Open</a:t>
+            </a:r>
+            <a:r>
+              <a:rPr/>
+              <a:t> </a:t>
+            </a:r>
+            <a:r>
+              <a:rPr/>
+              <a:t>Telemetry</a:t>
+            </a:r>
+          </a:p>
+        </p:txBody>
+      </p:sp>
+      <p:pic>
+        <p:nvPicPr>
+          <p:cNvPr descr="images/otelSupport.png" id="0" name="Picture 1"/>
+          <p:cNvPicPr>
+            <a:picLocks noGrp="1" noChangeAspect="1"/>
+          </p:cNvPicPr>
+          <p:nvPr/>
+        </p:nvPicPr>
+        <p:blipFill>
+          <a:blip r:embed="rId2"/>
+          <a:stretch>
+            <a:fillRect/>
+          </a:stretch>
+        </p:blipFill>
+        <p:spPr bwMode="auto">
+          <a:xfrm>
+            <a:off x="3162300" y="1600200"/>
+            <a:ext cx="2819400" cy="4013200"/>
+          </a:xfrm>
+          <a:prstGeom prst="rect">
+            <a:avLst/>
+          </a:prstGeom>
+          <a:noFill/>
+          <a:ln w="9525">
+            <a:noFill/>
+            <a:headEnd/>
+            <a:tailEnd/>
+          </a:ln>
+        </p:spPr>
+      </p:pic>
+      <p:sp>
+        <p:nvSpPr>
+          <p:cNvPr id="1" name="TextBox 3"/>
+          <p:cNvSpPr txBox="1"/>
+          <p:nvPr/>
+        </p:nvSpPr>
+        <p:spPr>
+          <a:xfrm>
+            <a:off x="457200" y="5613400"/>
+            <a:ext cx="8229600" cy="508000"/>
+          </a:xfrm>
+          <a:prstGeom prst="rect">
+            <a:avLst/>
+          </a:prstGeom>
+          <a:noFill/>
+        </p:spPr>
+        <p:txBody>
+          <a:bodyPr/>
+          <a:lstStyle/>
+          <a:p>
+            <a:pPr lvl="0" marL="0" indent="0" algn="ctr">
+              <a:buNone/>
+            </a:pPr>
+            <a:r>
+              <a:rPr/>
+              <a:t>OpenTelemetry’s</a:t>
+            </a:r>
+            <a:r>
+              <a:rPr/>
+              <a:t> </a:t>
+            </a:r>
+            <a:r>
+              <a:rPr/>
+              <a:t>long-term</a:t>
+            </a:r>
+            <a:r>
+              <a:rPr/>
+              <a:t> </a:t>
+            </a:r>
+            <a:r>
+              <a:rPr/>
+              <a:t>support</a:t>
+            </a:r>
+            <a:r>
+              <a:rPr/>
+              <a:t> </a:t>
+            </a:r>
+            <a:r>
+              <a:rPr/>
+              <a:t>guarantees</a:t>
+            </a:r>
+          </a:p>
+        </p:txBody>
+      </p:sp>
+    </p:spTree>
+  </p:cSld>
+</p:sld>
+</file>
+
+<file path=ppt/slides/slide12.xml><?xml version="1.0" encoding="utf-8"?>
+<p:sld xmlns:a="http://schemas.openxmlformats.org/drawingml/2006/main" xmlns:r="http://schemas.openxmlformats.org/officeDocument/2006/relationships" xmlns:p="http://schemas.openxmlformats.org/presentationml/2006/main">
+  <p:cSld>
+    <p:spTree>
+      <p:nvGrpSpPr>
+        <p:cNvPr id="1" name=""/>
+        <p:cNvGrpSpPr/>
+        <p:nvPr/>
+      </p:nvGrpSpPr>
+      <p:grpSpPr>
+        <a:xfrm>
+          <a:off x="0" y="0"/>
+          <a:ext cx="0" cy="0"/>
+          <a:chOff x="0" y="0"/>
+          <a:chExt cx="0" cy="0"/>
+        </a:xfrm>
+      </p:grpSpPr>
+      <p:sp>
+        <p:nvSpPr>
+          <p:cNvPr id="2" name="Title 1"/>
+          <p:cNvSpPr>
+            <a:spLocks noGrp="1"/>
+          </p:cNvSpPr>
+          <p:nvPr>
+            <p:ph type="title"/>
+          </p:nvPr>
+        </p:nvSpPr>
+        <p:spPr/>
+        <p:txBody>
+          <a:bodyPr/>
+          <a:lstStyle/>
+          <a:p>
+            <a:pPr lvl="0" marL="0" indent="0">
+              <a:buNone/>
+            </a:pPr>
+            <a:r>
+              <a:rPr/>
+              <a:t>Foundation</a:t>
+            </a:r>
+            <a:r>
+              <a:rPr/>
+              <a:t> </a:t>
+            </a:r>
+            <a:r>
+              <a:rPr/>
+              <a:t>of</a:t>
+            </a:r>
+            <a:r>
+              <a:rPr/>
+              <a:t> </a:t>
+            </a:r>
+            <a:r>
+              <a:rPr/>
+              <a:t>OpenTelemetry</a:t>
+            </a:r>
+            <a:r>
+              <a:rPr/>
+              <a:t> </a:t>
+            </a:r>
+            <a:r>
+              <a:rPr/>
+              <a:t>is</a:t>
+            </a:r>
+            <a:r>
+              <a:rPr/>
+              <a:t> </a:t>
+            </a:r>
+            <a:r>
+              <a:rPr/>
+              <a:t>built</a:t>
+            </a:r>
+            <a:r>
+              <a:rPr/>
+              <a:t> </a:t>
+            </a:r>
+            <a:r>
+              <a:rPr/>
+              <a:t>on</a:t>
+            </a:r>
+            <a:r>
+              <a:rPr/>
+              <a:t> </a:t>
+            </a:r>
+            <a:r>
+              <a:rPr/>
+              <a:t>two</a:t>
+            </a:r>
+            <a:r>
+              <a:rPr/>
+              <a:t> </a:t>
+            </a:r>
+            <a:r>
+              <a:rPr/>
+              <a:t>points:</a:t>
+            </a:r>
+          </a:p>
+        </p:txBody>
+      </p:sp>
+      <p:sp>
+        <p:nvSpPr>
+          <p:cNvPr id="3" name="Content Placeholder 2"/>
+          <p:cNvSpPr>
+            <a:spLocks noGrp="1"/>
+          </p:cNvSpPr>
+          <p:nvPr>
+            <p:ph idx="1"/>
+          </p:nvPr>
+        </p:nvSpPr>
+        <p:spPr/>
+        <p:txBody>
+          <a:bodyPr/>
+          <a:lstStyle/>
+          <a:p>
+            <a:pPr lvl="1"/>
+            <a:r>
+              <a:rPr/>
+              <a:t>standards-based context and conventions,</a:t>
+            </a:r>
+          </a:p>
+          <a:p>
+            <a:pPr lvl="1"/>
+            <a:r>
+              <a:rPr/>
+              <a:t>alongside a universal data format.</a:t>
+            </a:r>
+          </a:p>
+          <a:p>
+            <a:pPr lvl="1"/>
+            <a:r>
+              <a:rPr/>
+              <a:t>the telemetry pipeline includes attributes that meet stakeholder needs for observability</a:t>
+            </a:r>
+          </a:p>
+        </p:txBody>
+      </p:sp>
+    </p:spTree>
+  </p:cSld>
+</p:sld>
+</file>
+
+<file path=ppt/slides/slide13.xml><?xml version="1.0" encoding="utf-8"?>
+<p:sld xmlns:a="http://schemas.openxmlformats.org/drawingml/2006/main" xmlns:r="http://schemas.openxmlformats.org/officeDocument/2006/relationships" xmlns:p="http://schemas.openxmlformats.org/presentationml/2006/main">
+  <p:cSld>
+    <p:spTree>
+      <p:nvGrpSpPr>
+        <p:cNvPr id="1" name=""/>
+        <p:cNvGrpSpPr/>
+        <p:nvPr/>
+      </p:nvGrpSpPr>
+      <p:grpSpPr>
+        <a:xfrm>
+          <a:off x="0" y="0"/>
+          <a:ext cx="0" cy="0"/>
+          <a:chOff x="0" y="0"/>
+          <a:chExt cx="0" cy="0"/>
+        </a:xfrm>
+      </p:grpSpPr>
+      <p:sp>
+        <p:nvSpPr>
+          <p:cNvPr id="2" name="Title 1"/>
+          <p:cNvSpPr>
+            <a:spLocks noGrp="1"/>
+          </p:cNvSpPr>
+          <p:nvPr>
+            <p:ph type="title"/>
+          </p:nvPr>
+        </p:nvSpPr>
+        <p:spPr/>
+        <p:txBody>
+          <a:bodyPr/>
+          <a:lstStyle/>
+          <a:p>
+            <a:pPr lvl="0" marL="0" indent="0">
+              <a:buNone/>
+            </a:pPr>
+            <a:r>
+              <a:rPr/>
               <a:t>Telemetry</a:t>
             </a:r>
             <a:r>
@@ -3355,7 +3889,7 @@
 </p:sld>
 </file>
 
-<file path=ppt/slides/slide11.xml><?xml version="1.0" encoding="utf-8"?>
+<file path=ppt/slides/slide14.xml><?xml version="1.0" encoding="utf-8"?>
 <p:sld xmlns:a="http://schemas.openxmlformats.org/drawingml/2006/main" xmlns:r="http://schemas.openxmlformats.org/officeDocument/2006/relationships" xmlns:p="http://schemas.openxmlformats.org/presentationml/2006/main">
   <p:cSld>
     <p:spTree>
@@ -3446,6 +3980,744 @@
             <a:r>
               <a:rPr/>
               <a:t>without having to reinstrument or redefine output from existing services</a:t>
+            </a:r>
+          </a:p>
+        </p:txBody>
+      </p:sp>
+    </p:spTree>
+  </p:cSld>
+</p:sld>
+</file>
+
+<file path=ppt/slides/slide15.xml><?xml version="1.0" encoding="utf-8"?>
+<p:sld xmlns:a="http://schemas.openxmlformats.org/drawingml/2006/main" xmlns:r="http://schemas.openxmlformats.org/officeDocument/2006/relationships" xmlns:p="http://schemas.openxmlformats.org/presentationml/2006/main">
+  <p:cSld>
+    <p:spTree>
+      <p:nvGrpSpPr>
+        <p:cNvPr id="1" name=""/>
+        <p:cNvGrpSpPr/>
+        <p:nvPr/>
+      </p:nvGrpSpPr>
+      <p:grpSpPr>
+        <a:xfrm>
+          <a:off x="0" y="0"/>
+          <a:ext cx="0" cy="0"/>
+          <a:chOff x="0" y="0"/>
+          <a:chExt cx="0" cy="0"/>
+        </a:xfrm>
+      </p:grpSpPr>
+      <p:sp>
+        <p:nvSpPr>
+          <p:cNvPr id="2" name="Title 1"/>
+          <p:cNvSpPr>
+            <a:spLocks noGrp="1"/>
+          </p:cNvSpPr>
+          <p:nvPr>
+            <p:ph type="title"/>
+          </p:nvPr>
+        </p:nvSpPr>
+        <p:spPr/>
+        <p:txBody>
+          <a:bodyPr/>
+          <a:lstStyle/>
+          <a:p>
+            <a:pPr lvl="0" marL="0" indent="0">
+              <a:buNone/>
+            </a:pPr>
+            <a:r>
+              <a:rPr/>
+              <a:t>setting</a:t>
+            </a:r>
+            <a:r>
+              <a:rPr/>
+              <a:t> </a:t>
+            </a:r>
+            <a:r>
+              <a:rPr/>
+              <a:t>up</a:t>
+            </a:r>
+            <a:r>
+              <a:rPr/>
+              <a:t> </a:t>
+            </a:r>
+            <a:r>
+              <a:rPr/>
+              <a:t>OpenTelemetry</a:t>
+            </a:r>
+            <a:r>
+              <a:rPr/>
+              <a:t> </a:t>
+            </a:r>
+            <a:r>
+              <a:rPr/>
+              <a:t>is</a:t>
+            </a:r>
+            <a:r>
+              <a:rPr/>
+              <a:t> </a:t>
+            </a:r>
+            <a:r>
+              <a:rPr/>
+              <a:t>twofold</a:t>
+            </a:r>
+          </a:p>
+        </p:txBody>
+      </p:sp>
+      <p:sp>
+        <p:nvSpPr>
+          <p:cNvPr id="3" name="Content Placeholder 2"/>
+          <p:cNvSpPr>
+            <a:spLocks noGrp="1"/>
+          </p:cNvSpPr>
+          <p:nvPr>
+            <p:ph idx="1"/>
+          </p:nvPr>
+        </p:nvSpPr>
+        <p:spPr/>
+        <p:txBody>
+          <a:bodyPr/>
+          <a:lstStyle/>
+          <a:p>
+            <a:pPr lvl="1"/>
+            <a:r>
+              <a:rPr/>
+              <a:t>installing the software development kit (SDK)</a:t>
+            </a:r>
+          </a:p>
+          <a:p>
+            <a:pPr lvl="1"/>
+            <a:r>
+              <a:rPr/>
+              <a:t>for python we do this with pip packages</a:t>
+            </a:r>
+          </a:p>
+          <a:p>
+            <a:pPr lvl="1"/>
+            <a:r>
+              <a:rPr/>
+              <a:t>installing instrumentation</a:t>
+            </a:r>
+          </a:p>
+          <a:p>
+            <a:pPr lvl="1"/>
+            <a:r>
+              <a:rPr/>
+              <a:t>some instrumentation is automatic with the SDK, some is custom</a:t>
+            </a:r>
+          </a:p>
+        </p:txBody>
+      </p:sp>
+    </p:spTree>
+  </p:cSld>
+</p:sld>
+</file>
+
+<file path=ppt/slides/slide16.xml><?xml version="1.0" encoding="utf-8"?>
+<p:sld xmlns:a="http://schemas.openxmlformats.org/drawingml/2006/main" xmlns:r="http://schemas.openxmlformats.org/officeDocument/2006/relationships" xmlns:p="http://schemas.openxmlformats.org/presentationml/2006/main">
+  <p:cSld>
+    <p:spTree>
+      <p:nvGrpSpPr>
+        <p:cNvPr id="1" name=""/>
+        <p:cNvGrpSpPr/>
+        <p:nvPr/>
+      </p:nvGrpSpPr>
+      <p:grpSpPr>
+        <a:xfrm>
+          <a:off x="0" y="0"/>
+          <a:ext cx="0" cy="0"/>
+          <a:chOff x="0" y="0"/>
+          <a:chExt cx="0" cy="0"/>
+        </a:xfrm>
+      </p:grpSpPr>
+      <p:sp>
+        <p:nvSpPr>
+          <p:cNvPr id="2" name="Title 1"/>
+          <p:cNvSpPr>
+            <a:spLocks noGrp="1"/>
+          </p:cNvSpPr>
+          <p:nvPr>
+            <p:ph type="title"/>
+          </p:nvPr>
+        </p:nvSpPr>
+        <p:spPr/>
+        <p:txBody>
+          <a:bodyPr/>
+          <a:lstStyle/>
+          <a:p>
+            <a:pPr lvl="0" marL="0" indent="0">
+              <a:buNone/>
+            </a:pPr>
+            <a:r>
+              <a:rPr/>
+              <a:t>requirements.txt</a:t>
+            </a:r>
+          </a:p>
+        </p:txBody>
+      </p:sp>
+      <p:sp>
+        <p:nvSpPr>
+          <p:cNvPr id="3" name="Content Placeholder 2"/>
+          <p:cNvSpPr>
+            <a:spLocks noGrp="1"/>
+          </p:cNvSpPr>
+          <p:nvPr>
+            <p:ph idx="1"/>
+          </p:nvPr>
+        </p:nvSpPr>
+        <p:spPr/>
+        <p:txBody>
+          <a:bodyPr/>
+          <a:lstStyle/>
+          <a:p>
+            <a:pPr lvl="0" indent="0">
+              <a:buNone/>
+            </a:pPr>
+            <a:r>
+              <a:rPr>
+                <a:latin typeface="Courier"/>
+              </a:rPr>
+              <a:t>opentelemetry-distro</a:t>
+            </a:r>
+            <a:br/>
+            <a:r>
+              <a:rPr>
+                <a:latin typeface="Courier"/>
+              </a:rPr>
+              <a:t>opentelemetry-exporter-otlp</a:t>
+            </a:r>
+          </a:p>
+          <a:p>
+            <a:pPr lvl="1"/>
+            <a:r>
+              <a:rPr/>
+              <a:t>then run </a:t>
+            </a:r>
+            <a:r>
+              <a:rPr>
+                <a:latin typeface="Courier"/>
+              </a:rPr>
+              <a:t>opentelemetry-bootstrap -a install</a:t>
+            </a:r>
+          </a:p>
+        </p:txBody>
+      </p:sp>
+    </p:spTree>
+  </p:cSld>
+</p:sld>
+</file>
+
+<file path=ppt/slides/slide17.xml><?xml version="1.0" encoding="utf-8"?>
+<p:sld xmlns:a="http://schemas.openxmlformats.org/drawingml/2006/main" xmlns:r="http://schemas.openxmlformats.org/officeDocument/2006/relationships" xmlns:p="http://schemas.openxmlformats.org/presentationml/2006/main">
+  <p:cSld>
+    <p:spTree>
+      <p:nvGrpSpPr>
+        <p:cNvPr id="1" name=""/>
+        <p:cNvGrpSpPr/>
+        <p:nvPr/>
+      </p:nvGrpSpPr>
+      <p:grpSpPr>
+        <a:xfrm>
+          <a:off x="0" y="0"/>
+          <a:ext cx="0" cy="0"/>
+          <a:chOff x="0" y="0"/>
+          <a:chExt cx="0" cy="0"/>
+        </a:xfrm>
+      </p:grpSpPr>
+      <p:sp>
+        <p:nvSpPr>
+          <p:cNvPr id="2" name="Title 1"/>
+          <p:cNvSpPr>
+            <a:spLocks noGrp="1"/>
+          </p:cNvSpPr>
+          <p:nvPr>
+            <p:ph type="title"/>
+          </p:nvPr>
+        </p:nvSpPr>
+        <p:spPr/>
+        <p:txBody>
+          <a:bodyPr/>
+          <a:lstStyle/>
+          <a:p>
+            <a:pPr lvl="0" marL="0" indent="0">
+              <a:buNone/>
+            </a:pPr>
+            <a:r>
+              <a:rPr/>
+              <a:t>logs</a:t>
+            </a:r>
+          </a:p>
+        </p:txBody>
+      </p:sp>
+      <p:sp>
+        <p:nvSpPr>
+          <p:cNvPr id="3" name="Content Placeholder 2"/>
+          <p:cNvSpPr>
+            <a:spLocks noGrp="1"/>
+          </p:cNvSpPr>
+          <p:nvPr>
+            <p:ph idx="1"/>
+          </p:nvPr>
+        </p:nvSpPr>
+        <p:spPr/>
+        <p:txBody>
+          <a:bodyPr/>
+          <a:lstStyle/>
+          <a:p>
+            <a:pPr lvl="0" indent="0">
+              <a:buNone/>
+            </a:pPr>
+            <a:r>
+              <a:rPr>
+                <a:latin typeface="Courier"/>
+              </a:rPr>
+              <a:t>import logging</a:t>
+            </a:r>
+            <a:br/>
+            <a:r>
+              <a:rPr>
+                <a:latin typeface="Courier"/>
+              </a:rPr>
+              <a:t>logging.basicConfig(level</a:t>
+            </a:r>
+            <a:r>
+              <a:rPr>
+                <a:solidFill>
+                  <a:srgbClr val="666666"/>
+                </a:solidFill>
+                <a:latin typeface="Courier"/>
+              </a:rPr>
+              <a:t>=</a:t>
+            </a:r>
+            <a:r>
+              <a:rPr>
+                <a:latin typeface="Courier"/>
+              </a:rPr>
+              <a:t>logging.INFO)</a:t>
+            </a:r>
+            <a:br/>
+            <a:r>
+              <a:rPr>
+                <a:latin typeface="Courier"/>
+              </a:rPr>
+              <a:t>logger </a:t>
+            </a:r>
+            <a:r>
+              <a:rPr>
+                <a:solidFill>
+                  <a:srgbClr val="666666"/>
+                </a:solidFill>
+                <a:latin typeface="Courier"/>
+              </a:rPr>
+              <a:t>=</a:t>
+            </a:r>
+            <a:r>
+              <a:rPr>
+                <a:latin typeface="Courier"/>
+              </a:rPr>
+              <a:t> logging.getLogger(</a:t>
+            </a:r>
+            <a:r>
+              <a:rPr>
+                <a:solidFill>
+                  <a:srgbClr val="19177C"/>
+                </a:solidFill>
+                <a:latin typeface="Courier"/>
+              </a:rPr>
+              <a:t>__name__</a:t>
+            </a:r>
+            <a:r>
+              <a:rPr>
+                <a:latin typeface="Courier"/>
+              </a:rPr>
+              <a:t>)</a:t>
+            </a:r>
+            <a:br/>
+            <a:r>
+              <a:rPr>
+                <a:latin typeface="Courier"/>
+              </a:rPr>
+              <a:t>logger.warn(</a:t>
+            </a:r>
+            <a:r>
+              <a:rPr>
+                <a:solidFill>
+                  <a:srgbClr val="4070A0"/>
+                </a:solidFill>
+                <a:latin typeface="Courier"/>
+              </a:rPr>
+              <a:t>"{} is rolling the dice: {}"</a:t>
+            </a:r>
+            <a:r>
+              <a:rPr>
+                <a:latin typeface="Courier"/>
+              </a:rPr>
+              <a:t>, </a:t>
+            </a:r>
+            <a:r>
+              <a:rPr>
+                <a:solidFill>
+                  <a:srgbClr val="4070A0"/>
+                </a:solidFill>
+                <a:latin typeface="Courier"/>
+              </a:rPr>
+              <a:t>"Rich"</a:t>
+            </a:r>
+            <a:r>
+              <a:rPr>
+                <a:latin typeface="Courier"/>
+              </a:rPr>
+              <a:t>, </a:t>
+            </a:r>
+            <a:r>
+              <a:rPr>
+                <a:solidFill>
+                  <a:srgbClr val="4070A0"/>
+                </a:solidFill>
+                <a:latin typeface="Courier"/>
+              </a:rPr>
+              <a:t>"6"</a:t>
+            </a:r>
+            <a:r>
+              <a:rPr>
+                <a:latin typeface="Courier"/>
+              </a:rPr>
+              <a:t>)</a:t>
+            </a:r>
+          </a:p>
+          <a:p>
+            <a:pPr lvl="1"/>
+            <a:r>
+              <a:rPr/>
+              <a:t>built in to python</a:t>
+            </a:r>
+          </a:p>
+        </p:txBody>
+      </p:sp>
+    </p:spTree>
+  </p:cSld>
+</p:sld>
+</file>
+
+<file path=ppt/slides/slide18.xml><?xml version="1.0" encoding="utf-8"?>
+<p:sld xmlns:a="http://schemas.openxmlformats.org/drawingml/2006/main" xmlns:r="http://schemas.openxmlformats.org/officeDocument/2006/relationships" xmlns:p="http://schemas.openxmlformats.org/presentationml/2006/main">
+  <p:cSld>
+    <p:spTree>
+      <p:nvGrpSpPr>
+        <p:cNvPr id="1" name=""/>
+        <p:cNvGrpSpPr/>
+        <p:nvPr/>
+      </p:nvGrpSpPr>
+      <p:grpSpPr>
+        <a:xfrm>
+          <a:off x="0" y="0"/>
+          <a:ext cx="0" cy="0"/>
+          <a:chOff x="0" y="0"/>
+          <a:chExt cx="0" cy="0"/>
+        </a:xfrm>
+      </p:grpSpPr>
+      <p:sp>
+        <p:nvSpPr>
+          <p:cNvPr id="2" name="Title 1"/>
+          <p:cNvSpPr>
+            <a:spLocks noGrp="1"/>
+          </p:cNvSpPr>
+          <p:nvPr>
+            <p:ph type="title"/>
+          </p:nvPr>
+        </p:nvSpPr>
+        <p:spPr/>
+        <p:txBody>
+          <a:bodyPr/>
+          <a:lstStyle/>
+          <a:p>
+            <a:pPr lvl="0" marL="0" indent="0">
+              <a:buNone/>
+            </a:pPr>
+            <a:r>
+              <a:rPr/>
+              <a:t>Logger</a:t>
+            </a:r>
+            <a:r>
+              <a:rPr/>
+              <a:t> </a:t>
+            </a:r>
+            <a:r>
+              <a:rPr/>
+              <a:t>Provider</a:t>
+            </a:r>
+          </a:p>
+        </p:txBody>
+      </p:sp>
+      <p:pic>
+        <p:nvPicPr>
+          <p:cNvPr descr="images/logger.png" id="0" name="Picture 1"/>
+          <p:cNvPicPr>
+            <a:picLocks noGrp="1" noChangeAspect="1"/>
+          </p:cNvPicPr>
+          <p:nvPr/>
+        </p:nvPicPr>
+        <p:blipFill>
+          <a:blip r:embed="rId2"/>
+          <a:stretch>
+            <a:fillRect/>
+          </a:stretch>
+        </p:blipFill>
+        <p:spPr bwMode="auto">
+          <a:xfrm>
+            <a:off x="457200" y="1866900"/>
+            <a:ext cx="8229600" cy="3479800"/>
+          </a:xfrm>
+          <a:prstGeom prst="rect">
+            <a:avLst/>
+          </a:prstGeom>
+          <a:noFill/>
+          <a:ln w="9525">
+            <a:noFill/>
+            <a:headEnd/>
+            <a:tailEnd/>
+          </a:ln>
+        </p:spPr>
+      </p:pic>
+      <p:sp>
+        <p:nvSpPr>
+          <p:cNvPr id="1" name="TextBox 3"/>
+          <p:cNvSpPr txBox="1"/>
+          <p:nvPr/>
+        </p:nvSpPr>
+        <p:spPr>
+          <a:xfrm>
+            <a:off x="457200" y="5613400"/>
+            <a:ext cx="8229600" cy="508000"/>
+          </a:xfrm>
+          <a:prstGeom prst="rect">
+            <a:avLst/>
+          </a:prstGeom>
+          <a:noFill/>
+        </p:spPr>
+        <p:txBody>
+          <a:bodyPr/>
+          <a:lstStyle/>
+          <a:p>
+            <a:pPr lvl="0" marL="0" indent="0" algn="ctr">
+              <a:buNone/>
+            </a:pPr>
+            <a:r>
+              <a:rPr/>
+              <a:t>The</a:t>
+            </a:r>
+            <a:r>
+              <a:rPr/>
+              <a:t> </a:t>
+            </a:r>
+            <a:r>
+              <a:rPr/>
+              <a:t>LoggerProvider</a:t>
+            </a:r>
+            <a:r>
+              <a:rPr/>
+              <a:t> </a:t>
+            </a:r>
+            <a:r>
+              <a:rPr/>
+              <a:t>framework</a:t>
+            </a:r>
+          </a:p>
+        </p:txBody>
+      </p:sp>
+    </p:spTree>
+  </p:cSld>
+</p:sld>
+</file>
+
+<file path=ppt/slides/slide19.xml><?xml version="1.0" encoding="utf-8"?>
+<p:sld xmlns:a="http://schemas.openxmlformats.org/drawingml/2006/main" xmlns:r="http://schemas.openxmlformats.org/officeDocument/2006/relationships" xmlns:p="http://schemas.openxmlformats.org/presentationml/2006/main">
+  <p:cSld>
+    <p:spTree>
+      <p:nvGrpSpPr>
+        <p:cNvPr id="1" name=""/>
+        <p:cNvGrpSpPr/>
+        <p:nvPr/>
+      </p:nvGrpSpPr>
+      <p:grpSpPr>
+        <a:xfrm>
+          <a:off x="0" y="0"/>
+          <a:ext cx="0" cy="0"/>
+          <a:chOff x="0" y="0"/>
+          <a:chExt cx="0" cy="0"/>
+        </a:xfrm>
+      </p:grpSpPr>
+      <p:sp>
+        <p:nvSpPr>
+          <p:cNvPr id="2" name="Title 1"/>
+          <p:cNvSpPr>
+            <a:spLocks noGrp="1"/>
+          </p:cNvSpPr>
+          <p:nvPr>
+            <p:ph type="title"/>
+          </p:nvPr>
+        </p:nvSpPr>
+        <p:spPr/>
+        <p:txBody>
+          <a:bodyPr/>
+          <a:lstStyle/>
+          <a:p>
+            <a:pPr lvl="0" marL="0" indent="0">
+              <a:buNone/>
+            </a:pPr>
+            <a:r>
+              <a:rPr/>
+              <a:t>custom</a:t>
+            </a:r>
+            <a:r>
+              <a:rPr/>
+              <a:t> </a:t>
+            </a:r>
+            <a:r>
+              <a:rPr/>
+              <a:t>traces</a:t>
+            </a:r>
+          </a:p>
+        </p:txBody>
+      </p:sp>
+      <p:sp>
+        <p:nvSpPr>
+          <p:cNvPr id="3" name="Content Placeholder 2"/>
+          <p:cNvSpPr>
+            <a:spLocks noGrp="1"/>
+          </p:cNvSpPr>
+          <p:nvPr>
+            <p:ph idx="1"/>
+          </p:nvPr>
+        </p:nvSpPr>
+        <p:spPr/>
+        <p:txBody>
+          <a:bodyPr/>
+          <a:lstStyle/>
+          <a:p>
+            <a:pPr lvl="0" indent="0">
+              <a:buNone/>
+            </a:pPr>
+            <a:r>
+              <a:rPr>
+                <a:latin typeface="Courier"/>
+              </a:rPr>
+              <a:t>from opentelemetry import trace</a:t>
+            </a:r>
+            <a:br/>
+            <a:br/>
+            <a:r>
+              <a:rPr i="1">
+                <a:solidFill>
+                  <a:srgbClr val="60A0B0"/>
+                </a:solidFill>
+                <a:latin typeface="Courier"/>
+              </a:rPr>
+              <a:t># Acquire a tracer</a:t>
+            </a:r>
+            <a:br/>
+            <a:r>
+              <a:rPr>
+                <a:latin typeface="Courier"/>
+              </a:rPr>
+              <a:t>tracer </a:t>
+            </a:r>
+            <a:r>
+              <a:rPr>
+                <a:solidFill>
+                  <a:srgbClr val="666666"/>
+                </a:solidFill>
+                <a:latin typeface="Courier"/>
+              </a:rPr>
+              <a:t>=</a:t>
+            </a:r>
+            <a:r>
+              <a:rPr>
+                <a:latin typeface="Courier"/>
+              </a:rPr>
+              <a:t> trace.get_tracer(</a:t>
+            </a:r>
+            <a:r>
+              <a:rPr>
+                <a:solidFill>
+                  <a:srgbClr val="4070A0"/>
+                </a:solidFill>
+                <a:latin typeface="Courier"/>
+              </a:rPr>
+              <a:t>"diceroller.tracer"</a:t>
+            </a:r>
+            <a:r>
+              <a:rPr>
+                <a:latin typeface="Courier"/>
+              </a:rPr>
+              <a:t>)</a:t>
+            </a:r>
+            <a:br/>
+            <a:r>
+              <a:rPr b="1">
+                <a:solidFill>
+                  <a:srgbClr val="007020"/>
+                </a:solidFill>
+                <a:latin typeface="Courier"/>
+              </a:rPr>
+              <a:t>with</a:t>
+            </a:r>
+            <a:r>
+              <a:rPr>
+                <a:latin typeface="Courier"/>
+              </a:rPr>
+              <a:t> tracer.start_as_current_span(</a:t>
+            </a:r>
+            <a:r>
+              <a:rPr>
+                <a:solidFill>
+                  <a:srgbClr val="4070A0"/>
+                </a:solidFill>
+                <a:latin typeface="Courier"/>
+              </a:rPr>
+              <a:t>"roll"</a:t>
+            </a:r>
+            <a:r>
+              <a:rPr>
+                <a:latin typeface="Courier"/>
+              </a:rPr>
+              <a:t>) as rollspan:</a:t>
+            </a:r>
+            <a:br/>
+            <a:r>
+              <a:rPr>
+                <a:latin typeface="Courier"/>
+              </a:rPr>
+              <a:t>    rollspan.set_attribute(</a:t>
+            </a:r>
+            <a:r>
+              <a:rPr>
+                <a:solidFill>
+                  <a:srgbClr val="4070A0"/>
+                </a:solidFill>
+                <a:latin typeface="Courier"/>
+              </a:rPr>
+              <a:t>"roll.value"</a:t>
+            </a:r>
+            <a:r>
+              <a:rPr>
+                <a:latin typeface="Courier"/>
+              </a:rPr>
+              <a:t>, </a:t>
+            </a:r>
+            <a:r>
+              <a:rPr>
+                <a:solidFill>
+                  <a:srgbClr val="40A070"/>
+                </a:solidFill>
+                <a:latin typeface="Courier"/>
+              </a:rPr>
+              <a:t>6</a:t>
+            </a:r>
+            <a:r>
+              <a:rPr>
+                <a:latin typeface="Courier"/>
+              </a:rPr>
+              <a:t>) </a:t>
             </a:r>
           </a:p>
         </p:txBody>
@@ -3555,6 +4827,615 @@
 </p:sld>
 </file>
 
+<file path=ppt/slides/slide20.xml><?xml version="1.0" encoding="utf-8"?>
+<p:sld xmlns:a="http://schemas.openxmlformats.org/drawingml/2006/main" xmlns:r="http://schemas.openxmlformats.org/officeDocument/2006/relationships" xmlns:p="http://schemas.openxmlformats.org/presentationml/2006/main">
+  <p:cSld>
+    <p:spTree>
+      <p:nvGrpSpPr>
+        <p:cNvPr id="1" name=""/>
+        <p:cNvGrpSpPr/>
+        <p:nvPr/>
+      </p:nvGrpSpPr>
+      <p:grpSpPr>
+        <a:xfrm>
+          <a:off x="0" y="0"/>
+          <a:ext cx="0" cy="0"/>
+          <a:chOff x="0" y="0"/>
+          <a:chExt cx="0" cy="0"/>
+        </a:xfrm>
+      </p:grpSpPr>
+      <p:sp>
+        <p:nvSpPr>
+          <p:cNvPr id="2" name="Title 1"/>
+          <p:cNvSpPr>
+            <a:spLocks noGrp="1"/>
+          </p:cNvSpPr>
+          <p:nvPr>
+            <p:ph type="title"/>
+          </p:nvPr>
+        </p:nvSpPr>
+        <p:spPr/>
+        <p:txBody>
+          <a:bodyPr/>
+          <a:lstStyle/>
+          <a:p>
+            <a:pPr lvl="0" marL="0" indent="0">
+              <a:buNone/>
+            </a:pPr>
+            <a:r>
+              <a:rPr/>
+              <a:t>Tracer</a:t>
+            </a:r>
+            <a:r>
+              <a:rPr/>
+              <a:t> </a:t>
+            </a:r>
+            <a:r>
+              <a:rPr/>
+              <a:t>Provider</a:t>
+            </a:r>
+          </a:p>
+        </p:txBody>
+      </p:sp>
+      <p:pic>
+        <p:nvPicPr>
+          <p:cNvPr descr="images/tracer.png" id="0" name="Picture 1"/>
+          <p:cNvPicPr>
+            <a:picLocks noGrp="1" noChangeAspect="1"/>
+          </p:cNvPicPr>
+          <p:nvPr/>
+        </p:nvPicPr>
+        <p:blipFill>
+          <a:blip r:embed="rId2"/>
+          <a:stretch>
+            <a:fillRect/>
+          </a:stretch>
+        </p:blipFill>
+        <p:spPr bwMode="auto">
+          <a:xfrm>
+            <a:off x="1155700" y="1600200"/>
+            <a:ext cx="6819900" cy="4013200"/>
+          </a:xfrm>
+          <a:prstGeom prst="rect">
+            <a:avLst/>
+          </a:prstGeom>
+          <a:noFill/>
+          <a:ln w="9525">
+            <a:noFill/>
+            <a:headEnd/>
+            <a:tailEnd/>
+          </a:ln>
+        </p:spPr>
+      </p:pic>
+      <p:sp>
+        <p:nvSpPr>
+          <p:cNvPr id="1" name="TextBox 3"/>
+          <p:cNvSpPr txBox="1"/>
+          <p:nvPr/>
+        </p:nvSpPr>
+        <p:spPr>
+          <a:xfrm>
+            <a:off x="457200" y="5613400"/>
+            <a:ext cx="8229600" cy="508000"/>
+          </a:xfrm>
+          <a:prstGeom prst="rect">
+            <a:avLst/>
+          </a:prstGeom>
+          <a:noFill/>
+        </p:spPr>
+        <p:txBody>
+          <a:bodyPr/>
+          <a:lstStyle/>
+          <a:p>
+            <a:pPr lvl="0" marL="0" indent="0" algn="ctr">
+              <a:buNone/>
+            </a:pPr>
+            <a:r>
+              <a:rPr/>
+              <a:t>The</a:t>
+            </a:r>
+            <a:r>
+              <a:rPr/>
+              <a:t> </a:t>
+            </a:r>
+            <a:r>
+              <a:rPr/>
+              <a:t>TracerProvider</a:t>
+            </a:r>
+            <a:r>
+              <a:rPr/>
+              <a:t> </a:t>
+            </a:r>
+            <a:r>
+              <a:rPr/>
+              <a:t>framework</a:t>
+            </a:r>
+          </a:p>
+        </p:txBody>
+      </p:sp>
+    </p:spTree>
+  </p:cSld>
+</p:sld>
+</file>
+
+<file path=ppt/slides/slide21.xml><?xml version="1.0" encoding="utf-8"?>
+<p:sld xmlns:a="http://schemas.openxmlformats.org/drawingml/2006/main" xmlns:r="http://schemas.openxmlformats.org/officeDocument/2006/relationships" xmlns:p="http://schemas.openxmlformats.org/presentationml/2006/main">
+  <p:cSld>
+    <p:spTree>
+      <p:nvGrpSpPr>
+        <p:cNvPr id="1" name=""/>
+        <p:cNvGrpSpPr/>
+        <p:nvPr/>
+      </p:nvGrpSpPr>
+      <p:grpSpPr>
+        <a:xfrm>
+          <a:off x="0" y="0"/>
+          <a:ext cx="0" cy="0"/>
+          <a:chOff x="0" y="0"/>
+          <a:chExt cx="0" cy="0"/>
+        </a:xfrm>
+      </p:grpSpPr>
+      <p:sp>
+        <p:nvSpPr>
+          <p:cNvPr id="2" name="Title 1"/>
+          <p:cNvSpPr>
+            <a:spLocks noGrp="1"/>
+          </p:cNvSpPr>
+          <p:nvPr>
+            <p:ph type="title"/>
+          </p:nvPr>
+        </p:nvSpPr>
+        <p:spPr/>
+        <p:txBody>
+          <a:bodyPr/>
+          <a:lstStyle/>
+          <a:p>
+            <a:pPr lvl="0" marL="0" indent="0">
+              <a:buNone/>
+            </a:pPr>
+            <a:r>
+              <a:rPr/>
+              <a:t>custom</a:t>
+            </a:r>
+            <a:r>
+              <a:rPr/>
+              <a:t> </a:t>
+            </a:r>
+            <a:r>
+              <a:rPr/>
+              <a:t>metrics</a:t>
+            </a:r>
+          </a:p>
+        </p:txBody>
+      </p:sp>
+      <p:sp>
+        <p:nvSpPr>
+          <p:cNvPr id="3" name="Content Placeholder 2"/>
+          <p:cNvSpPr>
+            <a:spLocks noGrp="1"/>
+          </p:cNvSpPr>
+          <p:nvPr>
+            <p:ph idx="1"/>
+          </p:nvPr>
+        </p:nvSpPr>
+        <p:spPr/>
+        <p:txBody>
+          <a:bodyPr/>
+          <a:lstStyle/>
+          <a:p>
+            <a:pPr lvl="0" indent="0">
+              <a:buNone/>
+            </a:pPr>
+            <a:r>
+              <a:rPr>
+                <a:latin typeface="Courier"/>
+              </a:rPr>
+              <a:t>from opentelemetry import metrics</a:t>
+            </a:r>
+            <a:br/>
+            <a:r>
+              <a:rPr>
+                <a:latin typeface="Courier"/>
+              </a:rPr>
+              <a:t>meter </a:t>
+            </a:r>
+            <a:r>
+              <a:rPr>
+                <a:solidFill>
+                  <a:srgbClr val="666666"/>
+                </a:solidFill>
+                <a:latin typeface="Courier"/>
+              </a:rPr>
+              <a:t>=</a:t>
+            </a:r>
+            <a:r>
+              <a:rPr>
+                <a:latin typeface="Courier"/>
+              </a:rPr>
+              <a:t> metrics.get_meter(</a:t>
+            </a:r>
+            <a:r>
+              <a:rPr>
+                <a:solidFill>
+                  <a:srgbClr val="4070A0"/>
+                </a:solidFill>
+                <a:latin typeface="Courier"/>
+              </a:rPr>
+              <a:t>"diceroller.meter"</a:t>
+            </a:r>
+            <a:r>
+              <a:rPr>
+                <a:latin typeface="Courier"/>
+              </a:rPr>
+              <a:t>)</a:t>
+            </a:r>
+            <a:br/>
+            <a:r>
+              <a:rPr i="1">
+                <a:solidFill>
+                  <a:srgbClr val="60A0B0"/>
+                </a:solidFill>
+                <a:latin typeface="Courier"/>
+              </a:rPr>
+              <a:t># Now create a counter instrument to make measurements with</a:t>
+            </a:r>
+            <a:br/>
+            <a:r>
+              <a:rPr>
+                <a:latin typeface="Courier"/>
+              </a:rPr>
+              <a:t>roll_counter </a:t>
+            </a:r>
+            <a:r>
+              <a:rPr>
+                <a:solidFill>
+                  <a:srgbClr val="666666"/>
+                </a:solidFill>
+                <a:latin typeface="Courier"/>
+              </a:rPr>
+              <a:t>=</a:t>
+            </a:r>
+            <a:r>
+              <a:rPr>
+                <a:latin typeface="Courier"/>
+              </a:rPr>
+              <a:t> meter.create_counter(</a:t>
+            </a:r>
+            <a:br/>
+            <a:r>
+              <a:rPr>
+                <a:latin typeface="Courier"/>
+              </a:rPr>
+              <a:t>    </a:t>
+            </a:r>
+            <a:r>
+              <a:rPr>
+                <a:solidFill>
+                  <a:srgbClr val="4070A0"/>
+                </a:solidFill>
+                <a:latin typeface="Courier"/>
+              </a:rPr>
+              <a:t>"dice.rolls"</a:t>
+            </a:r>
+            <a:r>
+              <a:rPr>
+                <a:latin typeface="Courier"/>
+              </a:rPr>
+              <a:t>,</a:t>
+            </a:r>
+            <a:br/>
+            <a:r>
+              <a:rPr>
+                <a:latin typeface="Courier"/>
+              </a:rPr>
+              <a:t>    description</a:t>
+            </a:r>
+            <a:r>
+              <a:rPr>
+                <a:solidFill>
+                  <a:srgbClr val="666666"/>
+                </a:solidFill>
+                <a:latin typeface="Courier"/>
+              </a:rPr>
+              <a:t>=</a:t>
+            </a:r>
+            <a:r>
+              <a:rPr>
+                <a:solidFill>
+                  <a:srgbClr val="4070A0"/>
+                </a:solidFill>
+                <a:latin typeface="Courier"/>
+              </a:rPr>
+              <a:t>"The number of rolls by roll value"</a:t>
+            </a:r>
+            <a:r>
+              <a:rPr>
+                <a:latin typeface="Courier"/>
+              </a:rPr>
+              <a:t>,</a:t>
+            </a:r>
+            <a:br/>
+            <a:r>
+              <a:rPr>
+                <a:latin typeface="Courier"/>
+              </a:rPr>
+              <a:t>)</a:t>
+            </a:r>
+            <a:br/>
+            <a:r>
+              <a:rPr>
+                <a:latin typeface="Courier"/>
+              </a:rPr>
+              <a:t>roll_counter.add(</a:t>
+            </a:r>
+            <a:r>
+              <a:rPr>
+                <a:solidFill>
+                  <a:srgbClr val="40A070"/>
+                </a:solidFill>
+                <a:latin typeface="Courier"/>
+              </a:rPr>
+              <a:t>1</a:t>
+            </a:r>
+            <a:r>
+              <a:rPr>
+                <a:latin typeface="Courier"/>
+              </a:rPr>
+              <a:t>, {</a:t>
+            </a:r>
+            <a:r>
+              <a:rPr>
+                <a:solidFill>
+                  <a:srgbClr val="4070A0"/>
+                </a:solidFill>
+                <a:latin typeface="Courier"/>
+              </a:rPr>
+              <a:t>"roll.value"</a:t>
+            </a:r>
+            <a:r>
+              <a:rPr>
+                <a:latin typeface="Courier"/>
+              </a:rPr>
+              <a:t>: </a:t>
+            </a:r>
+            <a:r>
+              <a:rPr>
+                <a:solidFill>
+                  <a:srgbClr val="4070A0"/>
+                </a:solidFill>
+                <a:latin typeface="Courier"/>
+              </a:rPr>
+              <a:t>"6"</a:t>
+            </a:r>
+            <a:r>
+              <a:rPr>
+                <a:latin typeface="Courier"/>
+              </a:rPr>
+              <a:t>})</a:t>
+            </a:r>
+          </a:p>
+        </p:txBody>
+      </p:sp>
+    </p:spTree>
+  </p:cSld>
+</p:sld>
+</file>
+
+<file path=ppt/slides/slide22.xml><?xml version="1.0" encoding="utf-8"?>
+<p:sld xmlns:a="http://schemas.openxmlformats.org/drawingml/2006/main" xmlns:r="http://schemas.openxmlformats.org/officeDocument/2006/relationships" xmlns:p="http://schemas.openxmlformats.org/presentationml/2006/main">
+  <p:cSld>
+    <p:spTree>
+      <p:nvGrpSpPr>
+        <p:cNvPr id="1" name=""/>
+        <p:cNvGrpSpPr/>
+        <p:nvPr/>
+      </p:nvGrpSpPr>
+      <p:grpSpPr>
+        <a:xfrm>
+          <a:off x="0" y="0"/>
+          <a:ext cx="0" cy="0"/>
+          <a:chOff x="0" y="0"/>
+          <a:chExt cx="0" cy="0"/>
+        </a:xfrm>
+      </p:grpSpPr>
+      <p:sp>
+        <p:nvSpPr>
+          <p:cNvPr id="2" name="Title 1"/>
+          <p:cNvSpPr>
+            <a:spLocks noGrp="1"/>
+          </p:cNvSpPr>
+          <p:nvPr>
+            <p:ph type="title"/>
+          </p:nvPr>
+        </p:nvSpPr>
+        <p:spPr/>
+        <p:txBody>
+          <a:bodyPr/>
+          <a:lstStyle/>
+          <a:p>
+            <a:pPr lvl="0" marL="0" indent="0">
+              <a:buNone/>
+            </a:pPr>
+            <a:r>
+              <a:rPr/>
+              <a:t>Meter</a:t>
+            </a:r>
+            <a:r>
+              <a:rPr/>
+              <a:t> </a:t>
+            </a:r>
+            <a:r>
+              <a:rPr/>
+              <a:t>Provider</a:t>
+            </a:r>
+          </a:p>
+        </p:txBody>
+      </p:sp>
+      <p:pic>
+        <p:nvPicPr>
+          <p:cNvPr descr="images/metric.png" id="0" name="Picture 1"/>
+          <p:cNvPicPr>
+            <a:picLocks noGrp="1" noChangeAspect="1"/>
+          </p:cNvPicPr>
+          <p:nvPr/>
+        </p:nvPicPr>
+        <p:blipFill>
+          <a:blip r:embed="rId2"/>
+          <a:stretch>
+            <a:fillRect/>
+          </a:stretch>
+        </p:blipFill>
+        <p:spPr bwMode="auto">
+          <a:xfrm>
+            <a:off x="1155700" y="1600200"/>
+            <a:ext cx="6819900" cy="4013200"/>
+          </a:xfrm>
+          <a:prstGeom prst="rect">
+            <a:avLst/>
+          </a:prstGeom>
+          <a:noFill/>
+          <a:ln w="9525">
+            <a:noFill/>
+            <a:headEnd/>
+            <a:tailEnd/>
+          </a:ln>
+        </p:spPr>
+      </p:pic>
+      <p:sp>
+        <p:nvSpPr>
+          <p:cNvPr id="1" name="TextBox 3"/>
+          <p:cNvSpPr txBox="1"/>
+          <p:nvPr/>
+        </p:nvSpPr>
+        <p:spPr>
+          <a:xfrm>
+            <a:off x="457200" y="5613400"/>
+            <a:ext cx="8229600" cy="508000"/>
+          </a:xfrm>
+          <a:prstGeom prst="rect">
+            <a:avLst/>
+          </a:prstGeom>
+          <a:noFill/>
+        </p:spPr>
+        <p:txBody>
+          <a:bodyPr/>
+          <a:lstStyle/>
+          <a:p>
+            <a:pPr lvl="0" marL="0" indent="0" algn="ctr">
+              <a:buNone/>
+            </a:pPr>
+            <a:r>
+              <a:rPr/>
+              <a:t>The</a:t>
+            </a:r>
+            <a:r>
+              <a:rPr/>
+              <a:t> </a:t>
+            </a:r>
+            <a:r>
+              <a:rPr/>
+              <a:t>MeterProvider</a:t>
+            </a:r>
+            <a:r>
+              <a:rPr/>
+              <a:t> </a:t>
+            </a:r>
+            <a:r>
+              <a:rPr/>
+              <a:t>framework</a:t>
+            </a:r>
+          </a:p>
+        </p:txBody>
+      </p:sp>
+    </p:spTree>
+  </p:cSld>
+</p:sld>
+</file>
+
+<file path=ppt/slides/slide23.xml><?xml version="1.0" encoding="utf-8"?>
+<p:sld xmlns:a="http://schemas.openxmlformats.org/drawingml/2006/main" xmlns:r="http://schemas.openxmlformats.org/officeDocument/2006/relationships" xmlns:p="http://schemas.openxmlformats.org/presentationml/2006/main">
+  <p:cSld>
+    <p:spTree>
+      <p:nvGrpSpPr>
+        <p:cNvPr id="1" name=""/>
+        <p:cNvGrpSpPr/>
+        <p:nvPr/>
+      </p:nvGrpSpPr>
+      <p:grpSpPr>
+        <a:xfrm>
+          <a:off x="0" y="0"/>
+          <a:ext cx="0" cy="0"/>
+          <a:chOff x="0" y="0"/>
+          <a:chExt cx="0" cy="0"/>
+        </a:xfrm>
+      </p:grpSpPr>
+      <p:sp>
+        <p:nvSpPr>
+          <p:cNvPr id="2" name="Title 1"/>
+          <p:cNvSpPr>
+            <a:spLocks noGrp="1"/>
+          </p:cNvSpPr>
+          <p:nvPr>
+            <p:ph type="title"/>
+          </p:nvPr>
+        </p:nvSpPr>
+        <p:spPr/>
+        <p:txBody>
+          <a:bodyPr/>
+          <a:lstStyle/>
+          <a:p>
+            <a:pPr lvl="0" marL="0" indent="0">
+              <a:buNone/>
+            </a:pPr>
+            <a:r>
+              <a:rPr/>
+              <a:t>Conclusion</a:t>
+            </a:r>
+          </a:p>
+        </p:txBody>
+      </p:sp>
+      <p:sp>
+        <p:nvSpPr>
+          <p:cNvPr id="3" name="Content Placeholder 2"/>
+          <p:cNvSpPr>
+            <a:spLocks noGrp="1"/>
+          </p:cNvSpPr>
+          <p:nvPr>
+            <p:ph idx="1"/>
+          </p:nvPr>
+        </p:nvSpPr>
+        <p:spPr/>
+        <p:txBody>
+          <a:bodyPr/>
+          <a:lstStyle/>
+          <a:p>
+            <a:pPr lvl="1"/>
+            <a:r>
+              <a:rPr/>
+              <a:t>work required to reinstrument a large system a form of vendor lock-in</a:t>
+            </a:r>
+          </a:p>
+          <a:p>
+            <a:pPr lvl="1"/>
+            <a:r>
+              <a:rPr/>
+              <a:t>advantage of OpenTelemetry is that once it’s done</a:t>
+            </a:r>
+          </a:p>
+          <a:p>
+            <a:pPr lvl="1"/>
+            <a:r>
+              <a:rPr/>
+              <a:t>OpenTelemetry is a standard that works with every observability system.</a:t>
+            </a:r>
+          </a:p>
+        </p:txBody>
+      </p:sp>
+    </p:spTree>
+  </p:cSld>
+</p:sld>
+</file>
+
 <file path=ppt/slides/slide3.xml><?xml version="1.0" encoding="utf-8"?>
 <p:sld xmlns:a="http://schemas.openxmlformats.org/drawingml/2006/main" xmlns:r="http://schemas.openxmlformats.org/officeDocument/2006/relationships" xmlns:p="http://schemas.openxmlformats.org/presentationml/2006/main">
   <p:cSld>
@@ -4537,86 +6418,39 @@
           </a:p>
         </p:txBody>
       </p:sp>
-      <p:pic>
-        <p:nvPicPr>
-          <p:cNvPr descr="images/otelSupport.png" id="0" name="Picture 1"/>
-          <p:cNvPicPr>
-            <a:picLocks noGrp="1" noChangeAspect="1"/>
-          </p:cNvPicPr>
-          <p:nvPr/>
-        </p:nvPicPr>
-        <p:blipFill>
-          <a:blip r:embed="rId2"/>
-          <a:stretch>
-            <a:fillRect/>
-          </a:stretch>
-        </p:blipFill>
-        <p:spPr bwMode="auto">
-          <a:xfrm>
-            <a:off x="3162300" y="1600200"/>
-            <a:ext cx="2819400" cy="4013200"/>
-          </a:xfrm>
-          <a:prstGeom prst="rect">
-            <a:avLst/>
-          </a:prstGeom>
-          <a:noFill/>
-          <a:ln w="9525">
-            <a:noFill/>
-            <a:headEnd/>
-            <a:tailEnd/>
-          </a:ln>
-        </p:spPr>
-      </p:pic>
-      <p:sp>
-        <p:nvSpPr>
-          <p:cNvPr id="1" name="TextBox 3"/>
-          <p:cNvSpPr txBox="1"/>
-          <p:nvPr/>
-        </p:nvSpPr>
-        <p:spPr>
-          <a:xfrm>
-            <a:off x="457200" y="5613400"/>
-            <a:ext cx="8229600" cy="508000"/>
-          </a:xfrm>
-          <a:prstGeom prst="rect">
-            <a:avLst/>
-          </a:prstGeom>
-          <a:noFill/>
-        </p:spPr>
-        <p:txBody>
-          <a:bodyPr/>
-          <a:lstStyle/>
-          <a:p>
-            <a:pPr lvl="0" marL="0" indent="0" algn="ctr">
-              <a:buNone/>
-            </a:pPr>
-            <a:r>
-              <a:rPr/>
-              <a:t>OpenTelemetry’s</a:t>
-            </a:r>
-            <a:r>
-              <a:rPr/>
-              <a:t> </a:t>
-            </a:r>
-            <a:r>
-              <a:rPr/>
-              <a:t>long-term</a:t>
-            </a:r>
-            <a:r>
-              <a:rPr/>
-              <a:t> </a:t>
-            </a:r>
-            <a:r>
-              <a:rPr/>
-              <a:t>support</a:t>
-            </a:r>
-            <a:r>
-              <a:rPr/>
-              <a:t> </a:t>
-            </a:r>
-            <a:r>
-              <a:rPr/>
-              <a:t>guarantees</a:t>
+      <p:sp>
+        <p:nvSpPr>
+          <p:cNvPr id="3" name="Content Placeholder 2"/>
+          <p:cNvSpPr>
+            <a:spLocks noGrp="1"/>
+          </p:cNvSpPr>
+          <p:nvPr>
+            <p:ph idx="1"/>
+          </p:nvPr>
+        </p:nvSpPr>
+        <p:spPr/>
+        <p:txBody>
+          <a:bodyPr/>
+          <a:lstStyle/>
+          <a:p>
+            <a:pPr lvl="1"/>
+            <a:r>
+              <a:rPr/>
+              <a:t>signals are logs, traces and metrics</a:t>
+            </a:r>
+          </a:p>
+          <a:p>
+            <a:pPr lvl="1"/>
+            <a:r>
+              <a:rPr/>
+              <a:t>add new signals like sessions in the Future</a:t>
+            </a:r>
+          </a:p>
+          <a:p>
+            <a:pPr lvl="1"/>
+            <a:r>
+              <a:rPr/>
+              <a:t>signals have attributes</a:t>
             </a:r>
           </a:p>
         </p:txBody>
@@ -4663,7 +6497,7 @@
             </a:pPr>
             <a:r>
               <a:rPr/>
-              <a:t>Foundation</a:t>
+              <a:t>Attributes</a:t>
             </a:r>
             <a:r>
               <a:rPr/>
@@ -4671,7 +6505,7 @@
             </a:r>
             <a:r>
               <a:rPr/>
-              <a:t>of</a:t>
+              <a:t>(from</a:t>
             </a:r>
             <a:r>
               <a:rPr/>
@@ -4679,7 +6513,7 @@
             </a:r>
             <a:r>
               <a:rPr/>
-              <a:t>OpenTelemetry</a:t>
+              <a:t>the</a:t>
             </a:r>
             <a:r>
               <a:rPr/>
@@ -4687,76 +6521,227 @@
             </a:r>
             <a:r>
               <a:rPr/>
-              <a:t>is</a:t>
-            </a:r>
-            <a:r>
-              <a:rPr/>
+              <a:t>sqlquery)</a:t>
+            </a:r>
+          </a:p>
+        </p:txBody>
+      </p:sp>
+      <p:sp>
+        <p:nvSpPr>
+          <p:cNvPr id="3" name="Content Placeholder 2"/>
+          <p:cNvSpPr>
+            <a:spLocks noGrp="1"/>
+          </p:cNvSpPr>
+          <p:nvPr>
+            <p:ph idx="1"/>
+          </p:nvPr>
+        </p:nvSpPr>
+        <p:spPr/>
+        <p:txBody>
+          <a:bodyPr/>
+          <a:lstStyle/>
+          <a:p>
+            <a:pPr lvl="0" indent="0">
+              <a:buNone/>
+            </a:pPr>
+            <a:r>
+              <a:rPr>
+                <a:solidFill>
+                  <a:srgbClr val="7D9029"/>
+                </a:solidFill>
+                <a:latin typeface="Courier"/>
+              </a:rPr>
+              <a:t>      </a:t>
+            </a:r>
+            <a:r>
+              <a:rPr b="1">
+                <a:solidFill>
+                  <a:srgbClr val="007020"/>
+                </a:solidFill>
+                <a:latin typeface="Courier"/>
+              </a:rPr>
+              <a:t>-</a:t>
+            </a:r>
+            <a:r>
+              <a:rPr>
+                <a:solidFill>
+                  <a:srgbClr val="7D9029"/>
+                </a:solidFill>
+                <a:latin typeface="Courier"/>
+              </a:rPr>
               <a:t> </a:t>
             </a:r>
             <a:r>
-              <a:rPr/>
-              <a:t>built</a:t>
-            </a:r>
-            <a:r>
-              <a:rPr/>
+              <a:rPr>
+                <a:solidFill>
+                  <a:srgbClr val="06287E"/>
+                </a:solidFill>
+                <a:latin typeface="Courier"/>
+              </a:rPr>
+              <a:t>sql</a:t>
+            </a:r>
+            <a:r>
+              <a:rPr b="1">
+                <a:solidFill>
+                  <a:srgbClr val="007020"/>
+                </a:solidFill>
+                <a:latin typeface="Courier"/>
+              </a:rPr>
+              <a:t>:</a:t>
+            </a:r>
+            <a:r>
+              <a:rPr>
+                <a:solidFill>
+                  <a:srgbClr val="7D9029"/>
+                </a:solidFill>
+                <a:latin typeface="Courier"/>
+              </a:rPr>
               <a:t> </a:t>
             </a:r>
             <a:r>
-              <a:rPr/>
-              <a:t>on</a:t>
-            </a:r>
-            <a:r>
-              <a:rPr/>
+              <a:rPr>
+                <a:solidFill>
+                  <a:srgbClr val="4070A0"/>
+                </a:solidFill>
+                <a:latin typeface="Courier"/>
+              </a:rPr>
+              <a:t>"SELECT sum(xact_rollback) as count_test FROM pg_stat_database; "</a:t>
+            </a:r>
+            <a:br/>
+            <a:r>
+              <a:rPr>
+                <a:solidFill>
+                  <a:srgbClr val="7D9029"/>
+                </a:solidFill>
+                <a:latin typeface="Courier"/>
+              </a:rPr>
+              <a:t>        </a:t>
+            </a:r>
+            <a:r>
+              <a:rPr>
+                <a:solidFill>
+                  <a:srgbClr val="06287E"/>
+                </a:solidFill>
+                <a:latin typeface="Courier"/>
+              </a:rPr>
+              <a:t>metrics</a:t>
+            </a:r>
+            <a:r>
+              <a:rPr b="1">
+                <a:solidFill>
+                  <a:srgbClr val="007020"/>
+                </a:solidFill>
+                <a:latin typeface="Courier"/>
+              </a:rPr>
+              <a:t>:</a:t>
+            </a:r>
+            <a:br/>
+            <a:r>
+              <a:rPr>
+                <a:solidFill>
+                  <a:srgbClr val="7D9029"/>
+                </a:solidFill>
+                <a:latin typeface="Courier"/>
+              </a:rPr>
+              <a:t>          </a:t>
+            </a:r>
+            <a:r>
+              <a:rPr b="1">
+                <a:solidFill>
+                  <a:srgbClr val="007020"/>
+                </a:solidFill>
+                <a:latin typeface="Courier"/>
+              </a:rPr>
+              <a:t>-</a:t>
+            </a:r>
+            <a:r>
+              <a:rPr>
+                <a:solidFill>
+                  <a:srgbClr val="7D9029"/>
+                </a:solidFill>
+                <a:latin typeface="Courier"/>
+              </a:rPr>
               <a:t> </a:t>
             </a:r>
             <a:r>
-              <a:rPr/>
-              <a:t>two</a:t>
-            </a:r>
-            <a:r>
-              <a:rPr/>
-              <a:t> </a:t>
-            </a:r>
-            <a:r>
-              <a:rPr/>
-              <a:t>points:</a:t>
-            </a:r>
-          </a:p>
-        </p:txBody>
-      </p:sp>
-      <p:sp>
-        <p:nvSpPr>
-          <p:cNvPr id="3" name="Content Placeholder 2"/>
-          <p:cNvSpPr>
-            <a:spLocks noGrp="1"/>
-          </p:cNvSpPr>
-          <p:nvPr>
-            <p:ph idx="1"/>
-          </p:nvPr>
-        </p:nvSpPr>
-        <p:spPr/>
-        <p:txBody>
-          <a:bodyPr/>
-          <a:lstStyle/>
+              <a:rPr>
+                <a:solidFill>
+                  <a:srgbClr val="06287E"/>
+                </a:solidFill>
+                <a:latin typeface="Courier"/>
+              </a:rPr>
+              <a:t>metric_name</a:t>
+            </a:r>
+            <a:r>
+              <a:rPr b="1">
+                <a:solidFill>
+                  <a:srgbClr val="007020"/>
+                </a:solidFill>
+                <a:latin typeface="Courier"/>
+              </a:rPr>
+              <a:t>:</a:t>
+            </a:r>
+            <a:r>
+              <a:rPr>
+                <a:solidFill>
+                  <a:srgbClr val="7D9029"/>
+                </a:solidFill>
+                <a:latin typeface="Courier"/>
+              </a:rPr>
+              <a:t> query_errors</a:t>
+            </a:r>
+            <a:r>
+              <a:rPr i="1">
+                <a:solidFill>
+                  <a:srgbClr val="60A0B0"/>
+                </a:solidFill>
+                <a:latin typeface="Courier"/>
+              </a:rPr>
+              <a:t> # E from REDS</a:t>
+            </a:r>
+            <a:br/>
+            <a:r>
+              <a:rPr>
+                <a:solidFill>
+                  <a:srgbClr val="7D9029"/>
+                </a:solidFill>
+                <a:latin typeface="Courier"/>
+              </a:rPr>
+              <a:t>            </a:t>
+            </a:r>
+            <a:r>
+              <a:rPr>
+                <a:solidFill>
+                  <a:srgbClr val="06287E"/>
+                </a:solidFill>
+                <a:latin typeface="Courier"/>
+              </a:rPr>
+              <a:t>value_column</a:t>
+            </a:r>
+            <a:r>
+              <a:rPr b="1">
+                <a:solidFill>
+                  <a:srgbClr val="007020"/>
+                </a:solidFill>
+                <a:latin typeface="Courier"/>
+              </a:rPr>
+              <a:t>:</a:t>
+            </a:r>
+            <a:r>
+              <a:rPr>
+                <a:solidFill>
+                  <a:srgbClr val="7D9029"/>
+                </a:solidFill>
+                <a:latin typeface="Courier"/>
+              </a:rPr>
+              <a:t> count_test</a:t>
+            </a:r>
+          </a:p>
           <a:p>
             <a:pPr lvl="1"/>
             <a:r>
               <a:rPr/>
-              <a:t>standards-based context and conventions,</a:t>
-            </a:r>
-          </a:p>
-          <a:p>
-            <a:pPr lvl="1"/>
-            <a:r>
-              <a:rPr/>
-              <a:t>alongside a universal data format.</a:t>
-            </a:r>
-          </a:p>
-          <a:p>
-            <a:pPr lvl="1"/>
-            <a:r>
-              <a:rPr/>
-              <a:t>the telemetry pipeline includes attributes that meet stakeholder needs for observability</a:t>
+              <a:t>the value_column is count_test but other columns will be stored as attributes</a:t>
             </a:r>
           </a:p>
         </p:txBody>

--- a/monolith_instrumenting/slides.pptx
+++ b/monolith_instrumenting/slides.pptx
@@ -3295,7 +3295,7 @@
                 </a:solidFill>
                 <a:latin typeface="Courier"/>
               </a:rPr>
-              <a:t># Now create a counter instrument to make measurements with</a:t>
+              <a:t># Now create a counter</a:t>
             </a:r>
             <a:br/>
             <a:r>
@@ -5077,7 +5077,7 @@
                 </a:solidFill>
                 <a:latin typeface="Courier"/>
               </a:rPr>
-              <a:t># Now create a counter instrument to make measurements with</a:t>
+              <a:t># Now create a counter</a:t>
             </a:r>
             <a:br/>
             <a:r>

--- a/monolith_instrumenting/slides.pptx
+++ b/monolith_instrumenting/slides.pptx
@@ -1,6 +1,6 @@
 
 <file path=ppt/presentation.xml><?xml version="1.0" encoding="utf-8"?>
-<p:presentation xmlns:a="http://schemas.openxmlformats.org/drawingml/2006/main" xmlns:r="http://schemas.openxmlformats.org/officeDocument/2006/relationships" xmlns:p="http://schemas.openxmlformats.org/presentationml/2006/main" saveSubsetFonts="1" autoCompressPictures="0">
+<p:presentation xmlns:a="http://schemas.openxmlformats.org/drawingml/2006/main" xmlns:p="http://schemas.openxmlformats.org/presentationml/2006/main" xmlns:r="http://schemas.openxmlformats.org/officeDocument/2006/relationships" autoCompressPictures="0" saveSubsetFonts="1">
   <p:sldMasterIdLst>
     <p:sldMasterId id="2147483648" r:id="rId1"/>
   </p:sldMasterIdLst>
@@ -29,14 +29,14 @@
     <p:sldId id="277" r:id="rId23"/>
     <p:sldId id="278" r:id="rId24"/>
   </p:sldIdLst>
-  <p:sldSz cx="9144000" cy="6858000" type="screen4x3"/>
+  <p:sldSz cx="9144000" cy="5143500" type="screen16x9"/>
   <p:notesSz cx="6858000" cy="9144000"/>
   <p:defaultTextStyle>
     <a:defPPr>
       <a:defRPr lang="en-US"/>
     </a:defPPr>
-    <a:lvl1pPr marL="0" algn="l" defTabSz="457200" rtl="0" eaLnBrk="1" latinLnBrk="0" hangingPunct="1">
-      <a:defRPr sz="1800" kern="1200">
+    <a:lvl1pPr algn="l" defTabSz="457200" eaLnBrk="1" hangingPunct="1" latinLnBrk="0" marL="0" rtl="0">
+      <a:defRPr kern="1200" sz="1800">
         <a:solidFill>
           <a:schemeClr val="tx1"/>
         </a:solidFill>
@@ -45,8 +45,8 @@
         <a:cs typeface="+mn-cs"/>
       </a:defRPr>
     </a:lvl1pPr>
-    <a:lvl2pPr marL="457200" algn="l" defTabSz="457200" rtl="0" eaLnBrk="1" latinLnBrk="0" hangingPunct="1">
-      <a:defRPr sz="1800" kern="1200">
+    <a:lvl2pPr algn="l" defTabSz="457200" eaLnBrk="1" hangingPunct="1" latinLnBrk="0" marL="457200" rtl="0">
+      <a:defRPr kern="1200" sz="1800">
         <a:solidFill>
           <a:schemeClr val="tx1"/>
         </a:solidFill>
@@ -55,8 +55,8 @@
         <a:cs typeface="+mn-cs"/>
       </a:defRPr>
     </a:lvl2pPr>
-    <a:lvl3pPr marL="914400" algn="l" defTabSz="457200" rtl="0" eaLnBrk="1" latinLnBrk="0" hangingPunct="1">
-      <a:defRPr sz="1800" kern="1200">
+    <a:lvl3pPr algn="l" defTabSz="457200" eaLnBrk="1" hangingPunct="1" latinLnBrk="0" marL="914400" rtl="0">
+      <a:defRPr kern="1200" sz="1800">
         <a:solidFill>
           <a:schemeClr val="tx1"/>
         </a:solidFill>
@@ -65,8 +65,8 @@
         <a:cs typeface="+mn-cs"/>
       </a:defRPr>
     </a:lvl3pPr>
-    <a:lvl4pPr marL="1371600" algn="l" defTabSz="457200" rtl="0" eaLnBrk="1" latinLnBrk="0" hangingPunct="1">
-      <a:defRPr sz="1800" kern="1200">
+    <a:lvl4pPr algn="l" defTabSz="457200" eaLnBrk="1" hangingPunct="1" latinLnBrk="0" marL="1371600" rtl="0">
+      <a:defRPr kern="1200" sz="1800">
         <a:solidFill>
           <a:schemeClr val="tx1"/>
         </a:solidFill>
@@ -75,8 +75,8 @@
         <a:cs typeface="+mn-cs"/>
       </a:defRPr>
     </a:lvl4pPr>
-    <a:lvl5pPr marL="1828800" algn="l" defTabSz="457200" rtl="0" eaLnBrk="1" latinLnBrk="0" hangingPunct="1">
-      <a:defRPr sz="1800" kern="1200">
+    <a:lvl5pPr algn="l" defTabSz="457200" eaLnBrk="1" hangingPunct="1" latinLnBrk="0" marL="1828800" rtl="0">
+      <a:defRPr kern="1200" sz="1800">
         <a:solidFill>
           <a:schemeClr val="tx1"/>
         </a:solidFill>
@@ -85,8 +85,8 @@
         <a:cs typeface="+mn-cs"/>
       </a:defRPr>
     </a:lvl5pPr>
-    <a:lvl6pPr marL="2286000" algn="l" defTabSz="457200" rtl="0" eaLnBrk="1" latinLnBrk="0" hangingPunct="1">
-      <a:defRPr sz="1800" kern="1200">
+    <a:lvl6pPr algn="l" defTabSz="457200" eaLnBrk="1" hangingPunct="1" latinLnBrk="0" marL="2286000" rtl="0">
+      <a:defRPr kern="1200" sz="1800">
         <a:solidFill>
           <a:schemeClr val="tx1"/>
         </a:solidFill>
@@ -95,8 +95,8 @@
         <a:cs typeface="+mn-cs"/>
       </a:defRPr>
     </a:lvl6pPr>
-    <a:lvl7pPr marL="2743200" algn="l" defTabSz="457200" rtl="0" eaLnBrk="1" latinLnBrk="0" hangingPunct="1">
-      <a:defRPr sz="1800" kern="1200">
+    <a:lvl7pPr algn="l" defTabSz="457200" eaLnBrk="1" hangingPunct="1" latinLnBrk="0" marL="2743200" rtl="0">
+      <a:defRPr kern="1200" sz="1800">
         <a:solidFill>
           <a:schemeClr val="tx1"/>
         </a:solidFill>
@@ -105,8 +105,8 @@
         <a:cs typeface="+mn-cs"/>
       </a:defRPr>
     </a:lvl7pPr>
-    <a:lvl8pPr marL="3200400" algn="l" defTabSz="457200" rtl="0" eaLnBrk="1" latinLnBrk="0" hangingPunct="1">
-      <a:defRPr sz="1800" kern="1200">
+    <a:lvl8pPr algn="l" defTabSz="457200" eaLnBrk="1" hangingPunct="1" latinLnBrk="0" marL="3200400" rtl="0">
+      <a:defRPr kern="1200" sz="1800">
         <a:solidFill>
           <a:schemeClr val="tx1"/>
         </a:solidFill>
@@ -115,8 +115,8 @@
         <a:cs typeface="+mn-cs"/>
       </a:defRPr>
     </a:lvl8pPr>
-    <a:lvl9pPr marL="3657600" algn="l" defTabSz="457200" rtl="0" eaLnBrk="1" latinLnBrk="0" hangingPunct="1">
-      <a:defRPr sz="1800" kern="1200">
+    <a:lvl9pPr algn="l" defTabSz="457200" eaLnBrk="1" hangingPunct="1" latinLnBrk="0" marL="3657600" rtl="0">
+      <a:defRPr kern="1200" sz="1800">
         <a:solidFill>
           <a:schemeClr val="tx1"/>
         </a:solidFill>
@@ -129,12 +129,12 @@
   <p:extLst>
     <p:ext uri="{EFAFB233-063F-42B5-8137-9DF3F51BA10A}">
       <p15:sldGuideLst xmlns:p15="http://schemas.microsoft.com/office/powerpoint/2012/main">
-        <p15:guide id="1" orient="horz" pos="2160">
+        <p15:guide id="1" orient="horz" pos="1620" userDrawn="1">
           <p15:clr>
             <a:srgbClr val="A4A3A4"/>
           </p15:clr>
         </p15:guide>
-        <p15:guide id="2" pos="2880">
+        <p15:guide id="2" pos="2880" userDrawn="1">
           <p15:clr>
             <a:srgbClr val="A4A3A4"/>
           </p15:clr>
@@ -174,8 +174,8 @@
         </p:nvSpPr>
         <p:spPr>
           <a:xfrm>
-            <a:off x="685800" y="2130425"/>
-            <a:ext cx="7772400" cy="1470025"/>
+            <a:off x="685800" y="1597819"/>
+            <a:ext cx="7772400" cy="1102519"/>
           </a:xfrm>
         </p:spPr>
         <p:txBody>
@@ -183,10 +183,9 @@
           <a:lstStyle/>
           <a:p>
             <a:r>
-              <a:rPr lang="en-US" smtClean="0"/>
+              <a:rPr lang="en-US"/>
               <a:t>Click to edit Master title style</a:t>
             </a:r>
-            <a:endParaRPr lang="en-US"/>
           </a:p>
         </p:txBody>
       </p:sp>
@@ -202,8 +201,8 @@
         </p:nvSpPr>
         <p:spPr>
           <a:xfrm>
-            <a:off x="1371600" y="3886200"/>
-            <a:ext cx="6400800" cy="1752600"/>
+            <a:off x="1371600" y="2914650"/>
+            <a:ext cx="6400800" cy="1314450"/>
           </a:xfrm>
         </p:spPr>
         <p:txBody>
@@ -219,7 +218,7 @@
                 </a:solidFill>
               </a:defRPr>
             </a:lvl1pPr>
-            <a:lvl2pPr marL="457200" indent="0" algn="ctr">
+            <a:lvl2pPr marL="342900" indent="0" algn="ctr">
               <a:buNone/>
               <a:defRPr>
                 <a:solidFill>
@@ -229,7 +228,7 @@
                 </a:solidFill>
               </a:defRPr>
             </a:lvl2pPr>
-            <a:lvl3pPr marL="914400" indent="0" algn="ctr">
+            <a:lvl3pPr marL="685800" indent="0" algn="ctr">
               <a:buNone/>
               <a:defRPr>
                 <a:solidFill>
@@ -239,7 +238,7 @@
                 </a:solidFill>
               </a:defRPr>
             </a:lvl3pPr>
-            <a:lvl4pPr marL="1371600" indent="0" algn="ctr">
+            <a:lvl4pPr marL="1028700" indent="0" algn="ctr">
               <a:buNone/>
               <a:defRPr>
                 <a:solidFill>
@@ -249,7 +248,7 @@
                 </a:solidFill>
               </a:defRPr>
             </a:lvl4pPr>
-            <a:lvl5pPr marL="1828800" indent="0" algn="ctr">
+            <a:lvl5pPr marL="1371600" indent="0" algn="ctr">
               <a:buNone/>
               <a:defRPr>
                 <a:solidFill>
@@ -259,7 +258,7 @@
                 </a:solidFill>
               </a:defRPr>
             </a:lvl5pPr>
-            <a:lvl6pPr marL="2286000" indent="0" algn="ctr">
+            <a:lvl6pPr marL="1714500" indent="0" algn="ctr">
               <a:buNone/>
               <a:defRPr>
                 <a:solidFill>
@@ -269,7 +268,7 @@
                 </a:solidFill>
               </a:defRPr>
             </a:lvl6pPr>
-            <a:lvl7pPr marL="2743200" indent="0" algn="ctr">
+            <a:lvl7pPr marL="2057400" indent="0" algn="ctr">
               <a:buNone/>
               <a:defRPr>
                 <a:solidFill>
@@ -279,7 +278,7 @@
                 </a:solidFill>
               </a:defRPr>
             </a:lvl7pPr>
-            <a:lvl8pPr marL="3200400" indent="0" algn="ctr">
+            <a:lvl8pPr marL="2400300" indent="0" algn="ctr">
               <a:buNone/>
               <a:defRPr>
                 <a:solidFill>
@@ -289,7 +288,7 @@
                 </a:solidFill>
               </a:defRPr>
             </a:lvl8pPr>
-            <a:lvl9pPr marL="3657600" indent="0" algn="ctr">
+            <a:lvl9pPr marL="2743200" indent="0" algn="ctr">
               <a:buNone/>
               <a:defRPr>
                 <a:solidFill>
@@ -302,10 +301,9 @@
           </a:lstStyle>
           <a:p>
             <a:r>
-              <a:rPr lang="en-US" smtClean="0"/>
+              <a:rPr lang="en-US"/>
               <a:t>Click to edit Master subtitle style</a:t>
             </a:r>
-            <a:endParaRPr lang="en-US"/>
           </a:p>
         </p:txBody>
       </p:sp>
@@ -326,7 +324,7 @@
           <a:p>
             <a:fld id="{241EB5C9-1307-BA42-ABA2-0BC069CD8E7F}" type="datetimeFigureOut">
               <a:rPr lang="en-US" smtClean="0"/>
-              <a:t>4/5/2019</a:t>
+              <a:t>1/2/22</a:t>
             </a:fld>
             <a:endParaRPr lang="en-US"/>
           </a:p>
@@ -420,10 +418,9 @@
           <a:lstStyle/>
           <a:p>
             <a:r>
-              <a:rPr lang="en-US" smtClean="0"/>
+              <a:rPr lang="en-US"/>
               <a:t>Click to edit Master title style</a:t>
             </a:r>
-            <a:endParaRPr lang="en-US"/>
           </a:p>
         </p:txBody>
       </p:sp>
@@ -444,38 +441,37 @@
           <a:p>
             <a:pPr lvl="0"/>
             <a:r>
-              <a:rPr lang="en-US" smtClean="0"/>
+              <a:rPr lang="en-US"/>
               <a:t>Click to edit Master text styles</a:t>
             </a:r>
           </a:p>
           <a:p>
             <a:pPr lvl="1"/>
             <a:r>
-              <a:rPr lang="en-US" smtClean="0"/>
+              <a:rPr lang="en-US"/>
               <a:t>Second level</a:t>
             </a:r>
           </a:p>
           <a:p>
             <a:pPr lvl="2"/>
             <a:r>
-              <a:rPr lang="en-US" smtClean="0"/>
+              <a:rPr lang="en-US"/>
               <a:t>Third level</a:t>
             </a:r>
           </a:p>
           <a:p>
             <a:pPr lvl="3"/>
             <a:r>
-              <a:rPr lang="en-US" smtClean="0"/>
+              <a:rPr lang="en-US"/>
               <a:t>Fourth level</a:t>
             </a:r>
           </a:p>
           <a:p>
             <a:pPr lvl="4"/>
             <a:r>
-              <a:rPr lang="en-US" smtClean="0"/>
+              <a:rPr lang="en-US"/>
               <a:t>Fifth level</a:t>
             </a:r>
-            <a:endParaRPr lang="en-US"/>
           </a:p>
         </p:txBody>
       </p:sp>
@@ -496,7 +492,7 @@
           <a:p>
             <a:fld id="{241EB5C9-1307-BA42-ABA2-0BC069CD8E7F}" type="datetimeFigureOut">
               <a:rPr lang="en-US" smtClean="0"/>
-              <a:t>4/5/2019</a:t>
+              <a:t>1/2/22</a:t>
             </a:fld>
             <a:endParaRPr lang="en-US"/>
           </a:p>
@@ -586,8 +582,8 @@
         </p:nvSpPr>
         <p:spPr>
           <a:xfrm>
-            <a:off x="6629400" y="274638"/>
-            <a:ext cx="2057400" cy="5851525"/>
+            <a:off x="6629400" y="205979"/>
+            <a:ext cx="2057400" cy="4388644"/>
           </a:xfrm>
         </p:spPr>
         <p:txBody>
@@ -595,10 +591,9 @@
           <a:lstStyle/>
           <a:p>
             <a:r>
-              <a:rPr lang="en-US" smtClean="0"/>
+              <a:rPr lang="en-US"/>
               <a:t>Click to edit Master title style</a:t>
             </a:r>
-            <a:endParaRPr lang="en-US"/>
           </a:p>
         </p:txBody>
       </p:sp>
@@ -614,8 +609,8 @@
         </p:nvSpPr>
         <p:spPr>
           <a:xfrm>
-            <a:off x="457200" y="274638"/>
-            <a:ext cx="6019800" cy="5851525"/>
+            <a:off x="457200" y="205979"/>
+            <a:ext cx="6019800" cy="4388644"/>
           </a:xfrm>
         </p:spPr>
         <p:txBody>
@@ -624,38 +619,37 @@
           <a:p>
             <a:pPr lvl="0"/>
             <a:r>
-              <a:rPr lang="en-US" smtClean="0"/>
+              <a:rPr lang="en-US"/>
               <a:t>Click to edit Master text styles</a:t>
             </a:r>
           </a:p>
           <a:p>
             <a:pPr lvl="1"/>
             <a:r>
-              <a:rPr lang="en-US" smtClean="0"/>
+              <a:rPr lang="en-US"/>
               <a:t>Second level</a:t>
             </a:r>
           </a:p>
           <a:p>
             <a:pPr lvl="2"/>
             <a:r>
-              <a:rPr lang="en-US" smtClean="0"/>
+              <a:rPr lang="en-US"/>
               <a:t>Third level</a:t>
             </a:r>
           </a:p>
           <a:p>
             <a:pPr lvl="3"/>
             <a:r>
-              <a:rPr lang="en-US" smtClean="0"/>
+              <a:rPr lang="en-US"/>
               <a:t>Fourth level</a:t>
             </a:r>
           </a:p>
           <a:p>
             <a:pPr lvl="4"/>
             <a:r>
-              <a:rPr lang="en-US" smtClean="0"/>
+              <a:rPr lang="en-US"/>
               <a:t>Fifth level</a:t>
             </a:r>
-            <a:endParaRPr lang="en-US"/>
           </a:p>
         </p:txBody>
       </p:sp>
@@ -676,7 +670,7 @@
           <a:p>
             <a:fld id="{241EB5C9-1307-BA42-ABA2-0BC069CD8E7F}" type="datetimeFigureOut">
               <a:rPr lang="en-US" smtClean="0"/>
-              <a:t>4/5/2019</a:t>
+              <a:t>1/2/22</a:t>
             </a:fld>
             <a:endParaRPr lang="en-US"/>
           </a:p>
@@ -770,10 +764,9 @@
           <a:lstStyle/>
           <a:p>
             <a:r>
-              <a:rPr lang="en-US" smtClean="0"/>
+              <a:rPr lang="en-US"/>
               <a:t>Click to edit Master title style</a:t>
             </a:r>
-            <a:endParaRPr lang="en-US"/>
           </a:p>
         </p:txBody>
       </p:sp>
@@ -794,38 +787,37 @@
           <a:p>
             <a:pPr lvl="0"/>
             <a:r>
-              <a:rPr lang="en-US" smtClean="0"/>
+              <a:rPr lang="en-US"/>
               <a:t>Click to edit Master text styles</a:t>
             </a:r>
           </a:p>
           <a:p>
             <a:pPr lvl="1"/>
             <a:r>
-              <a:rPr lang="en-US" smtClean="0"/>
+              <a:rPr lang="en-US"/>
               <a:t>Second level</a:t>
             </a:r>
           </a:p>
           <a:p>
             <a:pPr lvl="2"/>
             <a:r>
-              <a:rPr lang="en-US" smtClean="0"/>
+              <a:rPr lang="en-US"/>
               <a:t>Third level</a:t>
             </a:r>
           </a:p>
           <a:p>
             <a:pPr lvl="3"/>
             <a:r>
-              <a:rPr lang="en-US" smtClean="0"/>
+              <a:rPr lang="en-US"/>
               <a:t>Fourth level</a:t>
             </a:r>
           </a:p>
           <a:p>
             <a:pPr lvl="4"/>
             <a:r>
-              <a:rPr lang="en-US" smtClean="0"/>
+              <a:rPr lang="en-US"/>
               <a:t>Fifth level</a:t>
             </a:r>
-            <a:endParaRPr lang="en-US"/>
           </a:p>
         </p:txBody>
       </p:sp>
@@ -846,7 +838,7 @@
           <a:p>
             <a:fld id="{241EB5C9-1307-BA42-ABA2-0BC069CD8E7F}" type="datetimeFigureOut">
               <a:rPr lang="en-US" smtClean="0"/>
-              <a:t>4/5/2019</a:t>
+              <a:t>1/2/22</a:t>
             </a:fld>
             <a:endParaRPr lang="en-US"/>
           </a:p>
@@ -936,23 +928,22 @@
         </p:nvSpPr>
         <p:spPr>
           <a:xfrm>
-            <a:off x="722313" y="4406900"/>
-            <a:ext cx="7772400" cy="1362075"/>
+            <a:off x="722313" y="3305176"/>
+            <a:ext cx="7772400" cy="1021556"/>
           </a:xfrm>
         </p:spPr>
         <p:txBody>
           <a:bodyPr anchor="t"/>
           <a:lstStyle>
             <a:lvl1pPr algn="l">
-              <a:defRPr sz="4000" b="1" cap="all"/>
+              <a:defRPr sz="3000" b="1" cap="all"/>
             </a:lvl1pPr>
           </a:lstStyle>
           <a:p>
             <a:r>
-              <a:rPr lang="en-US" smtClean="0"/>
+              <a:rPr lang="en-US"/>
               <a:t>Click to edit Master title style</a:t>
             </a:r>
-            <a:endParaRPr lang="en-US"/>
           </a:p>
         </p:txBody>
       </p:sp>
@@ -968,8 +959,8 @@
         </p:nvSpPr>
         <p:spPr>
           <a:xfrm>
-            <a:off x="722313" y="2906713"/>
-            <a:ext cx="7772400" cy="1500187"/>
+            <a:off x="722313" y="2180035"/>
+            <a:ext cx="7772400" cy="1125140"/>
           </a:xfrm>
         </p:spPr>
         <p:txBody>
@@ -977,7 +968,7 @@
           <a:lstStyle>
             <a:lvl1pPr marL="0" indent="0">
               <a:buNone/>
-              <a:defRPr sz="2000">
+              <a:defRPr sz="1500">
                 <a:solidFill>
                   <a:schemeClr val="tx1">
                     <a:tint val="75000"/>
@@ -985,9 +976,9 @@
                 </a:solidFill>
               </a:defRPr>
             </a:lvl1pPr>
-            <a:lvl2pPr marL="457200" indent="0">
-              <a:buNone/>
-              <a:defRPr sz="1800">
+            <a:lvl2pPr marL="342900" indent="0">
+              <a:buNone/>
+              <a:defRPr sz="1350">
                 <a:solidFill>
                   <a:schemeClr val="tx1">
                     <a:tint val="75000"/>
@@ -995,9 +986,9 @@
                 </a:solidFill>
               </a:defRPr>
             </a:lvl2pPr>
-            <a:lvl3pPr marL="914400" indent="0">
-              <a:buNone/>
-              <a:defRPr sz="1600">
+            <a:lvl3pPr marL="685800" indent="0">
+              <a:buNone/>
+              <a:defRPr sz="1200">
                 <a:solidFill>
                   <a:schemeClr val="tx1">
                     <a:tint val="75000"/>
@@ -1005,9 +996,9 @@
                 </a:solidFill>
               </a:defRPr>
             </a:lvl3pPr>
-            <a:lvl4pPr marL="1371600" indent="0">
-              <a:buNone/>
-              <a:defRPr sz="1400">
+            <a:lvl4pPr marL="1028700" indent="0">
+              <a:buNone/>
+              <a:defRPr sz="1050">
                 <a:solidFill>
                   <a:schemeClr val="tx1">
                     <a:tint val="75000"/>
@@ -1015,9 +1006,9 @@
                 </a:solidFill>
               </a:defRPr>
             </a:lvl4pPr>
-            <a:lvl5pPr marL="1828800" indent="0">
-              <a:buNone/>
-              <a:defRPr sz="1400">
+            <a:lvl5pPr marL="1371600" indent="0">
+              <a:buNone/>
+              <a:defRPr sz="1050">
                 <a:solidFill>
                   <a:schemeClr val="tx1">
                     <a:tint val="75000"/>
@@ -1025,9 +1016,9 @@
                 </a:solidFill>
               </a:defRPr>
             </a:lvl5pPr>
-            <a:lvl6pPr marL="2286000" indent="0">
-              <a:buNone/>
-              <a:defRPr sz="1400">
+            <a:lvl6pPr marL="1714500" indent="0">
+              <a:buNone/>
+              <a:defRPr sz="1050">
                 <a:solidFill>
                   <a:schemeClr val="tx1">
                     <a:tint val="75000"/>
@@ -1035,9 +1026,9 @@
                 </a:solidFill>
               </a:defRPr>
             </a:lvl6pPr>
-            <a:lvl7pPr marL="2743200" indent="0">
-              <a:buNone/>
-              <a:defRPr sz="1400">
+            <a:lvl7pPr marL="2057400" indent="0">
+              <a:buNone/>
+              <a:defRPr sz="1050">
                 <a:solidFill>
                   <a:schemeClr val="tx1">
                     <a:tint val="75000"/>
@@ -1045,9 +1036,9 @@
                 </a:solidFill>
               </a:defRPr>
             </a:lvl7pPr>
-            <a:lvl8pPr marL="3200400" indent="0">
-              <a:buNone/>
-              <a:defRPr sz="1400">
+            <a:lvl8pPr marL="2400300" indent="0">
+              <a:buNone/>
+              <a:defRPr sz="1050">
                 <a:solidFill>
                   <a:schemeClr val="tx1">
                     <a:tint val="75000"/>
@@ -1055,9 +1046,9 @@
                 </a:solidFill>
               </a:defRPr>
             </a:lvl8pPr>
-            <a:lvl9pPr marL="3657600" indent="0">
-              <a:buNone/>
-              <a:defRPr sz="1400">
+            <a:lvl9pPr marL="2743200" indent="0">
+              <a:buNone/>
+              <a:defRPr sz="1050">
                 <a:solidFill>
                   <a:schemeClr val="tx1">
                     <a:tint val="75000"/>
@@ -1069,7 +1060,7 @@
           <a:p>
             <a:pPr lvl="0"/>
             <a:r>
-              <a:rPr lang="en-US" smtClean="0"/>
+              <a:rPr lang="en-US"/>
               <a:t>Click to edit Master text styles</a:t>
             </a:r>
           </a:p>
@@ -1092,7 +1083,7 @@
           <a:p>
             <a:fld id="{241EB5C9-1307-BA42-ABA2-0BC069CD8E7F}" type="datetimeFigureOut">
               <a:rPr lang="en-US" smtClean="0"/>
-              <a:t>4/5/2019</a:t>
+              <a:t>1/2/22</a:t>
             </a:fld>
             <a:endParaRPr lang="en-US"/>
           </a:p>
@@ -1186,10 +1177,9 @@
           <a:lstStyle/>
           <a:p>
             <a:r>
-              <a:rPr lang="en-US" smtClean="0"/>
+              <a:rPr lang="en-US"/>
               <a:t>Click to edit Master title style</a:t>
             </a:r>
-            <a:endParaRPr lang="en-US"/>
           </a:p>
         </p:txBody>
       </p:sp>
@@ -1205,76 +1195,75 @@
         </p:nvSpPr>
         <p:spPr>
           <a:xfrm>
-            <a:off x="457200" y="1600200"/>
-            <a:ext cx="4038600" cy="4525963"/>
+            <a:off x="457200" y="1200151"/>
+            <a:ext cx="4038600" cy="3394472"/>
           </a:xfrm>
         </p:spPr>
         <p:txBody>
           <a:bodyPr/>
           <a:lstStyle>
             <a:lvl1pPr>
-              <a:defRPr sz="2800"/>
+              <a:defRPr sz="2100"/>
             </a:lvl1pPr>
             <a:lvl2pPr>
-              <a:defRPr sz="2400"/>
+              <a:defRPr sz="1800"/>
             </a:lvl2pPr>
             <a:lvl3pPr>
-              <a:defRPr sz="2000"/>
+              <a:defRPr sz="1500"/>
             </a:lvl3pPr>
             <a:lvl4pPr>
-              <a:defRPr sz="1800"/>
+              <a:defRPr sz="1350"/>
             </a:lvl4pPr>
             <a:lvl5pPr>
-              <a:defRPr sz="1800"/>
+              <a:defRPr sz="1350"/>
             </a:lvl5pPr>
             <a:lvl6pPr>
-              <a:defRPr sz="1800"/>
+              <a:defRPr sz="1350"/>
             </a:lvl6pPr>
             <a:lvl7pPr>
-              <a:defRPr sz="1800"/>
+              <a:defRPr sz="1350"/>
             </a:lvl7pPr>
             <a:lvl8pPr>
-              <a:defRPr sz="1800"/>
+              <a:defRPr sz="1350"/>
             </a:lvl8pPr>
             <a:lvl9pPr>
-              <a:defRPr sz="1800"/>
+              <a:defRPr sz="1350"/>
             </a:lvl9pPr>
           </a:lstStyle>
           <a:p>
             <a:pPr lvl="0"/>
             <a:r>
-              <a:rPr lang="en-US" smtClean="0"/>
+              <a:rPr lang="en-US"/>
               <a:t>Click to edit Master text styles</a:t>
             </a:r>
           </a:p>
           <a:p>
             <a:pPr lvl="1"/>
             <a:r>
-              <a:rPr lang="en-US" smtClean="0"/>
+              <a:rPr lang="en-US"/>
               <a:t>Second level</a:t>
             </a:r>
           </a:p>
           <a:p>
             <a:pPr lvl="2"/>
             <a:r>
-              <a:rPr lang="en-US" smtClean="0"/>
+              <a:rPr lang="en-US"/>
               <a:t>Third level</a:t>
             </a:r>
           </a:p>
           <a:p>
             <a:pPr lvl="3"/>
             <a:r>
-              <a:rPr lang="en-US" smtClean="0"/>
+              <a:rPr lang="en-US"/>
               <a:t>Fourth level</a:t>
             </a:r>
           </a:p>
           <a:p>
             <a:pPr lvl="4"/>
             <a:r>
-              <a:rPr lang="en-US" smtClean="0"/>
+              <a:rPr lang="en-US"/>
               <a:t>Fifth level</a:t>
             </a:r>
-            <a:endParaRPr lang="en-US"/>
           </a:p>
         </p:txBody>
       </p:sp>
@@ -1290,76 +1279,75 @@
         </p:nvSpPr>
         <p:spPr>
           <a:xfrm>
-            <a:off x="4648200" y="1600200"/>
-            <a:ext cx="4038600" cy="4525963"/>
+            <a:off x="4648200" y="1200151"/>
+            <a:ext cx="4038600" cy="3394472"/>
           </a:xfrm>
         </p:spPr>
         <p:txBody>
           <a:bodyPr/>
           <a:lstStyle>
             <a:lvl1pPr>
-              <a:defRPr sz="2800"/>
+              <a:defRPr sz="2100"/>
             </a:lvl1pPr>
             <a:lvl2pPr>
-              <a:defRPr sz="2400"/>
+              <a:defRPr sz="1800"/>
             </a:lvl2pPr>
             <a:lvl3pPr>
-              <a:defRPr sz="2000"/>
+              <a:defRPr sz="1500"/>
             </a:lvl3pPr>
             <a:lvl4pPr>
-              <a:defRPr sz="1800"/>
+              <a:defRPr sz="1350"/>
             </a:lvl4pPr>
             <a:lvl5pPr>
-              <a:defRPr sz="1800"/>
+              <a:defRPr sz="1350"/>
             </a:lvl5pPr>
             <a:lvl6pPr>
-              <a:defRPr sz="1800"/>
+              <a:defRPr sz="1350"/>
             </a:lvl6pPr>
             <a:lvl7pPr>
-              <a:defRPr sz="1800"/>
+              <a:defRPr sz="1350"/>
             </a:lvl7pPr>
             <a:lvl8pPr>
-              <a:defRPr sz="1800"/>
+              <a:defRPr sz="1350"/>
             </a:lvl8pPr>
             <a:lvl9pPr>
-              <a:defRPr sz="1800"/>
+              <a:defRPr sz="1350"/>
             </a:lvl9pPr>
           </a:lstStyle>
           <a:p>
             <a:pPr lvl="0"/>
             <a:r>
-              <a:rPr lang="en-US" smtClean="0"/>
+              <a:rPr lang="en-US"/>
               <a:t>Click to edit Master text styles</a:t>
             </a:r>
           </a:p>
           <a:p>
             <a:pPr lvl="1"/>
             <a:r>
-              <a:rPr lang="en-US" smtClean="0"/>
+              <a:rPr lang="en-US"/>
               <a:t>Second level</a:t>
             </a:r>
           </a:p>
           <a:p>
             <a:pPr lvl="2"/>
             <a:r>
-              <a:rPr lang="en-US" smtClean="0"/>
+              <a:rPr lang="en-US"/>
               <a:t>Third level</a:t>
             </a:r>
           </a:p>
           <a:p>
             <a:pPr lvl="3"/>
             <a:r>
-              <a:rPr lang="en-US" smtClean="0"/>
+              <a:rPr lang="en-US"/>
               <a:t>Fourth level</a:t>
             </a:r>
           </a:p>
           <a:p>
             <a:pPr lvl="4"/>
             <a:r>
-              <a:rPr lang="en-US" smtClean="0"/>
+              <a:rPr lang="en-US"/>
               <a:t>Fifth level</a:t>
             </a:r>
-            <a:endParaRPr lang="en-US"/>
           </a:p>
         </p:txBody>
       </p:sp>
@@ -1380,7 +1368,7 @@
           <a:p>
             <a:fld id="{241EB5C9-1307-BA42-ABA2-0BC069CD8E7F}" type="datetimeFigureOut">
               <a:rPr lang="en-US" smtClean="0"/>
-              <a:t>4/5/2019</a:t>
+              <a:t>1/2/22</a:t>
             </a:fld>
             <a:endParaRPr lang="en-US"/>
           </a:p>
@@ -1478,10 +1466,9 @@
           </a:lstStyle>
           <a:p>
             <a:r>
-              <a:rPr lang="en-US" smtClean="0"/>
+              <a:rPr lang="en-US"/>
               <a:t>Click to edit Master title style</a:t>
             </a:r>
-            <a:endParaRPr lang="en-US"/>
           </a:p>
         </p:txBody>
       </p:sp>
@@ -1497,8 +1484,8 @@
         </p:nvSpPr>
         <p:spPr>
           <a:xfrm>
-            <a:off x="457200" y="1535113"/>
-            <a:ext cx="4040188" cy="639762"/>
+            <a:off x="457200" y="1151335"/>
+            <a:ext cx="4040188" cy="479822"/>
           </a:xfrm>
         </p:spPr>
         <p:txBody>
@@ -1506,45 +1493,45 @@
           <a:lstStyle>
             <a:lvl1pPr marL="0" indent="0">
               <a:buNone/>
-              <a:defRPr sz="2400" b="1"/>
+              <a:defRPr sz="1800" b="1"/>
             </a:lvl1pPr>
-            <a:lvl2pPr marL="457200" indent="0">
-              <a:buNone/>
-              <a:defRPr sz="2000" b="1"/>
+            <a:lvl2pPr marL="342900" indent="0">
+              <a:buNone/>
+              <a:defRPr sz="1500" b="1"/>
             </a:lvl2pPr>
-            <a:lvl3pPr marL="914400" indent="0">
-              <a:buNone/>
-              <a:defRPr sz="1800" b="1"/>
+            <a:lvl3pPr marL="685800" indent="0">
+              <a:buNone/>
+              <a:defRPr sz="1350" b="1"/>
             </a:lvl3pPr>
-            <a:lvl4pPr marL="1371600" indent="0">
-              <a:buNone/>
-              <a:defRPr sz="1600" b="1"/>
+            <a:lvl4pPr marL="1028700" indent="0">
+              <a:buNone/>
+              <a:defRPr sz="1200" b="1"/>
             </a:lvl4pPr>
-            <a:lvl5pPr marL="1828800" indent="0">
-              <a:buNone/>
-              <a:defRPr sz="1600" b="1"/>
+            <a:lvl5pPr marL="1371600" indent="0">
+              <a:buNone/>
+              <a:defRPr sz="1200" b="1"/>
             </a:lvl5pPr>
-            <a:lvl6pPr marL="2286000" indent="0">
-              <a:buNone/>
-              <a:defRPr sz="1600" b="1"/>
+            <a:lvl6pPr marL="1714500" indent="0">
+              <a:buNone/>
+              <a:defRPr sz="1200" b="1"/>
             </a:lvl6pPr>
-            <a:lvl7pPr marL="2743200" indent="0">
-              <a:buNone/>
-              <a:defRPr sz="1600" b="1"/>
+            <a:lvl7pPr marL="2057400" indent="0">
+              <a:buNone/>
+              <a:defRPr sz="1200" b="1"/>
             </a:lvl7pPr>
-            <a:lvl8pPr marL="3200400" indent="0">
-              <a:buNone/>
-              <a:defRPr sz="1600" b="1"/>
+            <a:lvl8pPr marL="2400300" indent="0">
+              <a:buNone/>
+              <a:defRPr sz="1200" b="1"/>
             </a:lvl8pPr>
-            <a:lvl9pPr marL="3657600" indent="0">
-              <a:buNone/>
-              <a:defRPr sz="1600" b="1"/>
+            <a:lvl9pPr marL="2743200" indent="0">
+              <a:buNone/>
+              <a:defRPr sz="1200" b="1"/>
             </a:lvl9pPr>
           </a:lstStyle>
           <a:p>
             <a:pPr lvl="0"/>
             <a:r>
-              <a:rPr lang="en-US" smtClean="0"/>
+              <a:rPr lang="en-US"/>
               <a:t>Click to edit Master text styles</a:t>
             </a:r>
           </a:p>
@@ -1562,76 +1549,75 @@
         </p:nvSpPr>
         <p:spPr>
           <a:xfrm>
-            <a:off x="457200" y="2174875"/>
-            <a:ext cx="4040188" cy="3951288"/>
+            <a:off x="457200" y="1631156"/>
+            <a:ext cx="4040188" cy="2963466"/>
           </a:xfrm>
         </p:spPr>
         <p:txBody>
           <a:bodyPr/>
           <a:lstStyle>
             <a:lvl1pPr>
-              <a:defRPr sz="2400"/>
+              <a:defRPr sz="1800"/>
             </a:lvl1pPr>
             <a:lvl2pPr>
-              <a:defRPr sz="2000"/>
+              <a:defRPr sz="1500"/>
             </a:lvl2pPr>
             <a:lvl3pPr>
-              <a:defRPr sz="1800"/>
+              <a:defRPr sz="1350"/>
             </a:lvl3pPr>
             <a:lvl4pPr>
-              <a:defRPr sz="1600"/>
+              <a:defRPr sz="1200"/>
             </a:lvl4pPr>
             <a:lvl5pPr>
-              <a:defRPr sz="1600"/>
+              <a:defRPr sz="1200"/>
             </a:lvl5pPr>
             <a:lvl6pPr>
-              <a:defRPr sz="1600"/>
+              <a:defRPr sz="1200"/>
             </a:lvl6pPr>
             <a:lvl7pPr>
-              <a:defRPr sz="1600"/>
+              <a:defRPr sz="1200"/>
             </a:lvl7pPr>
             <a:lvl8pPr>
-              <a:defRPr sz="1600"/>
+              <a:defRPr sz="1200"/>
             </a:lvl8pPr>
             <a:lvl9pPr>
-              <a:defRPr sz="1600"/>
+              <a:defRPr sz="1200"/>
             </a:lvl9pPr>
           </a:lstStyle>
           <a:p>
             <a:pPr lvl="0"/>
             <a:r>
-              <a:rPr lang="en-US" smtClean="0"/>
+              <a:rPr lang="en-US"/>
               <a:t>Click to edit Master text styles</a:t>
             </a:r>
           </a:p>
           <a:p>
             <a:pPr lvl="1"/>
             <a:r>
-              <a:rPr lang="en-US" smtClean="0"/>
+              <a:rPr lang="en-US"/>
               <a:t>Second level</a:t>
             </a:r>
           </a:p>
           <a:p>
             <a:pPr lvl="2"/>
             <a:r>
-              <a:rPr lang="en-US" smtClean="0"/>
+              <a:rPr lang="en-US"/>
               <a:t>Third level</a:t>
             </a:r>
           </a:p>
           <a:p>
             <a:pPr lvl="3"/>
             <a:r>
-              <a:rPr lang="en-US" smtClean="0"/>
+              <a:rPr lang="en-US"/>
               <a:t>Fourth level</a:t>
             </a:r>
           </a:p>
           <a:p>
             <a:pPr lvl="4"/>
             <a:r>
-              <a:rPr lang="en-US" smtClean="0"/>
+              <a:rPr lang="en-US"/>
               <a:t>Fifth level</a:t>
             </a:r>
-            <a:endParaRPr lang="en-US"/>
           </a:p>
         </p:txBody>
       </p:sp>
@@ -1647,8 +1633,8 @@
         </p:nvSpPr>
         <p:spPr>
           <a:xfrm>
-            <a:off x="4645025" y="1535113"/>
-            <a:ext cx="4041775" cy="639762"/>
+            <a:off x="4645026" y="1151335"/>
+            <a:ext cx="4041775" cy="479822"/>
           </a:xfrm>
         </p:spPr>
         <p:txBody>
@@ -1656,45 +1642,45 @@
           <a:lstStyle>
             <a:lvl1pPr marL="0" indent="0">
               <a:buNone/>
-              <a:defRPr sz="2400" b="1"/>
+              <a:defRPr sz="1800" b="1"/>
             </a:lvl1pPr>
-            <a:lvl2pPr marL="457200" indent="0">
-              <a:buNone/>
-              <a:defRPr sz="2000" b="1"/>
+            <a:lvl2pPr marL="342900" indent="0">
+              <a:buNone/>
+              <a:defRPr sz="1500" b="1"/>
             </a:lvl2pPr>
-            <a:lvl3pPr marL="914400" indent="0">
-              <a:buNone/>
-              <a:defRPr sz="1800" b="1"/>
+            <a:lvl3pPr marL="685800" indent="0">
+              <a:buNone/>
+              <a:defRPr sz="1350" b="1"/>
             </a:lvl3pPr>
-            <a:lvl4pPr marL="1371600" indent="0">
-              <a:buNone/>
-              <a:defRPr sz="1600" b="1"/>
+            <a:lvl4pPr marL="1028700" indent="0">
+              <a:buNone/>
+              <a:defRPr sz="1200" b="1"/>
             </a:lvl4pPr>
-            <a:lvl5pPr marL="1828800" indent="0">
-              <a:buNone/>
-              <a:defRPr sz="1600" b="1"/>
+            <a:lvl5pPr marL="1371600" indent="0">
+              <a:buNone/>
+              <a:defRPr sz="1200" b="1"/>
             </a:lvl5pPr>
-            <a:lvl6pPr marL="2286000" indent="0">
-              <a:buNone/>
-              <a:defRPr sz="1600" b="1"/>
+            <a:lvl6pPr marL="1714500" indent="0">
+              <a:buNone/>
+              <a:defRPr sz="1200" b="1"/>
             </a:lvl6pPr>
-            <a:lvl7pPr marL="2743200" indent="0">
-              <a:buNone/>
-              <a:defRPr sz="1600" b="1"/>
+            <a:lvl7pPr marL="2057400" indent="0">
+              <a:buNone/>
+              <a:defRPr sz="1200" b="1"/>
             </a:lvl7pPr>
-            <a:lvl8pPr marL="3200400" indent="0">
-              <a:buNone/>
-              <a:defRPr sz="1600" b="1"/>
+            <a:lvl8pPr marL="2400300" indent="0">
+              <a:buNone/>
+              <a:defRPr sz="1200" b="1"/>
             </a:lvl8pPr>
-            <a:lvl9pPr marL="3657600" indent="0">
-              <a:buNone/>
-              <a:defRPr sz="1600" b="1"/>
+            <a:lvl9pPr marL="2743200" indent="0">
+              <a:buNone/>
+              <a:defRPr sz="1200" b="1"/>
             </a:lvl9pPr>
           </a:lstStyle>
           <a:p>
             <a:pPr lvl="0"/>
             <a:r>
-              <a:rPr lang="en-US" smtClean="0"/>
+              <a:rPr lang="en-US"/>
               <a:t>Click to edit Master text styles</a:t>
             </a:r>
           </a:p>
@@ -1712,76 +1698,75 @@
         </p:nvSpPr>
         <p:spPr>
           <a:xfrm>
-            <a:off x="4645025" y="2174875"/>
-            <a:ext cx="4041775" cy="3951288"/>
+            <a:off x="4645026" y="1631156"/>
+            <a:ext cx="4041775" cy="2963466"/>
           </a:xfrm>
         </p:spPr>
         <p:txBody>
           <a:bodyPr/>
           <a:lstStyle>
             <a:lvl1pPr>
-              <a:defRPr sz="2400"/>
+              <a:defRPr sz="1800"/>
             </a:lvl1pPr>
             <a:lvl2pPr>
-              <a:defRPr sz="2000"/>
+              <a:defRPr sz="1500"/>
             </a:lvl2pPr>
             <a:lvl3pPr>
-              <a:defRPr sz="1800"/>
+              <a:defRPr sz="1350"/>
             </a:lvl3pPr>
             <a:lvl4pPr>
-              <a:defRPr sz="1600"/>
+              <a:defRPr sz="1200"/>
             </a:lvl4pPr>
             <a:lvl5pPr>
-              <a:defRPr sz="1600"/>
+              <a:defRPr sz="1200"/>
             </a:lvl5pPr>
             <a:lvl6pPr>
-              <a:defRPr sz="1600"/>
+              <a:defRPr sz="1200"/>
             </a:lvl6pPr>
             <a:lvl7pPr>
-              <a:defRPr sz="1600"/>
+              <a:defRPr sz="1200"/>
             </a:lvl7pPr>
             <a:lvl8pPr>
-              <a:defRPr sz="1600"/>
+              <a:defRPr sz="1200"/>
             </a:lvl8pPr>
             <a:lvl9pPr>
-              <a:defRPr sz="1600"/>
+              <a:defRPr sz="1200"/>
             </a:lvl9pPr>
           </a:lstStyle>
           <a:p>
             <a:pPr lvl="0"/>
             <a:r>
-              <a:rPr lang="en-US" smtClean="0"/>
+              <a:rPr lang="en-US"/>
               <a:t>Click to edit Master text styles</a:t>
             </a:r>
           </a:p>
           <a:p>
             <a:pPr lvl="1"/>
             <a:r>
-              <a:rPr lang="en-US" smtClean="0"/>
+              <a:rPr lang="en-US"/>
               <a:t>Second level</a:t>
             </a:r>
           </a:p>
           <a:p>
             <a:pPr lvl="2"/>
             <a:r>
-              <a:rPr lang="en-US" smtClean="0"/>
+              <a:rPr lang="en-US"/>
               <a:t>Third level</a:t>
             </a:r>
           </a:p>
           <a:p>
             <a:pPr lvl="3"/>
             <a:r>
-              <a:rPr lang="en-US" smtClean="0"/>
+              <a:rPr lang="en-US"/>
               <a:t>Fourth level</a:t>
             </a:r>
           </a:p>
           <a:p>
             <a:pPr lvl="4"/>
             <a:r>
-              <a:rPr lang="en-US" smtClean="0"/>
+              <a:rPr lang="en-US"/>
               <a:t>Fifth level</a:t>
             </a:r>
-            <a:endParaRPr lang="en-US"/>
           </a:p>
         </p:txBody>
       </p:sp>
@@ -1802,7 +1787,7 @@
           <a:p>
             <a:fld id="{241EB5C9-1307-BA42-ABA2-0BC069CD8E7F}" type="datetimeFigureOut">
               <a:rPr lang="en-US" smtClean="0"/>
-              <a:t>4/5/2019</a:t>
+              <a:t>1/2/22</a:t>
             </a:fld>
             <a:endParaRPr lang="en-US"/>
           </a:p>
@@ -1896,10 +1881,9 @@
           <a:lstStyle/>
           <a:p>
             <a:r>
-              <a:rPr lang="en-US" smtClean="0"/>
+              <a:rPr lang="en-US"/>
               <a:t>Click to edit Master title style</a:t>
             </a:r>
-            <a:endParaRPr lang="en-US"/>
           </a:p>
         </p:txBody>
       </p:sp>
@@ -1920,7 +1904,7 @@
           <a:p>
             <a:fld id="{241EB5C9-1307-BA42-ABA2-0BC069CD8E7F}" type="datetimeFigureOut">
               <a:rPr lang="en-US" smtClean="0"/>
-              <a:t>4/5/2019</a:t>
+              <a:t>1/2/22</a:t>
             </a:fld>
             <a:endParaRPr lang="en-US"/>
           </a:p>
@@ -2015,7 +1999,7 @@
           <a:p>
             <a:fld id="{241EB5C9-1307-BA42-ABA2-0BC069CD8E7F}" type="datetimeFigureOut">
               <a:rPr lang="en-US" smtClean="0"/>
-              <a:t>4/5/2019</a:t>
+              <a:t>1/2/22</a:t>
             </a:fld>
             <a:endParaRPr lang="en-US"/>
           </a:p>
@@ -2105,23 +2089,22 @@
         </p:nvSpPr>
         <p:spPr>
           <a:xfrm>
-            <a:off x="457200" y="273050"/>
-            <a:ext cx="3008313" cy="1162050"/>
+            <a:off x="457201" y="204787"/>
+            <a:ext cx="3008313" cy="871538"/>
           </a:xfrm>
         </p:spPr>
         <p:txBody>
           <a:bodyPr anchor="b"/>
           <a:lstStyle>
             <a:lvl1pPr algn="l">
-              <a:defRPr sz="2000" b="1"/>
+              <a:defRPr sz="1500" b="1"/>
             </a:lvl1pPr>
           </a:lstStyle>
           <a:p>
             <a:r>
-              <a:rPr lang="en-US" smtClean="0"/>
+              <a:rPr lang="en-US"/>
               <a:t>Click to edit Master title style</a:t>
             </a:r>
-            <a:endParaRPr lang="en-US"/>
           </a:p>
         </p:txBody>
       </p:sp>
@@ -2137,76 +2120,75 @@
         </p:nvSpPr>
         <p:spPr>
           <a:xfrm>
-            <a:off x="3575050" y="273050"/>
-            <a:ext cx="5111750" cy="5853113"/>
+            <a:off x="3575050" y="204788"/>
+            <a:ext cx="5111750" cy="4389835"/>
           </a:xfrm>
         </p:spPr>
         <p:txBody>
           <a:bodyPr/>
           <a:lstStyle>
             <a:lvl1pPr>
-              <a:defRPr sz="3200"/>
+              <a:defRPr sz="2400"/>
             </a:lvl1pPr>
             <a:lvl2pPr>
-              <a:defRPr sz="2800"/>
+              <a:defRPr sz="2100"/>
             </a:lvl2pPr>
             <a:lvl3pPr>
-              <a:defRPr sz="2400"/>
+              <a:defRPr sz="1800"/>
             </a:lvl3pPr>
             <a:lvl4pPr>
-              <a:defRPr sz="2000"/>
+              <a:defRPr sz="1500"/>
             </a:lvl4pPr>
             <a:lvl5pPr>
-              <a:defRPr sz="2000"/>
+              <a:defRPr sz="1500"/>
             </a:lvl5pPr>
             <a:lvl6pPr>
-              <a:defRPr sz="2000"/>
+              <a:defRPr sz="1500"/>
             </a:lvl6pPr>
             <a:lvl7pPr>
-              <a:defRPr sz="2000"/>
+              <a:defRPr sz="1500"/>
             </a:lvl7pPr>
             <a:lvl8pPr>
-              <a:defRPr sz="2000"/>
+              <a:defRPr sz="1500"/>
             </a:lvl8pPr>
             <a:lvl9pPr>
-              <a:defRPr sz="2000"/>
+              <a:defRPr sz="1500"/>
             </a:lvl9pPr>
           </a:lstStyle>
           <a:p>
             <a:pPr lvl="0"/>
             <a:r>
-              <a:rPr lang="en-US" smtClean="0"/>
+              <a:rPr lang="en-US"/>
               <a:t>Click to edit Master text styles</a:t>
             </a:r>
           </a:p>
           <a:p>
             <a:pPr lvl="1"/>
             <a:r>
-              <a:rPr lang="en-US" smtClean="0"/>
+              <a:rPr lang="en-US"/>
               <a:t>Second level</a:t>
             </a:r>
           </a:p>
           <a:p>
             <a:pPr lvl="2"/>
             <a:r>
-              <a:rPr lang="en-US" smtClean="0"/>
+              <a:rPr lang="en-US"/>
               <a:t>Third level</a:t>
             </a:r>
           </a:p>
           <a:p>
             <a:pPr lvl="3"/>
             <a:r>
-              <a:rPr lang="en-US" smtClean="0"/>
+              <a:rPr lang="en-US"/>
               <a:t>Fourth level</a:t>
             </a:r>
           </a:p>
           <a:p>
             <a:pPr lvl="4"/>
             <a:r>
-              <a:rPr lang="en-US" smtClean="0"/>
+              <a:rPr lang="en-US"/>
               <a:t>Fifth level</a:t>
             </a:r>
-            <a:endParaRPr lang="en-US"/>
           </a:p>
         </p:txBody>
       </p:sp>
@@ -2222,8 +2204,8 @@
         </p:nvSpPr>
         <p:spPr>
           <a:xfrm>
-            <a:off x="457200" y="1435100"/>
-            <a:ext cx="3008313" cy="4691063"/>
+            <a:off x="457201" y="1076326"/>
+            <a:ext cx="3008313" cy="3518297"/>
           </a:xfrm>
         </p:spPr>
         <p:txBody>
@@ -2231,45 +2213,45 @@
           <a:lstStyle>
             <a:lvl1pPr marL="0" indent="0">
               <a:buNone/>
-              <a:defRPr sz="1400"/>
+              <a:defRPr sz="1050"/>
             </a:lvl1pPr>
-            <a:lvl2pPr marL="457200" indent="0">
-              <a:buNone/>
-              <a:defRPr sz="1200"/>
+            <a:lvl2pPr marL="342900" indent="0">
+              <a:buNone/>
+              <a:defRPr sz="900"/>
             </a:lvl2pPr>
-            <a:lvl3pPr marL="914400" indent="0">
-              <a:buNone/>
-              <a:defRPr sz="1000"/>
+            <a:lvl3pPr marL="685800" indent="0">
+              <a:buNone/>
+              <a:defRPr sz="750"/>
             </a:lvl3pPr>
-            <a:lvl4pPr marL="1371600" indent="0">
-              <a:buNone/>
-              <a:defRPr sz="900"/>
+            <a:lvl4pPr marL="1028700" indent="0">
+              <a:buNone/>
+              <a:defRPr sz="675"/>
             </a:lvl4pPr>
-            <a:lvl5pPr marL="1828800" indent="0">
-              <a:buNone/>
-              <a:defRPr sz="900"/>
+            <a:lvl5pPr marL="1371600" indent="0">
+              <a:buNone/>
+              <a:defRPr sz="675"/>
             </a:lvl5pPr>
-            <a:lvl6pPr marL="2286000" indent="0">
-              <a:buNone/>
-              <a:defRPr sz="900"/>
+            <a:lvl6pPr marL="1714500" indent="0">
+              <a:buNone/>
+              <a:defRPr sz="675"/>
             </a:lvl6pPr>
-            <a:lvl7pPr marL="2743200" indent="0">
-              <a:buNone/>
-              <a:defRPr sz="900"/>
+            <a:lvl7pPr marL="2057400" indent="0">
+              <a:buNone/>
+              <a:defRPr sz="675"/>
             </a:lvl7pPr>
-            <a:lvl8pPr marL="3200400" indent="0">
-              <a:buNone/>
-              <a:defRPr sz="900"/>
+            <a:lvl8pPr marL="2400300" indent="0">
+              <a:buNone/>
+              <a:defRPr sz="675"/>
             </a:lvl8pPr>
-            <a:lvl9pPr marL="3657600" indent="0">
-              <a:buNone/>
-              <a:defRPr sz="900"/>
+            <a:lvl9pPr marL="2743200" indent="0">
+              <a:buNone/>
+              <a:defRPr sz="675"/>
             </a:lvl9pPr>
           </a:lstStyle>
           <a:p>
             <a:pPr lvl="0"/>
             <a:r>
-              <a:rPr lang="en-US" smtClean="0"/>
+              <a:rPr lang="en-US"/>
               <a:t>Click to edit Master text styles</a:t>
             </a:r>
           </a:p>
@@ -2292,7 +2274,7 @@
           <a:p>
             <a:fld id="{241EB5C9-1307-BA42-ABA2-0BC069CD8E7F}" type="datetimeFigureOut">
               <a:rPr lang="en-US" smtClean="0"/>
-              <a:t>4/5/2019</a:t>
+              <a:t>1/2/22</a:t>
             </a:fld>
             <a:endParaRPr lang="en-US"/>
           </a:p>
@@ -2382,23 +2364,22 @@
         </p:nvSpPr>
         <p:spPr>
           <a:xfrm>
-            <a:off x="1792288" y="4800600"/>
-            <a:ext cx="5486400" cy="566738"/>
+            <a:off x="1792288" y="3600450"/>
+            <a:ext cx="5486400" cy="425054"/>
           </a:xfrm>
         </p:spPr>
         <p:txBody>
           <a:bodyPr anchor="b"/>
           <a:lstStyle>
             <a:lvl1pPr algn="l">
-              <a:defRPr sz="2000" b="1"/>
+              <a:defRPr sz="1500" b="1"/>
             </a:lvl1pPr>
           </a:lstStyle>
           <a:p>
             <a:r>
-              <a:rPr lang="en-US" smtClean="0"/>
+              <a:rPr lang="en-US"/>
               <a:t>Click to edit Master title style</a:t>
             </a:r>
-            <a:endParaRPr lang="en-US"/>
           </a:p>
         </p:txBody>
       </p:sp>
@@ -2414,8 +2395,8 @@
         </p:nvSpPr>
         <p:spPr>
           <a:xfrm>
-            <a:off x="1792288" y="612775"/>
-            <a:ext cx="5486400" cy="4114800"/>
+            <a:off x="1792288" y="459581"/>
+            <a:ext cx="5486400" cy="3086100"/>
           </a:xfrm>
         </p:spPr>
         <p:txBody>
@@ -2423,39 +2404,39 @@
           <a:lstStyle>
             <a:lvl1pPr marL="0" indent="0">
               <a:buNone/>
-              <a:defRPr sz="3200"/>
+              <a:defRPr sz="2400"/>
             </a:lvl1pPr>
-            <a:lvl2pPr marL="457200" indent="0">
-              <a:buNone/>
-              <a:defRPr sz="2800"/>
+            <a:lvl2pPr marL="342900" indent="0">
+              <a:buNone/>
+              <a:defRPr sz="2100"/>
             </a:lvl2pPr>
-            <a:lvl3pPr marL="914400" indent="0">
-              <a:buNone/>
-              <a:defRPr sz="2400"/>
+            <a:lvl3pPr marL="685800" indent="0">
+              <a:buNone/>
+              <a:defRPr sz="1800"/>
             </a:lvl3pPr>
-            <a:lvl4pPr marL="1371600" indent="0">
-              <a:buNone/>
-              <a:defRPr sz="2000"/>
+            <a:lvl4pPr marL="1028700" indent="0">
+              <a:buNone/>
+              <a:defRPr sz="1500"/>
             </a:lvl4pPr>
-            <a:lvl5pPr marL="1828800" indent="0">
-              <a:buNone/>
-              <a:defRPr sz="2000"/>
+            <a:lvl5pPr marL="1371600" indent="0">
+              <a:buNone/>
+              <a:defRPr sz="1500"/>
             </a:lvl5pPr>
-            <a:lvl6pPr marL="2286000" indent="0">
-              <a:buNone/>
-              <a:defRPr sz="2000"/>
+            <a:lvl6pPr marL="1714500" indent="0">
+              <a:buNone/>
+              <a:defRPr sz="1500"/>
             </a:lvl6pPr>
-            <a:lvl7pPr marL="2743200" indent="0">
-              <a:buNone/>
-              <a:defRPr sz="2000"/>
+            <a:lvl7pPr marL="2057400" indent="0">
+              <a:buNone/>
+              <a:defRPr sz="1500"/>
             </a:lvl7pPr>
-            <a:lvl8pPr marL="3200400" indent="0">
-              <a:buNone/>
-              <a:defRPr sz="2000"/>
+            <a:lvl8pPr marL="2400300" indent="0">
+              <a:buNone/>
+              <a:defRPr sz="1500"/>
             </a:lvl8pPr>
-            <a:lvl9pPr marL="3657600" indent="0">
-              <a:buNone/>
-              <a:defRPr sz="2000"/>
+            <a:lvl9pPr marL="2743200" indent="0">
+              <a:buNone/>
+              <a:defRPr sz="1500"/>
             </a:lvl9pPr>
           </a:lstStyle>
           <a:p>
@@ -2475,8 +2456,8 @@
         </p:nvSpPr>
         <p:spPr>
           <a:xfrm>
-            <a:off x="1792288" y="5367338"/>
-            <a:ext cx="5486400" cy="804862"/>
+            <a:off x="1792288" y="4025503"/>
+            <a:ext cx="5486400" cy="603647"/>
           </a:xfrm>
         </p:spPr>
         <p:txBody>
@@ -2484,45 +2465,45 @@
           <a:lstStyle>
             <a:lvl1pPr marL="0" indent="0">
               <a:buNone/>
-              <a:defRPr sz="1400"/>
+              <a:defRPr sz="1050"/>
             </a:lvl1pPr>
-            <a:lvl2pPr marL="457200" indent="0">
-              <a:buNone/>
-              <a:defRPr sz="1200"/>
+            <a:lvl2pPr marL="342900" indent="0">
+              <a:buNone/>
+              <a:defRPr sz="900"/>
             </a:lvl2pPr>
-            <a:lvl3pPr marL="914400" indent="0">
-              <a:buNone/>
-              <a:defRPr sz="1000"/>
+            <a:lvl3pPr marL="685800" indent="0">
+              <a:buNone/>
+              <a:defRPr sz="750"/>
             </a:lvl3pPr>
-            <a:lvl4pPr marL="1371600" indent="0">
-              <a:buNone/>
-              <a:defRPr sz="900"/>
+            <a:lvl4pPr marL="1028700" indent="0">
+              <a:buNone/>
+              <a:defRPr sz="675"/>
             </a:lvl4pPr>
-            <a:lvl5pPr marL="1828800" indent="0">
-              <a:buNone/>
-              <a:defRPr sz="900"/>
+            <a:lvl5pPr marL="1371600" indent="0">
+              <a:buNone/>
+              <a:defRPr sz="675"/>
             </a:lvl5pPr>
-            <a:lvl6pPr marL="2286000" indent="0">
-              <a:buNone/>
-              <a:defRPr sz="900"/>
+            <a:lvl6pPr marL="1714500" indent="0">
+              <a:buNone/>
+              <a:defRPr sz="675"/>
             </a:lvl6pPr>
-            <a:lvl7pPr marL="2743200" indent="0">
-              <a:buNone/>
-              <a:defRPr sz="900"/>
+            <a:lvl7pPr marL="2057400" indent="0">
+              <a:buNone/>
+              <a:defRPr sz="675"/>
             </a:lvl7pPr>
-            <a:lvl8pPr marL="3200400" indent="0">
-              <a:buNone/>
-              <a:defRPr sz="900"/>
+            <a:lvl8pPr marL="2400300" indent="0">
+              <a:buNone/>
+              <a:defRPr sz="675"/>
             </a:lvl8pPr>
-            <a:lvl9pPr marL="3657600" indent="0">
-              <a:buNone/>
-              <a:defRPr sz="900"/>
+            <a:lvl9pPr marL="2743200" indent="0">
+              <a:buNone/>
+              <a:defRPr sz="675"/>
             </a:lvl9pPr>
           </a:lstStyle>
           <a:p>
             <a:pPr lvl="0"/>
             <a:r>
-              <a:rPr lang="en-US" smtClean="0"/>
+              <a:rPr lang="en-US"/>
               <a:t>Click to edit Master text styles</a:t>
             </a:r>
           </a:p>
@@ -2545,7 +2526,7 @@
           <a:p>
             <a:fld id="{241EB5C9-1307-BA42-ABA2-0BC069CD8E7F}" type="datetimeFigureOut">
               <a:rPr lang="en-US" smtClean="0"/>
-              <a:t>4/5/2019</a:t>
+              <a:t>1/2/22</a:t>
             </a:fld>
             <a:endParaRPr lang="en-US"/>
           </a:p>
@@ -2607,7 +2588,7 @@
 </file>
 
 <file path=ppt/slideMasters/slideMaster1.xml><?xml version="1.0" encoding="utf-8"?>
-<p:sldMaster xmlns:a="http://schemas.openxmlformats.org/drawingml/2006/main" xmlns:r="http://schemas.openxmlformats.org/officeDocument/2006/relationships" xmlns:p="http://schemas.openxmlformats.org/presentationml/2006/main">
+<p:sldMaster xmlns:a="http://schemas.openxmlformats.org/drawingml/2006/main" xmlns:p="http://schemas.openxmlformats.org/presentationml/2006/main" xmlns:r="http://schemas.openxmlformats.org/officeDocument/2006/relationships">
   <p:cSld>
     <p:bg>
       <p:bgRef idx="1001">
@@ -2640,24 +2621,23 @@
         </p:nvSpPr>
         <p:spPr>
           <a:xfrm>
-            <a:off x="457200" y="274638"/>
-            <a:ext cx="8229600" cy="1143000"/>
+            <a:off x="457200" y="205979"/>
+            <a:ext cx="8229600" cy="857250"/>
           </a:xfrm>
           <a:prstGeom prst="rect">
             <a:avLst/>
           </a:prstGeom>
         </p:spPr>
         <p:txBody>
-          <a:bodyPr vert="horz" lIns="91440" tIns="45720" rIns="91440" bIns="45720" rtlCol="0" anchor="ctr">
+          <a:bodyPr anchor="ctr" bIns="45720" lIns="91440" rIns="91440" rtlCol="0" tIns="45720" vert="horz">
             <a:normAutofit/>
           </a:bodyPr>
           <a:lstStyle/>
           <a:p>
             <a:r>
-              <a:rPr lang="en-US" smtClean="0"/>
+              <a:rPr lang="en-US"/>
               <a:t>Click to edit Master title style</a:t>
             </a:r>
-            <a:endParaRPr lang="en-US"/>
           </a:p>
         </p:txBody>
       </p:sp>
@@ -2668,58 +2648,57 @@
             <a:spLocks noGrp="1"/>
           </p:cNvSpPr>
           <p:nvPr>
-            <p:ph type="body" idx="1"/>
+            <p:ph idx="1" type="body"/>
           </p:nvPr>
         </p:nvSpPr>
         <p:spPr>
           <a:xfrm>
-            <a:off x="457200" y="1600200"/>
-            <a:ext cx="8229600" cy="4525963"/>
+            <a:off x="457200" y="1200151"/>
+            <a:ext cx="8229600" cy="3394472"/>
           </a:xfrm>
           <a:prstGeom prst="rect">
             <a:avLst/>
           </a:prstGeom>
         </p:spPr>
         <p:txBody>
-          <a:bodyPr vert="horz" lIns="91440" tIns="45720" rIns="91440" bIns="45720" rtlCol="0">
+          <a:bodyPr bIns="45720" lIns="91440" rIns="91440" rtlCol="0" tIns="45720" vert="horz">
             <a:normAutofit/>
           </a:bodyPr>
           <a:lstStyle/>
           <a:p>
             <a:pPr lvl="0"/>
             <a:r>
-              <a:rPr lang="en-US" smtClean="0"/>
+              <a:rPr lang="en-US"/>
               <a:t>Click to edit Master text styles</a:t>
             </a:r>
           </a:p>
           <a:p>
             <a:pPr lvl="1"/>
             <a:r>
-              <a:rPr lang="en-US" smtClean="0"/>
+              <a:rPr lang="en-US"/>
               <a:t>Second level</a:t>
             </a:r>
           </a:p>
           <a:p>
             <a:pPr lvl="2"/>
             <a:r>
-              <a:rPr lang="en-US" smtClean="0"/>
+              <a:rPr lang="en-US"/>
               <a:t>Third level</a:t>
             </a:r>
           </a:p>
           <a:p>
             <a:pPr lvl="3"/>
             <a:r>
-              <a:rPr lang="en-US" smtClean="0"/>
+              <a:rPr lang="en-US"/>
               <a:t>Fourth level</a:t>
             </a:r>
           </a:p>
           <a:p>
             <a:pPr lvl="4"/>
             <a:r>
-              <a:rPr lang="en-US" smtClean="0"/>
+              <a:rPr lang="en-US"/>
               <a:t>Fifth level</a:t>
             </a:r>
-            <a:endParaRPr lang="en-US"/>
           </a:p>
         </p:txBody>
       </p:sp>
@@ -2730,23 +2709,23 @@
             <a:spLocks noGrp="1"/>
           </p:cNvSpPr>
           <p:nvPr>
-            <p:ph type="dt" sz="half" idx="2"/>
+            <p:ph idx="2" sz="half" type="dt"/>
           </p:nvPr>
         </p:nvSpPr>
         <p:spPr>
           <a:xfrm>
-            <a:off x="457200" y="6356350"/>
-            <a:ext cx="2133600" cy="365125"/>
+            <a:off x="457200" y="4767263"/>
+            <a:ext cx="2133600" cy="273844"/>
           </a:xfrm>
           <a:prstGeom prst="rect">
             <a:avLst/>
           </a:prstGeom>
         </p:spPr>
         <p:txBody>
-          <a:bodyPr vert="horz" lIns="91440" tIns="45720" rIns="91440" bIns="45720" rtlCol="0" anchor="ctr"/>
+          <a:bodyPr anchor="ctr" bIns="45720" lIns="91440" rIns="91440" rtlCol="0" tIns="45720" vert="horz"/>
           <a:lstStyle>
             <a:lvl1pPr algn="l">
-              <a:defRPr sz="1200">
+              <a:defRPr sz="900">
                 <a:solidFill>
                   <a:schemeClr val="tx1">
                     <a:tint val="75000"/>
@@ -2758,7 +2737,7 @@
           <a:p>
             <a:fld id="{241EB5C9-1307-BA42-ABA2-0BC069CD8E7F}" type="datetimeFigureOut">
               <a:rPr lang="en-US" smtClean="0"/>
-              <a:t>4/5/2019</a:t>
+              <a:t>1/2/22</a:t>
             </a:fld>
             <a:endParaRPr lang="en-US"/>
           </a:p>
@@ -2771,23 +2750,23 @@
             <a:spLocks noGrp="1"/>
           </p:cNvSpPr>
           <p:nvPr>
-            <p:ph type="ftr" sz="quarter" idx="3"/>
+            <p:ph idx="3" sz="quarter" type="ftr"/>
           </p:nvPr>
         </p:nvSpPr>
         <p:spPr>
           <a:xfrm>
-            <a:off x="3124200" y="6356350"/>
-            <a:ext cx="2895600" cy="365125"/>
+            <a:off x="3124200" y="4767263"/>
+            <a:ext cx="2895600" cy="273844"/>
           </a:xfrm>
           <a:prstGeom prst="rect">
             <a:avLst/>
           </a:prstGeom>
         </p:spPr>
         <p:txBody>
-          <a:bodyPr vert="horz" lIns="91440" tIns="45720" rIns="91440" bIns="45720" rtlCol="0" anchor="ctr"/>
+          <a:bodyPr anchor="ctr" bIns="45720" lIns="91440" rIns="91440" rtlCol="0" tIns="45720" vert="horz"/>
           <a:lstStyle>
             <a:lvl1pPr algn="ctr">
-              <a:defRPr sz="1200">
+              <a:defRPr sz="900">
                 <a:solidFill>
                   <a:schemeClr val="tx1">
                     <a:tint val="75000"/>
@@ -2808,23 +2787,23 @@
             <a:spLocks noGrp="1"/>
           </p:cNvSpPr>
           <p:nvPr>
-            <p:ph type="sldNum" sz="quarter" idx="4"/>
+            <p:ph idx="4" sz="quarter" type="sldNum"/>
           </p:nvPr>
         </p:nvSpPr>
         <p:spPr>
           <a:xfrm>
-            <a:off x="6553200" y="6356350"/>
-            <a:ext cx="2133600" cy="365125"/>
+            <a:off x="6553200" y="4767263"/>
+            <a:ext cx="2133600" cy="273844"/>
           </a:xfrm>
           <a:prstGeom prst="rect">
             <a:avLst/>
           </a:prstGeom>
         </p:spPr>
         <p:txBody>
-          <a:bodyPr vert="horz" lIns="91440" tIns="45720" rIns="91440" bIns="45720" rtlCol="0" anchor="ctr"/>
+          <a:bodyPr anchor="ctr" bIns="45720" lIns="91440" rIns="91440" rtlCol="0" tIns="45720" vert="horz"/>
           <a:lstStyle>
             <a:lvl1pPr algn="r">
-              <a:defRPr sz="1200">
+              <a:defRPr sz="900">
                 <a:solidFill>
                   <a:schemeClr val="tx1">
                     <a:tint val="75000"/>
@@ -2849,7 +2828,7 @@
       </p:ext>
     </p:extLst>
   </p:cSld>
-  <p:clrMap bg1="lt1" tx1="dk1" bg2="lt2" tx2="dk2" accent1="accent1" accent2="accent2" accent3="accent3" accent4="accent4" accent5="accent5" accent6="accent6" hlink="hlink" folHlink="folHlink"/>
+  <p:clrMap accent1="accent1" accent2="accent2" accent3="accent3" accent4="accent4" accent5="accent5" accent6="accent6" bg1="lt1" bg2="lt2" folHlink="folHlink" hlink="hlink" tx1="dk1" tx2="dk2"/>
   <p:sldLayoutIdLst>
     <p:sldLayoutId id="2147483649" r:id="rId1"/>
     <p:sldLayoutId id="2147483650" r:id="rId2"/>
@@ -2865,12 +2844,12 @@
   </p:sldLayoutIdLst>
   <p:txStyles>
     <p:titleStyle>
-      <a:lvl1pPr algn="ctr" defTabSz="457200" rtl="0" eaLnBrk="1" latinLnBrk="0" hangingPunct="1">
+      <a:lvl1pPr algn="ctr" defTabSz="342900" eaLnBrk="1" hangingPunct="1" latinLnBrk="0" rtl="0">
         <a:spcBef>
           <a:spcPct val="0"/>
         </a:spcBef>
         <a:buNone/>
-        <a:defRPr sz="4400" kern="1200">
+        <a:defRPr kern="1200" sz="3300">
           <a:solidFill>
             <a:schemeClr val="tx1"/>
           </a:solidFill>
@@ -2881,13 +2860,13 @@
       </a:lvl1pPr>
     </p:titleStyle>
     <p:bodyStyle>
-      <a:lvl1pPr marL="342900" indent="-342900" algn="l" defTabSz="457200" rtl="0" eaLnBrk="1" latinLnBrk="0" hangingPunct="1">
+      <a:lvl1pPr algn="l" defTabSz="342900" eaLnBrk="1" hangingPunct="1" indent="-342900" latinLnBrk="0" marL="342900" rtl="0">
         <a:spcBef>
           <a:spcPct val="20000"/>
         </a:spcBef>
         <a:buFont typeface="Arial"/>
         <a:buChar char="•"/>
-        <a:defRPr sz="3200" kern="1200">
+        <a:defRPr kern="1200" sz="2400">
           <a:solidFill>
             <a:schemeClr val="tx1"/>
           </a:solidFill>
@@ -2896,13 +2875,13 @@
           <a:cs typeface="+mn-cs"/>
         </a:defRPr>
       </a:lvl1pPr>
-      <a:lvl2pPr marL="742950" indent="-285750" algn="l" defTabSz="457200" rtl="0" eaLnBrk="1" latinLnBrk="0" hangingPunct="1">
+      <a:lvl2pPr algn="l" defTabSz="342900" eaLnBrk="1" hangingPunct="1" indent="-342900" latinLnBrk="0" marL="685800" rtl="0">
         <a:spcBef>
           <a:spcPct val="20000"/>
         </a:spcBef>
         <a:buFont typeface="Arial"/>
         <a:buChar char="–"/>
-        <a:defRPr sz="2800" kern="1200">
+        <a:defRPr kern="1200" sz="2100">
           <a:solidFill>
             <a:schemeClr val="tx1"/>
           </a:solidFill>
@@ -2911,13 +2890,13 @@
           <a:cs typeface="+mn-cs"/>
         </a:defRPr>
       </a:lvl2pPr>
-      <a:lvl3pPr marL="1143000" indent="-228600" algn="l" defTabSz="457200" rtl="0" eaLnBrk="1" latinLnBrk="0" hangingPunct="1">
+      <a:lvl3pPr algn="l" defTabSz="342900" eaLnBrk="1" hangingPunct="1" indent="-342900" latinLnBrk="0" marL="1028700" rtl="0">
         <a:spcBef>
           <a:spcPct val="20000"/>
         </a:spcBef>
         <a:buFont typeface="Arial"/>
         <a:buChar char="•"/>
-        <a:defRPr sz="2400" kern="1200">
+        <a:defRPr kern="1200" sz="1800">
           <a:solidFill>
             <a:schemeClr val="tx1"/>
           </a:solidFill>
@@ -2926,13 +2905,13 @@
           <a:cs typeface="+mn-cs"/>
         </a:defRPr>
       </a:lvl3pPr>
-      <a:lvl4pPr marL="1600200" indent="-228600" algn="l" defTabSz="457200" rtl="0" eaLnBrk="1" latinLnBrk="0" hangingPunct="1">
+      <a:lvl4pPr algn="l" defTabSz="342900" eaLnBrk="1" hangingPunct="1" indent="-342900" latinLnBrk="0" marL="1371600" rtl="0">
         <a:spcBef>
           <a:spcPct val="20000"/>
         </a:spcBef>
         <a:buFont typeface="Arial"/>
         <a:buChar char="–"/>
-        <a:defRPr sz="2000" kern="1200">
+        <a:defRPr kern="1200" sz="1500">
           <a:solidFill>
             <a:schemeClr val="tx1"/>
           </a:solidFill>
@@ -2941,13 +2920,13 @@
           <a:cs typeface="+mn-cs"/>
         </a:defRPr>
       </a:lvl4pPr>
-      <a:lvl5pPr marL="2057400" indent="-228600" algn="l" defTabSz="457200" rtl="0" eaLnBrk="1" latinLnBrk="0" hangingPunct="1">
+      <a:lvl5pPr algn="l" defTabSz="342900" eaLnBrk="1" hangingPunct="1" indent="-342900" latinLnBrk="0" marL="1714500" rtl="0">
         <a:spcBef>
           <a:spcPct val="20000"/>
         </a:spcBef>
         <a:buFont typeface="Arial"/>
         <a:buChar char="»"/>
-        <a:defRPr sz="2000" kern="1200">
+        <a:defRPr kern="1200" sz="1500">
           <a:solidFill>
             <a:schemeClr val="tx1"/>
           </a:solidFill>
@@ -2956,13 +2935,13 @@
           <a:cs typeface="+mn-cs"/>
         </a:defRPr>
       </a:lvl5pPr>
-      <a:lvl6pPr marL="2514600" indent="-228600" algn="l" defTabSz="457200" rtl="0" eaLnBrk="1" latinLnBrk="0" hangingPunct="1">
+      <a:lvl6pPr algn="l" defTabSz="342900" eaLnBrk="1" hangingPunct="1" indent="-342900" latinLnBrk="0" marL="2057400" rtl="0">
         <a:spcBef>
           <a:spcPct val="20000"/>
         </a:spcBef>
         <a:buFont typeface="Arial"/>
         <a:buChar char="•"/>
-        <a:defRPr sz="2000" kern="1200">
+        <a:defRPr kern="1200" sz="1500">
           <a:solidFill>
             <a:schemeClr val="tx1"/>
           </a:solidFill>
@@ -2971,13 +2950,13 @@
           <a:cs typeface="+mn-cs"/>
         </a:defRPr>
       </a:lvl6pPr>
-      <a:lvl7pPr marL="2971800" indent="-228600" algn="l" defTabSz="457200" rtl="0" eaLnBrk="1" latinLnBrk="0" hangingPunct="1">
+      <a:lvl7pPr algn="l" defTabSz="342900" eaLnBrk="1" hangingPunct="1" indent="-342900" latinLnBrk="0" marL="2400300" rtl="0">
         <a:spcBef>
           <a:spcPct val="20000"/>
         </a:spcBef>
         <a:buFont typeface="Arial"/>
         <a:buChar char="•"/>
-        <a:defRPr sz="2000" kern="1200">
+        <a:defRPr kern="1200" sz="1500">
           <a:solidFill>
             <a:schemeClr val="tx1"/>
           </a:solidFill>
@@ -2986,13 +2965,13 @@
           <a:cs typeface="+mn-cs"/>
         </a:defRPr>
       </a:lvl7pPr>
-      <a:lvl8pPr marL="3429000" indent="-228600" algn="l" defTabSz="457200" rtl="0" eaLnBrk="1" latinLnBrk="0" hangingPunct="1">
+      <a:lvl8pPr algn="l" defTabSz="342900" eaLnBrk="1" hangingPunct="1" indent="-342900" latinLnBrk="0" marL="2743200" rtl="0">
         <a:spcBef>
           <a:spcPct val="20000"/>
         </a:spcBef>
         <a:buFont typeface="Arial"/>
         <a:buChar char="•"/>
-        <a:defRPr sz="2000" kern="1200">
+        <a:defRPr kern="1200" sz="1500">
           <a:solidFill>
             <a:schemeClr val="tx1"/>
           </a:solidFill>
@@ -3001,13 +2980,13 @@
           <a:cs typeface="+mn-cs"/>
         </a:defRPr>
       </a:lvl8pPr>
-      <a:lvl9pPr marL="3886200" indent="-228600" algn="l" defTabSz="457200" rtl="0" eaLnBrk="1" latinLnBrk="0" hangingPunct="1">
+      <a:lvl9pPr algn="l" defTabSz="342900" eaLnBrk="1" hangingPunct="1" indent="-342900" latinLnBrk="0" marL="3086100" rtl="0">
         <a:spcBef>
           <a:spcPct val="20000"/>
         </a:spcBef>
         <a:buFont typeface="Arial"/>
         <a:buChar char="•"/>
-        <a:defRPr sz="2000" kern="1200">
+        <a:defRPr kern="1200" sz="1500">
           <a:solidFill>
             <a:schemeClr val="tx1"/>
           </a:solidFill>
@@ -3021,8 +3000,8 @@
       <a:defPPr>
         <a:defRPr lang="en-US"/>
       </a:defPPr>
-      <a:lvl1pPr marL="0" algn="l" defTabSz="457200" rtl="0" eaLnBrk="1" latinLnBrk="0" hangingPunct="1">
-        <a:defRPr sz="1800" kern="1200">
+      <a:lvl1pPr algn="l" defTabSz="342900" eaLnBrk="1" hangingPunct="1" latinLnBrk="0" marL="0" rtl="0">
+        <a:defRPr kern="1200" sz="1350">
           <a:solidFill>
             <a:schemeClr val="tx1"/>
           </a:solidFill>
@@ -3031,8 +3010,8 @@
           <a:cs typeface="+mn-cs"/>
         </a:defRPr>
       </a:lvl1pPr>
-      <a:lvl2pPr marL="457200" algn="l" defTabSz="457200" rtl="0" eaLnBrk="1" latinLnBrk="0" hangingPunct="1">
-        <a:defRPr sz="1800" kern="1200">
+      <a:lvl2pPr algn="l" defTabSz="342900" eaLnBrk="1" hangingPunct="1" latinLnBrk="0" marL="342900" rtl="0">
+        <a:defRPr kern="1200" sz="1350">
           <a:solidFill>
             <a:schemeClr val="tx1"/>
           </a:solidFill>
@@ -3041,8 +3020,8 @@
           <a:cs typeface="+mn-cs"/>
         </a:defRPr>
       </a:lvl2pPr>
-      <a:lvl3pPr marL="914400" algn="l" defTabSz="457200" rtl="0" eaLnBrk="1" latinLnBrk="0" hangingPunct="1">
-        <a:defRPr sz="1800" kern="1200">
+      <a:lvl3pPr algn="l" defTabSz="342900" eaLnBrk="1" hangingPunct="1" latinLnBrk="0" marL="685800" rtl="0">
+        <a:defRPr kern="1200" sz="1350">
           <a:solidFill>
             <a:schemeClr val="tx1"/>
           </a:solidFill>
@@ -3051,8 +3030,8 @@
           <a:cs typeface="+mn-cs"/>
         </a:defRPr>
       </a:lvl3pPr>
-      <a:lvl4pPr marL="1371600" algn="l" defTabSz="457200" rtl="0" eaLnBrk="1" latinLnBrk="0" hangingPunct="1">
-        <a:defRPr sz="1800" kern="1200">
+      <a:lvl4pPr algn="l" defTabSz="342900" eaLnBrk="1" hangingPunct="1" latinLnBrk="0" marL="1028700" rtl="0">
+        <a:defRPr kern="1200" sz="1350">
           <a:solidFill>
             <a:schemeClr val="tx1"/>
           </a:solidFill>
@@ -3061,8 +3040,8 @@
           <a:cs typeface="+mn-cs"/>
         </a:defRPr>
       </a:lvl4pPr>
-      <a:lvl5pPr marL="1828800" algn="l" defTabSz="457200" rtl="0" eaLnBrk="1" latinLnBrk="0" hangingPunct="1">
-        <a:defRPr sz="1800" kern="1200">
+      <a:lvl5pPr algn="l" defTabSz="342900" eaLnBrk="1" hangingPunct="1" latinLnBrk="0" marL="1371600" rtl="0">
+        <a:defRPr kern="1200" sz="1350">
           <a:solidFill>
             <a:schemeClr val="tx1"/>
           </a:solidFill>
@@ -3071,8 +3050,8 @@
           <a:cs typeface="+mn-cs"/>
         </a:defRPr>
       </a:lvl5pPr>
-      <a:lvl6pPr marL="2286000" algn="l" defTabSz="457200" rtl="0" eaLnBrk="1" latinLnBrk="0" hangingPunct="1">
-        <a:defRPr sz="1800" kern="1200">
+      <a:lvl6pPr algn="l" defTabSz="342900" eaLnBrk="1" hangingPunct="1" latinLnBrk="0" marL="1714500" rtl="0">
+        <a:defRPr kern="1200" sz="1350">
           <a:solidFill>
             <a:schemeClr val="tx1"/>
           </a:solidFill>
@@ -3081,8 +3060,8 @@
           <a:cs typeface="+mn-cs"/>
         </a:defRPr>
       </a:lvl6pPr>
-      <a:lvl7pPr marL="2743200" algn="l" defTabSz="457200" rtl="0" eaLnBrk="1" latinLnBrk="0" hangingPunct="1">
-        <a:defRPr sz="1800" kern="1200">
+      <a:lvl7pPr algn="l" defTabSz="342900" eaLnBrk="1" hangingPunct="1" latinLnBrk="0" marL="2057400" rtl="0">
+        <a:defRPr kern="1200" sz="1350">
           <a:solidFill>
             <a:schemeClr val="tx1"/>
           </a:solidFill>
@@ -3091,8 +3070,8 @@
           <a:cs typeface="+mn-cs"/>
         </a:defRPr>
       </a:lvl7pPr>
-      <a:lvl8pPr marL="3200400" algn="l" defTabSz="457200" rtl="0" eaLnBrk="1" latinLnBrk="0" hangingPunct="1">
-        <a:defRPr sz="1800" kern="1200">
+      <a:lvl8pPr algn="l" defTabSz="342900" eaLnBrk="1" hangingPunct="1" latinLnBrk="0" marL="2400300" rtl="0">
+        <a:defRPr kern="1200" sz="1350">
           <a:solidFill>
             <a:schemeClr val="tx1"/>
           </a:solidFill>
@@ -3101,8 +3080,8 @@
           <a:cs typeface="+mn-cs"/>
         </a:defRPr>
       </a:lvl8pPr>
-      <a:lvl9pPr marL="3657600" algn="l" defTabSz="457200" rtl="0" eaLnBrk="1" latinLnBrk="0" hangingPunct="1">
-        <a:defRPr sz="1800" kern="1200">
+      <a:lvl9pPr algn="l" defTabSz="342900" eaLnBrk="1" hangingPunct="1" latinLnBrk="0" marL="2743200" rtl="0">
+        <a:defRPr kern="1200" sz="1350">
           <a:solidFill>
             <a:schemeClr val="tx1"/>
           </a:solidFill>
@@ -3145,28 +3124,20 @@
         </p:nvSpPr>
         <p:spPr>
           <a:xfrm>
-            <a:off x="685800" y="2130425"/>
-            <a:ext cx="7772400" cy="1470025"/>
+            <a:off x="685800" y="1597819"/>
+            <a:ext cx="7772400" cy="1102519"/>
           </a:xfrm>
         </p:spPr>
         <p:txBody>
           <a:bodyPr/>
           <a:lstStyle/>
           <a:p>
-            <a:pPr lvl="0" marL="0" indent="0">
+            <a:pPr lvl="0" indent="0" marL="0">
               <a:buNone/>
             </a:pPr>
             <a:r>
               <a:rPr/>
-              <a:t>Monolith</a:t>
-            </a:r>
-            <a:r>
-              <a:rPr/>
-              <a:t> </a:t>
-            </a:r>
-            <a:r>
-              <a:rPr/>
-              <a:t>(instrumenting)</a:t>
+              <a:t>Monolith (instrumenting)</a:t>
             </a:r>
           </a:p>
         </p:txBody>
@@ -3178,20 +3149,20 @@
             <a:spLocks noGrp="1"/>
           </p:cNvSpPr>
           <p:nvPr>
-            <p:ph type="subTitle" idx="1"/>
+            <p:ph idx="1" type="subTitle"/>
           </p:nvPr>
         </p:nvSpPr>
         <p:spPr>
           <a:xfrm>
-            <a:off x="1371600" y="3886200"/>
-            <a:ext cx="6400800" cy="1752600"/>
+            <a:off x="1371600" y="2914650"/>
+            <a:ext cx="6400800" cy="1314450"/>
           </a:xfrm>
         </p:spPr>
         <p:txBody>
           <a:bodyPr/>
           <a:lstStyle/>
           <a:p>
-            <a:pPr lvl="0" marL="0" indent="0">
+            <a:pPr lvl="0" indent="0" marL="0">
               <a:buNone/>
             </a:pPr>
             <a:br/>
@@ -3236,36 +3207,12 @@
           <a:bodyPr/>
           <a:lstStyle/>
           <a:p>
-            <a:pPr lvl="0" marL="0" indent="0">
+            <a:pPr lvl="0" indent="0" marL="0">
               <a:buNone/>
             </a:pPr>
             <a:r>
               <a:rPr/>
-              <a:t>Attributes</a:t>
-            </a:r>
-            <a:r>
-              <a:rPr/>
-              <a:t> </a:t>
-            </a:r>
-            <a:r>
-              <a:rPr/>
-              <a:t>(from</a:t>
-            </a:r>
-            <a:r>
-              <a:rPr/>
-              <a:t> </a:t>
-            </a:r>
-            <a:r>
-              <a:rPr/>
-              <a:t>today’s</a:t>
-            </a:r>
-            <a:r>
-              <a:rPr/>
-              <a:t> </a:t>
-            </a:r>
-            <a:r>
-              <a:rPr/>
-              <a:t>lab)</a:t>
+              <a:t>Attributes (from today’s lab)</a:t>
             </a:r>
           </a:p>
         </p:txBody>
@@ -3418,7 +3365,7 @@
             </a:r>
           </a:p>
           <a:p>
-            <a:pPr lvl="1"/>
+            <a:pPr lvl="0"/>
             <a:r>
               <a:rPr/>
               <a:t>roll.value is an attribute</a:t>
@@ -3463,36 +3410,12 @@
           <a:bodyPr/>
           <a:lstStyle/>
           <a:p>
-            <a:pPr lvl="0" marL="0" indent="0">
+            <a:pPr lvl="0" indent="0" marL="0">
               <a:buNone/>
             </a:pPr>
             <a:r>
               <a:rPr/>
-              <a:t>Future</a:t>
-            </a:r>
-            <a:r>
-              <a:rPr/>
-              <a:t> </a:t>
-            </a:r>
-            <a:r>
-              <a:rPr/>
-              <a:t>of</a:t>
-            </a:r>
-            <a:r>
-              <a:rPr/>
-              <a:t> </a:t>
-            </a:r>
-            <a:r>
-              <a:rPr/>
-              <a:t>Open</a:t>
-            </a:r>
-            <a:r>
-              <a:rPr/>
-              <a:t> </a:t>
-            </a:r>
-            <a:r>
-              <a:rPr/>
-              <a:t>Telemetry</a:t>
+              <a:t>Future of Open Telemetry</a:t>
             </a:r>
           </a:p>
         </p:txBody>
@@ -3513,8 +3436,8 @@
         </p:blipFill>
         <p:spPr bwMode="auto">
           <a:xfrm>
-            <a:off x="3162300" y="1600200"/>
-            <a:ext cx="2819400" cy="4013200"/>
+            <a:off x="3556000" y="1193800"/>
+            <a:ext cx="2019300" cy="2882900"/>
           </a:xfrm>
           <a:prstGeom prst="rect">
             <a:avLst/>
@@ -3535,7 +3458,7 @@
         </p:nvSpPr>
         <p:spPr>
           <a:xfrm>
-            <a:off x="457200" y="5613400"/>
+            <a:off x="457200" y="4076700"/>
             <a:ext cx="8229600" cy="508000"/>
           </a:xfrm>
           <a:prstGeom prst="rect">
@@ -3547,36 +3470,12 @@
           <a:bodyPr/>
           <a:lstStyle/>
           <a:p>
-            <a:pPr lvl="0" marL="0" indent="0" algn="ctr">
+            <a:pPr lvl="0" indent="0" marL="0" algn="ctr">
               <a:buNone/>
             </a:pPr>
             <a:r>
               <a:rPr/>
-              <a:t>OpenTelemetry’s</a:t>
-            </a:r>
-            <a:r>
-              <a:rPr/>
-              <a:t> </a:t>
-            </a:r>
-            <a:r>
-              <a:rPr/>
-              <a:t>long-term</a:t>
-            </a:r>
-            <a:r>
-              <a:rPr/>
-              <a:t> </a:t>
-            </a:r>
-            <a:r>
-              <a:rPr/>
-              <a:t>support</a:t>
-            </a:r>
-            <a:r>
-              <a:rPr/>
-              <a:t> </a:t>
-            </a:r>
-            <a:r>
-              <a:rPr/>
-              <a:t>guarantees</a:t>
+              <a:t>OpenTelemetry’s long-term support guarantees</a:t>
             </a:r>
           </a:p>
         </p:txBody>
@@ -3618,68 +3517,12 @@
           <a:bodyPr/>
           <a:lstStyle/>
           <a:p>
-            <a:pPr lvl="0" marL="0" indent="0">
+            <a:pPr lvl="0" indent="0" marL="0">
               <a:buNone/>
             </a:pPr>
             <a:r>
               <a:rPr/>
-              <a:t>Foundation</a:t>
-            </a:r>
-            <a:r>
-              <a:rPr/>
-              <a:t> </a:t>
-            </a:r>
-            <a:r>
-              <a:rPr/>
-              <a:t>of</a:t>
-            </a:r>
-            <a:r>
-              <a:rPr/>
-              <a:t> </a:t>
-            </a:r>
-            <a:r>
-              <a:rPr/>
-              <a:t>OpenTelemetry</a:t>
-            </a:r>
-            <a:r>
-              <a:rPr/>
-              <a:t> </a:t>
-            </a:r>
-            <a:r>
-              <a:rPr/>
-              <a:t>is</a:t>
-            </a:r>
-            <a:r>
-              <a:rPr/>
-              <a:t> </a:t>
-            </a:r>
-            <a:r>
-              <a:rPr/>
-              <a:t>built</a:t>
-            </a:r>
-            <a:r>
-              <a:rPr/>
-              <a:t> </a:t>
-            </a:r>
-            <a:r>
-              <a:rPr/>
-              <a:t>on</a:t>
-            </a:r>
-            <a:r>
-              <a:rPr/>
-              <a:t> </a:t>
-            </a:r>
-            <a:r>
-              <a:rPr/>
-              <a:t>two</a:t>
-            </a:r>
-            <a:r>
-              <a:rPr/>
-              <a:t> </a:t>
-            </a:r>
-            <a:r>
-              <a:rPr/>
-              <a:t>points:</a:t>
+              <a:t>Foundation of OpenTelemetry is built on two points:</a:t>
             </a:r>
           </a:p>
         </p:txBody>
@@ -3699,21 +3542,21 @@
           <a:bodyPr/>
           <a:lstStyle/>
           <a:p>
-            <a:pPr lvl="1"/>
+            <a:pPr lvl="0"/>
             <a:r>
               <a:rPr/>
               <a:t>standards-based context and conventions,</a:t>
             </a:r>
           </a:p>
           <a:p>
-            <a:pPr lvl="1"/>
+            <a:pPr lvl="0"/>
             <a:r>
               <a:rPr/>
               <a:t>alongside a universal data format.</a:t>
             </a:r>
           </a:p>
           <a:p>
-            <a:pPr lvl="1"/>
+            <a:pPr lvl="0"/>
             <a:r>
               <a:rPr/>
               <a:t>the telemetry pipeline includes attributes that meet stakeholder needs for observability</a:t>
@@ -3758,20 +3601,12 @@
           <a:bodyPr/>
           <a:lstStyle/>
           <a:p>
-            <a:pPr lvl="0" marL="0" indent="0">
+            <a:pPr lvl="0" indent="0" marL="0">
               <a:buNone/>
             </a:pPr>
             <a:r>
               <a:rPr/>
-              <a:t>Telemetry</a:t>
-            </a:r>
-            <a:r>
-              <a:rPr/>
-              <a:t> </a:t>
-            </a:r>
-            <a:r>
-              <a:rPr/>
-              <a:t>Schemas</a:t>
+              <a:t>Telemetry Schemas</a:t>
             </a:r>
           </a:p>
         </p:txBody>
@@ -3792,8 +3627,8 @@
         </p:blipFill>
         <p:spPr bwMode="auto">
           <a:xfrm>
-            <a:off x="1498600" y="1600200"/>
-            <a:ext cx="6159500" cy="4013200"/>
+            <a:off x="2362200" y="1193800"/>
+            <a:ext cx="4419600" cy="2882900"/>
           </a:xfrm>
           <a:prstGeom prst="rect">
             <a:avLst/>
@@ -3814,7 +3649,7 @@
         </p:nvSpPr>
         <p:spPr>
           <a:xfrm>
-            <a:off x="457200" y="5613400"/>
+            <a:off x="457200" y="4076700"/>
             <a:ext cx="8229600" cy="508000"/>
           </a:xfrm>
           <a:prstGeom prst="rect">
@@ -3826,60 +3661,12 @@
           <a:bodyPr/>
           <a:lstStyle/>
           <a:p>
-            <a:pPr lvl="0" marL="0" indent="0" algn="ctr">
+            <a:pPr lvl="0" indent="0" marL="0" algn="ctr">
               <a:buNone/>
             </a:pPr>
             <a:r>
               <a:rPr/>
-              <a:t>An</a:t>
-            </a:r>
-            <a:r>
-              <a:rPr/>
-              <a:t> </a:t>
-            </a:r>
-            <a:r>
-              <a:rPr/>
-              <a:t>example</a:t>
-            </a:r>
-            <a:r>
-              <a:rPr/>
-              <a:t> </a:t>
-            </a:r>
-            <a:r>
-              <a:rPr/>
-              <a:t>of</a:t>
-            </a:r>
-            <a:r>
-              <a:rPr/>
-              <a:t> </a:t>
-            </a:r>
-            <a:r>
-              <a:rPr/>
-              <a:t>a</a:t>
-            </a:r>
-            <a:r>
-              <a:rPr/>
-              <a:t> </a:t>
-            </a:r>
-            <a:r>
-              <a:rPr/>
-              <a:t>schema-aware</a:t>
-            </a:r>
-            <a:r>
-              <a:rPr/>
-              <a:t> </a:t>
-            </a:r>
-            <a:r>
-              <a:rPr/>
-              <a:t>telemetry</a:t>
-            </a:r>
-            <a:r>
-              <a:rPr/>
-              <a:t> </a:t>
-            </a:r>
-            <a:r>
-              <a:rPr/>
-              <a:t>system</a:t>
+              <a:t>An example of a schema-aware telemetry system</a:t>
             </a:r>
           </a:p>
         </p:txBody>
@@ -3921,28 +3708,12 @@
           <a:bodyPr/>
           <a:lstStyle/>
           <a:p>
-            <a:pPr lvl="0" marL="0" indent="0">
+            <a:pPr lvl="0" indent="0" marL="0">
               <a:buNone/>
             </a:pPr>
             <a:r>
               <a:rPr/>
-              <a:t>Open</a:t>
-            </a:r>
-            <a:r>
-              <a:rPr/>
-              <a:t> </a:t>
-            </a:r>
-            <a:r>
-              <a:rPr/>
-              <a:t>Telemetry</a:t>
-            </a:r>
-            <a:r>
-              <a:rPr/>
-              <a:t> </a:t>
-            </a:r>
-            <a:r>
-              <a:rPr/>
-              <a:t>Collector</a:t>
+              <a:t>Open Telemetry Collector</a:t>
             </a:r>
           </a:p>
         </p:txBody>
@@ -3962,21 +3733,21 @@
           <a:bodyPr/>
           <a:lstStyle/>
           <a:p>
-            <a:pPr lvl="1"/>
+            <a:pPr lvl="0"/>
             <a:r>
               <a:rPr/>
               <a:t>can provide schema transformations</a:t>
             </a:r>
           </a:p>
           <a:p>
-            <a:pPr lvl="1"/>
+            <a:pPr lvl="0"/>
             <a:r>
               <a:rPr/>
               <a:t>support changes in semantic conventions (and their associated support in analysis tools)</a:t>
             </a:r>
           </a:p>
           <a:p>
-            <a:pPr lvl="1"/>
+            <a:pPr lvl="0"/>
             <a:r>
               <a:rPr/>
               <a:t>without having to reinstrument or redefine output from existing services</a:t>
@@ -4021,44 +3792,12 @@
           <a:bodyPr/>
           <a:lstStyle/>
           <a:p>
-            <a:pPr lvl="0" marL="0" indent="0">
+            <a:pPr lvl="0" indent="0" marL="0">
               <a:buNone/>
             </a:pPr>
             <a:r>
               <a:rPr/>
-              <a:t>setting</a:t>
-            </a:r>
-            <a:r>
-              <a:rPr/>
-              <a:t> </a:t>
-            </a:r>
-            <a:r>
-              <a:rPr/>
-              <a:t>up</a:t>
-            </a:r>
-            <a:r>
-              <a:rPr/>
-              <a:t> </a:t>
-            </a:r>
-            <a:r>
-              <a:rPr/>
-              <a:t>OpenTelemetry</a:t>
-            </a:r>
-            <a:r>
-              <a:rPr/>
-              <a:t> </a:t>
-            </a:r>
-            <a:r>
-              <a:rPr/>
-              <a:t>is</a:t>
-            </a:r>
-            <a:r>
-              <a:rPr/>
-              <a:t> </a:t>
-            </a:r>
-            <a:r>
-              <a:rPr/>
-              <a:t>twofold</a:t>
+              <a:t>setting up OpenTelemetry is twofold</a:t>
             </a:r>
           </a:p>
         </p:txBody>
@@ -4078,28 +3817,28 @@
           <a:bodyPr/>
           <a:lstStyle/>
           <a:p>
-            <a:pPr lvl="1"/>
+            <a:pPr lvl="0"/>
             <a:r>
               <a:rPr/>
               <a:t>installing the software development kit (SDK)</a:t>
             </a:r>
           </a:p>
           <a:p>
-            <a:pPr lvl="1"/>
+            <a:pPr lvl="0"/>
             <a:r>
               <a:rPr/>
               <a:t>for python we do this with pip packages</a:t>
             </a:r>
           </a:p>
           <a:p>
-            <a:pPr lvl="1"/>
+            <a:pPr lvl="0"/>
             <a:r>
               <a:rPr/>
               <a:t>installing instrumentation</a:t>
             </a:r>
           </a:p>
           <a:p>
-            <a:pPr lvl="1"/>
+            <a:pPr lvl="0"/>
             <a:r>
               <a:rPr/>
               <a:t>some instrumentation is automatic with the SDK, some is custom</a:t>
@@ -4144,7 +3883,7 @@
           <a:bodyPr/>
           <a:lstStyle/>
           <a:p>
-            <a:pPr lvl="0" marL="0" indent="0">
+            <a:pPr lvl="0" indent="0" marL="0">
               <a:buNone/>
             </a:pPr>
             <a:r>
@@ -4187,7 +3926,7 @@
             </a:r>
           </a:p>
           <a:p>
-            <a:pPr lvl="1"/>
+            <a:pPr lvl="0"/>
             <a:r>
               <a:rPr/>
               <a:t>then run </a:t>
@@ -4238,7 +3977,7 @@
           <a:bodyPr/>
           <a:lstStyle/>
           <a:p>
-            <a:pPr lvl="0" marL="0" indent="0">
+            <a:pPr lvl="0" indent="0" marL="0">
               <a:buNone/>
             </a:pPr>
             <a:r>
@@ -4267,10 +4006,19 @@
               <a:buNone/>
             </a:pPr>
             <a:r>
-              <a:rPr>
-                <a:latin typeface="Courier"/>
-              </a:rPr>
-              <a:t>import logging</a:t>
+              <a:rPr b="1">
+                <a:solidFill>
+                  <a:srgbClr val="008000"/>
+                </a:solidFill>
+                <a:latin typeface="Courier"/>
+              </a:rPr>
+              <a:t>import</a:t>
+            </a:r>
+            <a:r>
+              <a:rPr>
+                <a:latin typeface="Courier"/>
+              </a:rPr>
+              <a:t> logging</a:t>
             </a:r>
             <a:br/>
             <a:r>
@@ -4385,7 +4133,7 @@
             </a:r>
           </a:p>
           <a:p>
-            <a:pPr lvl="1"/>
+            <a:pPr lvl="0"/>
             <a:r>
               <a:rPr/>
               <a:t>built in to python</a:t>
@@ -4430,20 +4178,12 @@
           <a:bodyPr/>
           <a:lstStyle/>
           <a:p>
-            <a:pPr lvl="0" marL="0" indent="0">
+            <a:pPr lvl="0" indent="0" marL="0">
               <a:buNone/>
             </a:pPr>
             <a:r>
               <a:rPr/>
-              <a:t>Logger</a:t>
-            </a:r>
-            <a:r>
-              <a:rPr/>
-              <a:t> </a:t>
-            </a:r>
-            <a:r>
-              <a:rPr/>
-              <a:t>Provider</a:t>
+              <a:t>Logger Provider</a:t>
             </a:r>
           </a:p>
         </p:txBody>
@@ -4464,8 +4204,8 @@
         </p:blipFill>
         <p:spPr bwMode="auto">
           <a:xfrm>
-            <a:off x="457200" y="1866900"/>
-            <a:ext cx="8229600" cy="3479800"/>
+            <a:off x="1168400" y="1193800"/>
+            <a:ext cx="6807200" cy="2882900"/>
           </a:xfrm>
           <a:prstGeom prst="rect">
             <a:avLst/>
@@ -4486,7 +4226,7 @@
         </p:nvSpPr>
         <p:spPr>
           <a:xfrm>
-            <a:off x="457200" y="5613400"/>
+            <a:off x="457200" y="4076700"/>
             <a:ext cx="8229600" cy="508000"/>
           </a:xfrm>
           <a:prstGeom prst="rect">
@@ -4498,28 +4238,12 @@
           <a:bodyPr/>
           <a:lstStyle/>
           <a:p>
-            <a:pPr lvl="0" marL="0" indent="0" algn="ctr">
+            <a:pPr lvl="0" indent="0" marL="0" algn="ctr">
               <a:buNone/>
             </a:pPr>
             <a:r>
               <a:rPr/>
-              <a:t>The</a:t>
-            </a:r>
-            <a:r>
-              <a:rPr/>
-              <a:t> </a:t>
-            </a:r>
-            <a:r>
-              <a:rPr/>
-              <a:t>LoggerProvider</a:t>
-            </a:r>
-            <a:r>
-              <a:rPr/>
-              <a:t> </a:t>
-            </a:r>
-            <a:r>
-              <a:rPr/>
-              <a:t>framework</a:t>
+              <a:t>The LoggerProvider framework</a:t>
             </a:r>
           </a:p>
         </p:txBody>
@@ -4561,20 +4285,12 @@
           <a:bodyPr/>
           <a:lstStyle/>
           <a:p>
-            <a:pPr lvl="0" marL="0" indent="0">
+            <a:pPr lvl="0" indent="0" marL="0">
               <a:buNone/>
             </a:pPr>
             <a:r>
               <a:rPr/>
-              <a:t>custom</a:t>
-            </a:r>
-            <a:r>
-              <a:rPr/>
-              <a:t> </a:t>
-            </a:r>
-            <a:r>
-              <a:rPr/>
-              <a:t>traces</a:t>
+              <a:t>custom traces</a:t>
             </a:r>
           </a:p>
         </p:txBody>
@@ -4598,10 +4314,34 @@
               <a:buNone/>
             </a:pPr>
             <a:r>
-              <a:rPr>
-                <a:latin typeface="Courier"/>
-              </a:rPr>
-              <a:t>from opentelemetry import trace</a:t>
+              <a:rPr b="1">
+                <a:solidFill>
+                  <a:srgbClr val="008000"/>
+                </a:solidFill>
+                <a:latin typeface="Courier"/>
+              </a:rPr>
+              <a:t>from</a:t>
+            </a:r>
+            <a:r>
+              <a:rPr>
+                <a:latin typeface="Courier"/>
+              </a:rPr>
+              <a:t> opentelemetry </a:t>
+            </a:r>
+            <a:r>
+              <a:rPr b="1">
+                <a:solidFill>
+                  <a:srgbClr val="008000"/>
+                </a:solidFill>
+                <a:latin typeface="Courier"/>
+              </a:rPr>
+              <a:t>import</a:t>
+            </a:r>
+            <a:r>
+              <a:rPr>
+                <a:latin typeface="Courier"/>
+              </a:rPr>
+              <a:t> trace</a:t>
             </a:r>
             <a:br/>
             <a:br/>
@@ -4680,7 +4420,22 @@
               <a:rPr>
                 <a:latin typeface="Courier"/>
               </a:rPr>
-              <a:t>) as rollspan:</a:t>
+              <a:t>) </a:t>
+            </a:r>
+            <a:r>
+              <a:rPr b="1">
+                <a:solidFill>
+                  <a:srgbClr val="008000"/>
+                </a:solidFill>
+                <a:latin typeface="Courier"/>
+              </a:rPr>
+              <a:t>as</a:t>
+            </a:r>
+            <a:r>
+              <a:rPr>
+                <a:latin typeface="Courier"/>
+              </a:rPr>
+              <a:t> rollspan:</a:t>
             </a:r>
             <a:br/>
             <a:r>
@@ -4759,7 +4514,7 @@
           <a:bodyPr/>
           <a:lstStyle/>
           <a:p>
-            <a:pPr lvl="0" marL="0" indent="0">
+            <a:pPr lvl="0" indent="0" marL="0">
               <a:buNone/>
             </a:pPr>
             <a:r>
@@ -4784,35 +4539,35 @@
           <a:bodyPr/>
           <a:lstStyle/>
           <a:p>
-            <a:pPr lvl="1"/>
+            <a:pPr lvl="0"/>
             <a:r>
               <a:rPr/>
               <a:t>Review database lab</a:t>
             </a:r>
           </a:p>
           <a:p>
-            <a:pPr lvl="1"/>
+            <a:pPr lvl="0"/>
             <a:r>
               <a:rPr/>
               <a:t>Introduce the Challenge/Activity</a:t>
             </a:r>
           </a:p>
           <a:p>
-            <a:pPr lvl="1"/>
+            <a:pPr lvl="0"/>
             <a:r>
               <a:rPr/>
               <a:t>Theory to support learning outcomes and the Activity</a:t>
             </a:r>
           </a:p>
           <a:p>
-            <a:pPr lvl="1"/>
+            <a:pPr lvl="0"/>
             <a:r>
               <a:rPr/>
               <a:t>Initial demo of activity</a:t>
             </a:r>
           </a:p>
           <a:p>
-            <a:pPr lvl="0" marL="0" indent="0">
+            <a:pPr lvl="0" indent="0" marL="0">
               <a:buNone/>
             </a:pPr>
             <a:r>
@@ -4859,20 +4614,12 @@
           <a:bodyPr/>
           <a:lstStyle/>
           <a:p>
-            <a:pPr lvl="0" marL="0" indent="0">
+            <a:pPr lvl="0" indent="0" marL="0">
               <a:buNone/>
             </a:pPr>
             <a:r>
               <a:rPr/>
-              <a:t>Tracer</a:t>
-            </a:r>
-            <a:r>
-              <a:rPr/>
-              <a:t> </a:t>
-            </a:r>
-            <a:r>
-              <a:rPr/>
-              <a:t>Provider</a:t>
+              <a:t>Tracer Provider</a:t>
             </a:r>
           </a:p>
         </p:txBody>
@@ -4893,8 +4640,8 @@
         </p:blipFill>
         <p:spPr bwMode="auto">
           <a:xfrm>
-            <a:off x="1155700" y="1600200"/>
-            <a:ext cx="6819900" cy="4013200"/>
+            <a:off x="2120900" y="1193800"/>
+            <a:ext cx="4902200" cy="2882900"/>
           </a:xfrm>
           <a:prstGeom prst="rect">
             <a:avLst/>
@@ -4915,7 +4662,7 @@
         </p:nvSpPr>
         <p:spPr>
           <a:xfrm>
-            <a:off x="457200" y="5613400"/>
+            <a:off x="457200" y="4076700"/>
             <a:ext cx="8229600" cy="508000"/>
           </a:xfrm>
           <a:prstGeom prst="rect">
@@ -4927,28 +4674,12 @@
           <a:bodyPr/>
           <a:lstStyle/>
           <a:p>
-            <a:pPr lvl="0" marL="0" indent="0" algn="ctr">
+            <a:pPr lvl="0" indent="0" marL="0" algn="ctr">
               <a:buNone/>
             </a:pPr>
             <a:r>
               <a:rPr/>
-              <a:t>The</a:t>
-            </a:r>
-            <a:r>
-              <a:rPr/>
-              <a:t> </a:t>
-            </a:r>
-            <a:r>
-              <a:rPr/>
-              <a:t>TracerProvider</a:t>
-            </a:r>
-            <a:r>
-              <a:rPr/>
-              <a:t> </a:t>
-            </a:r>
-            <a:r>
-              <a:rPr/>
-              <a:t>framework</a:t>
+              <a:t>The TracerProvider framework</a:t>
             </a:r>
           </a:p>
         </p:txBody>
@@ -4990,20 +4721,12 @@
           <a:bodyPr/>
           <a:lstStyle/>
           <a:p>
-            <a:pPr lvl="0" marL="0" indent="0">
+            <a:pPr lvl="0" indent="0" marL="0">
               <a:buNone/>
             </a:pPr>
             <a:r>
               <a:rPr/>
-              <a:t>custom</a:t>
-            </a:r>
-            <a:r>
-              <a:rPr/>
-              <a:t> </a:t>
-            </a:r>
-            <a:r>
-              <a:rPr/>
-              <a:t>metrics</a:t>
+              <a:t>custom metrics</a:t>
             </a:r>
           </a:p>
         </p:txBody>
@@ -5027,10 +4750,34 @@
               <a:buNone/>
             </a:pPr>
             <a:r>
-              <a:rPr>
-                <a:latin typeface="Courier"/>
-              </a:rPr>
-              <a:t>from opentelemetry import metrics</a:t>
+              <a:rPr b="1">
+                <a:solidFill>
+                  <a:srgbClr val="008000"/>
+                </a:solidFill>
+                <a:latin typeface="Courier"/>
+              </a:rPr>
+              <a:t>from</a:t>
+            </a:r>
+            <a:r>
+              <a:rPr>
+                <a:latin typeface="Courier"/>
+              </a:rPr>
+              <a:t> opentelemetry </a:t>
+            </a:r>
+            <a:r>
+              <a:rPr b="1">
+                <a:solidFill>
+                  <a:srgbClr val="008000"/>
+                </a:solidFill>
+                <a:latin typeface="Courier"/>
+              </a:rPr>
+              <a:t>import</a:t>
+            </a:r>
+            <a:r>
+              <a:rPr>
+                <a:latin typeface="Courier"/>
+              </a:rPr>
+              <a:t> metrics</a:t>
             </a:r>
             <a:br/>
             <a:r>
@@ -5253,20 +5000,12 @@
           <a:bodyPr/>
           <a:lstStyle/>
           <a:p>
-            <a:pPr lvl="0" marL="0" indent="0">
+            <a:pPr lvl="0" indent="0" marL="0">
               <a:buNone/>
             </a:pPr>
             <a:r>
               <a:rPr/>
-              <a:t>Meter</a:t>
-            </a:r>
-            <a:r>
-              <a:rPr/>
-              <a:t> </a:t>
-            </a:r>
-            <a:r>
-              <a:rPr/>
-              <a:t>Provider</a:t>
+              <a:t>Meter Provider</a:t>
             </a:r>
           </a:p>
         </p:txBody>
@@ -5287,8 +5026,8 @@
         </p:blipFill>
         <p:spPr bwMode="auto">
           <a:xfrm>
-            <a:off x="1155700" y="1600200"/>
-            <a:ext cx="6819900" cy="4013200"/>
+            <a:off x="2120900" y="1193800"/>
+            <a:ext cx="4902200" cy="2882900"/>
           </a:xfrm>
           <a:prstGeom prst="rect">
             <a:avLst/>
@@ -5309,7 +5048,7 @@
         </p:nvSpPr>
         <p:spPr>
           <a:xfrm>
-            <a:off x="457200" y="5613400"/>
+            <a:off x="457200" y="4076700"/>
             <a:ext cx="8229600" cy="508000"/>
           </a:xfrm>
           <a:prstGeom prst="rect">
@@ -5321,28 +5060,12 @@
           <a:bodyPr/>
           <a:lstStyle/>
           <a:p>
-            <a:pPr lvl="0" marL="0" indent="0" algn="ctr">
+            <a:pPr lvl="0" indent="0" marL="0" algn="ctr">
               <a:buNone/>
             </a:pPr>
             <a:r>
               <a:rPr/>
-              <a:t>The</a:t>
-            </a:r>
-            <a:r>
-              <a:rPr/>
-              <a:t> </a:t>
-            </a:r>
-            <a:r>
-              <a:rPr/>
-              <a:t>MeterProvider</a:t>
-            </a:r>
-            <a:r>
-              <a:rPr/>
-              <a:t> </a:t>
-            </a:r>
-            <a:r>
-              <a:rPr/>
-              <a:t>framework</a:t>
+              <a:t>The MeterProvider framework</a:t>
             </a:r>
           </a:p>
         </p:txBody>
@@ -5384,7 +5107,7 @@
           <a:bodyPr/>
           <a:lstStyle/>
           <a:p>
-            <a:pPr lvl="0" marL="0" indent="0">
+            <a:pPr lvl="0" indent="0" marL="0">
               <a:buNone/>
             </a:pPr>
             <a:r>
@@ -5409,21 +5132,21 @@
           <a:bodyPr/>
           <a:lstStyle/>
           <a:p>
-            <a:pPr lvl="1"/>
+            <a:pPr lvl="0"/>
             <a:r>
               <a:rPr/>
               <a:t>work required to reinstrument a large system a form of vendor lock-in</a:t>
             </a:r>
           </a:p>
           <a:p>
-            <a:pPr lvl="1"/>
+            <a:pPr lvl="0"/>
             <a:r>
               <a:rPr/>
               <a:t>advantage of OpenTelemetry is that once it’s done</a:t>
             </a:r>
           </a:p>
           <a:p>
-            <a:pPr lvl="1"/>
+            <a:pPr lvl="0"/>
             <a:r>
               <a:rPr/>
               <a:t>OpenTelemetry is a standard that works with every observability system.</a:t>
@@ -5468,44 +5191,12 @@
           <a:bodyPr/>
           <a:lstStyle/>
           <a:p>
-            <a:pPr lvl="0" marL="0" indent="0">
+            <a:pPr lvl="0" indent="0" marL="0">
               <a:buNone/>
             </a:pPr>
             <a:r>
               <a:rPr/>
-              <a:t>Otel</a:t>
-            </a:r>
-            <a:r>
-              <a:rPr/>
-              <a:t> </a:t>
-            </a:r>
-            <a:r>
-              <a:rPr/>
-              <a:t>Collector</a:t>
-            </a:r>
-            <a:r>
-              <a:rPr/>
-              <a:t> </a:t>
-            </a:r>
-            <a:r>
-              <a:rPr/>
-              <a:t>for</a:t>
-            </a:r>
-            <a:r>
-              <a:rPr/>
-              <a:t> </a:t>
-            </a:r>
-            <a:r>
-              <a:rPr/>
-              <a:t>Database</a:t>
-            </a:r>
-            <a:r>
-              <a:rPr/>
-              <a:t> </a:t>
-            </a:r>
-            <a:r>
-              <a:rPr/>
-              <a:t>(R)</a:t>
+              <a:t>Otel Collector for Database (R)</a:t>
             </a:r>
           </a:p>
         </p:txBody>
@@ -5788,44 +5479,12 @@
           <a:bodyPr/>
           <a:lstStyle/>
           <a:p>
-            <a:pPr lvl="0" marL="0" indent="0">
+            <a:pPr lvl="0" indent="0" marL="0">
               <a:buNone/>
             </a:pPr>
             <a:r>
               <a:rPr/>
-              <a:t>Otel</a:t>
-            </a:r>
-            <a:r>
-              <a:rPr/>
-              <a:t> </a:t>
-            </a:r>
-            <a:r>
-              <a:rPr/>
-              <a:t>Collector</a:t>
-            </a:r>
-            <a:r>
-              <a:rPr/>
-              <a:t> </a:t>
-            </a:r>
-            <a:r>
-              <a:rPr/>
-              <a:t>for</a:t>
-            </a:r>
-            <a:r>
-              <a:rPr/>
-              <a:t> </a:t>
-            </a:r>
-            <a:r>
-              <a:rPr/>
-              <a:t>Database</a:t>
-            </a:r>
-            <a:r>
-              <a:rPr/>
-              <a:t> </a:t>
-            </a:r>
-            <a:r>
-              <a:rPr/>
-              <a:t>(E)</a:t>
+              <a:t>Otel Collector for Database (E)</a:t>
             </a:r>
           </a:p>
         </p:txBody>
@@ -6080,36 +5739,12 @@
           <a:bodyPr/>
           <a:lstStyle/>
           <a:p>
-            <a:pPr lvl="0" marL="0" indent="0">
+            <a:pPr lvl="0" indent="0" marL="0">
               <a:buNone/>
             </a:pPr>
             <a:r>
               <a:rPr/>
-              <a:t>Monolithic</a:t>
-            </a:r>
-            <a:r>
-              <a:rPr/>
-              <a:t> </a:t>
-            </a:r>
-            <a:r>
-              <a:rPr/>
-              <a:t>white</a:t>
-            </a:r>
-            <a:r>
-              <a:rPr/>
-              <a:t> </a:t>
-            </a:r>
-            <a:r>
-              <a:rPr/>
-              <a:t>box</a:t>
-            </a:r>
-            <a:r>
-              <a:rPr/>
-              <a:t> </a:t>
-            </a:r>
-            <a:r>
-              <a:rPr/>
-              <a:t>Challenge</a:t>
+              <a:t>Monolithic white box Challenge</a:t>
             </a:r>
           </a:p>
         </p:txBody>
@@ -6129,7 +5764,7 @@
           <a:bodyPr/>
           <a:lstStyle/>
           <a:p>
-            <a:pPr lvl="1"/>
+            <a:pPr lvl="0"/>
             <a:r>
               <a:rPr/>
               <a:t>Create a codespace from this </a:t>
@@ -6146,7 +5781,7 @@
             </a:r>
           </a:p>
           <a:p>
-            <a:pPr lvl="1"/>
+            <a:pPr lvl="0"/>
             <a:r>
               <a:rPr/>
               <a:t>Start with, “Create and launch an HTTP Server,” in </a:t>
@@ -6159,7 +5794,7 @@
             </a:r>
           </a:p>
           <a:p>
-            <a:pPr lvl="1"/>
+            <a:pPr lvl="0"/>
             <a:r>
               <a:rPr/>
               <a:t>When you are done submit the output from the </a:t>
@@ -6214,20 +5849,12 @@
           <a:bodyPr/>
           <a:lstStyle/>
           <a:p>
-            <a:pPr lvl="0" marL="0" indent="0">
+            <a:pPr lvl="0" indent="0" marL="0">
               <a:buNone/>
             </a:pPr>
             <a:r>
               <a:rPr/>
-              <a:t>Learning</a:t>
-            </a:r>
-            <a:r>
-              <a:rPr/>
-              <a:t> </a:t>
-            </a:r>
-            <a:r>
-              <a:rPr/>
-              <a:t>Outcomes</a:t>
+              <a:t>Learning Outcomes</a:t>
             </a:r>
           </a:p>
         </p:txBody>
@@ -6247,21 +5874,21 @@
           <a:bodyPr/>
           <a:lstStyle/>
           <a:p>
-            <a:pPr lvl="1"/>
+            <a:pPr lvl="0"/>
             <a:r>
               <a:rPr/>
               <a:t>Support traces in a monolithic app by instrumenting so that code traces are available for troubleshooting.</a:t>
             </a:r>
           </a:p>
           <a:p>
-            <a:pPr lvl="1"/>
+            <a:pPr lvl="0"/>
             <a:r>
               <a:rPr/>
               <a:t>Measure REDS metrics in monolithic app by adding and incrementing the appropriate counters.</a:t>
             </a:r>
           </a:p>
           <a:p>
-            <a:pPr lvl="1"/>
+            <a:pPr lvl="0"/>
             <a:r>
               <a:rPr/>
               <a:t>Integrate language logs by turning them into open telemetry loggers.</a:t>
@@ -6306,20 +5933,12 @@
           <a:bodyPr/>
           <a:lstStyle/>
           <a:p>
-            <a:pPr lvl="0" marL="0" indent="0">
+            <a:pPr lvl="0" indent="0" marL="0">
               <a:buNone/>
             </a:pPr>
             <a:r>
               <a:rPr/>
-              <a:t>Observability</a:t>
-            </a:r>
-            <a:r>
-              <a:rPr/>
-              <a:t> </a:t>
-            </a:r>
-            <a:r>
-              <a:rPr/>
-              <a:t>Pipelines</a:t>
+              <a:t>Observability Pipelines</a:t>
             </a:r>
           </a:p>
         </p:txBody>
@@ -6339,7 +5958,7 @@
           <a:bodyPr/>
           <a:lstStyle/>
           <a:p>
-            <a:pPr lvl="0" marL="1270000" indent="0">
+            <a:pPr lvl="0" indent="0" marL="1270000">
               <a:buNone/>
             </a:pPr>
             <a:r>
@@ -6348,14 +5967,14 @@
             </a:r>
           </a:p>
           <a:p>
-            <a:pPr lvl="1"/>
+            <a:pPr lvl="0"/>
             <a:r>
               <a:rPr/>
               <a:t>having said that the semantics of what we push are important</a:t>
             </a:r>
           </a:p>
           <a:p>
-            <a:pPr lvl="1"/>
+            <a:pPr lvl="0"/>
             <a:r>
               <a:rPr/>
               <a:t>chapter 3 covers this in some depth</a:t>
@@ -6400,20 +6019,12 @@
           <a:bodyPr/>
           <a:lstStyle/>
           <a:p>
-            <a:pPr lvl="0" marL="0" indent="0">
+            <a:pPr lvl="0" indent="0" marL="0">
               <a:buNone/>
             </a:pPr>
             <a:r>
               <a:rPr/>
-              <a:t>Pipeline</a:t>
-            </a:r>
-            <a:r>
-              <a:rPr/>
-              <a:t> </a:t>
-            </a:r>
-            <a:r>
-              <a:rPr/>
-              <a:t>Semantics</a:t>
+              <a:t>Pipeline Semantics</a:t>
             </a:r>
           </a:p>
         </p:txBody>
@@ -6433,21 +6044,21 @@
           <a:bodyPr/>
           <a:lstStyle/>
           <a:p>
-            <a:pPr lvl="1"/>
+            <a:pPr lvl="0"/>
             <a:r>
               <a:rPr/>
               <a:t>signals are logs, traces and metrics</a:t>
             </a:r>
           </a:p>
           <a:p>
-            <a:pPr lvl="1"/>
+            <a:pPr lvl="0"/>
             <a:r>
               <a:rPr/>
               <a:t>add new signals like sessions in the Future</a:t>
             </a:r>
           </a:p>
           <a:p>
-            <a:pPr lvl="1"/>
+            <a:pPr lvl="0"/>
             <a:r>
               <a:rPr/>
               <a:t>signals have attributes</a:t>
@@ -6492,58 +6103,171 @@
           <a:bodyPr/>
           <a:lstStyle/>
           <a:p>
-            <a:pPr lvl="0" marL="0" indent="0">
+            <a:pPr lvl="0" indent="0" marL="0">
               <a:buNone/>
             </a:pPr>
             <a:r>
               <a:rPr/>
-              <a:t>Attributes</a:t>
-            </a:r>
-            <a:r>
-              <a:rPr/>
+              <a:t>Attributes (from the sqlquery)</a:t>
+            </a:r>
+          </a:p>
+        </p:txBody>
+      </p:sp>
+      <p:sp>
+        <p:nvSpPr>
+          <p:cNvPr id="3" name="Content Placeholder 2"/>
+          <p:cNvSpPr>
+            <a:spLocks noGrp="1"/>
+          </p:cNvSpPr>
+          <p:nvPr>
+            <p:ph idx="1"/>
+          </p:nvPr>
+        </p:nvSpPr>
+        <p:spPr/>
+        <p:txBody>
+          <a:bodyPr/>
+          <a:lstStyle/>
+          <a:p>
+            <a:pPr lvl="0" indent="0">
+              <a:buNone/>
+            </a:pPr>
+            <a:r>
+              <a:rPr>
+                <a:solidFill>
+                  <a:srgbClr val="7D9029"/>
+                </a:solidFill>
+                <a:latin typeface="Courier"/>
+              </a:rPr>
+              <a:t>      </a:t>
+            </a:r>
+            <a:r>
+              <a:rPr b="1">
+                <a:solidFill>
+                  <a:srgbClr val="007020"/>
+                </a:solidFill>
+                <a:latin typeface="Courier"/>
+              </a:rPr>
+              <a:t>-</a:t>
+            </a:r>
+            <a:r>
+              <a:rPr>
+                <a:solidFill>
+                  <a:srgbClr val="7D9029"/>
+                </a:solidFill>
+                <a:latin typeface="Courier"/>
+              </a:rPr>
               <a:t> </a:t>
             </a:r>
             <a:r>
-              <a:rPr/>
-              <a:t>(from</a:t>
-            </a:r>
-            <a:r>
-              <a:rPr/>
+              <a:rPr>
+                <a:solidFill>
+                  <a:srgbClr val="06287E"/>
+                </a:solidFill>
+                <a:latin typeface="Courier"/>
+              </a:rPr>
+              <a:t>sql</a:t>
+            </a:r>
+            <a:r>
+              <a:rPr b="1">
+                <a:solidFill>
+                  <a:srgbClr val="007020"/>
+                </a:solidFill>
+                <a:latin typeface="Courier"/>
+              </a:rPr>
+              <a:t>:</a:t>
+            </a:r>
+            <a:r>
+              <a:rPr>
+                <a:solidFill>
+                  <a:srgbClr val="7D9029"/>
+                </a:solidFill>
+                <a:latin typeface="Courier"/>
+              </a:rPr>
               <a:t> </a:t>
             </a:r>
             <a:r>
-              <a:rPr/>
-              <a:t>the</a:t>
-            </a:r>
-            <a:r>
-              <a:rPr/>
+              <a:rPr>
+                <a:solidFill>
+                  <a:srgbClr val="4070A0"/>
+                </a:solidFill>
+                <a:latin typeface="Courier"/>
+              </a:rPr>
+              <a:t>"SELECT sum(xact_rollback) as count_test FROM pg_stat_database; "</a:t>
+            </a:r>
+            <a:br/>
+            <a:r>
+              <a:rPr>
+                <a:solidFill>
+                  <a:srgbClr val="7D9029"/>
+                </a:solidFill>
+                <a:latin typeface="Courier"/>
+              </a:rPr>
+              <a:t>        </a:t>
+            </a:r>
+            <a:r>
+              <a:rPr>
+                <a:solidFill>
+                  <a:srgbClr val="06287E"/>
+                </a:solidFill>
+                <a:latin typeface="Courier"/>
+              </a:rPr>
+              <a:t>metrics</a:t>
+            </a:r>
+            <a:r>
+              <a:rPr b="1">
+                <a:solidFill>
+                  <a:srgbClr val="007020"/>
+                </a:solidFill>
+                <a:latin typeface="Courier"/>
+              </a:rPr>
+              <a:t>:</a:t>
+            </a:r>
+            <a:br/>
+            <a:r>
+              <a:rPr>
+                <a:solidFill>
+                  <a:srgbClr val="7D9029"/>
+                </a:solidFill>
+                <a:latin typeface="Courier"/>
+              </a:rPr>
+              <a:t>          </a:t>
+            </a:r>
+            <a:r>
+              <a:rPr b="1">
+                <a:solidFill>
+                  <a:srgbClr val="007020"/>
+                </a:solidFill>
+                <a:latin typeface="Courier"/>
+              </a:rPr>
+              <a:t>-</a:t>
+            </a:r>
+            <a:r>
+              <a:rPr>
+                <a:solidFill>
+                  <a:srgbClr val="7D9029"/>
+                </a:solidFill>
+                <a:latin typeface="Courier"/>
+              </a:rPr>
               <a:t> </a:t>
             </a:r>
             <a:r>
-              <a:rPr/>
-              <a:t>sqlquery)</a:t>
-            </a:r>
-          </a:p>
-        </p:txBody>
-      </p:sp>
-      <p:sp>
-        <p:nvSpPr>
-          <p:cNvPr id="3" name="Content Placeholder 2"/>
-          <p:cNvSpPr>
-            <a:spLocks noGrp="1"/>
-          </p:cNvSpPr>
-          <p:nvPr>
-            <p:ph idx="1"/>
-          </p:nvPr>
-        </p:nvSpPr>
-        <p:spPr/>
-        <p:txBody>
-          <a:bodyPr/>
-          <a:lstStyle/>
-          <a:p>
-            <a:pPr lvl="0" indent="0">
-              <a:buNone/>
-            </a:pPr>
+              <a:rPr>
+                <a:solidFill>
+                  <a:srgbClr val="06287E"/>
+                </a:solidFill>
+                <a:latin typeface="Courier"/>
+              </a:rPr>
+              <a:t>metric_name</a:t>
+            </a:r>
+            <a:r>
+              <a:rPr b="1">
+                <a:solidFill>
+                  <a:srgbClr val="007020"/>
+                </a:solidFill>
+                <a:latin typeface="Courier"/>
+              </a:rPr>
+              <a:t>:</a:t>
+            </a:r>
             <a:r>
               <a:rPr>
                 <a:solidFill>
@@ -6551,7 +6275,35 @@
                 </a:solidFill>
                 <a:latin typeface="Courier"/>
               </a:rPr>
-              <a:t>      </a:t>
+              <a:t> query_errors</a:t>
+            </a:r>
+            <a:r>
+              <a:rPr i="1">
+                <a:solidFill>
+                  <a:srgbClr val="60A0B0"/>
+                </a:solidFill>
+                <a:latin typeface="Courier"/>
+              </a:rPr>
+              <a:t> # E from REDS</a:t>
+            </a:r>
+            <a:br/>
+            <a:r>
+              <a:rPr>
+                <a:solidFill>
+                  <a:srgbClr val="7D9029"/>
+                </a:solidFill>
+                <a:latin typeface="Courier"/>
+              </a:rPr>
+              <a:t>            </a:t>
+            </a:r>
+            <a:r>
+              <a:rPr>
+                <a:solidFill>
+                  <a:srgbClr val="06287E"/>
+                </a:solidFill>
+                <a:latin typeface="Courier"/>
+              </a:rPr>
+              <a:t>value_column</a:t>
             </a:r>
             <a:r>
               <a:rPr b="1">
@@ -6560,7 +6312,7 @@
                 </a:solidFill>
                 <a:latin typeface="Courier"/>
               </a:rPr>
-              <a:t>-</a:t>
+              <a:t>:</a:t>
             </a:r>
             <a:r>
               <a:rPr>
@@ -6569,176 +6321,11 @@
                 </a:solidFill>
                 <a:latin typeface="Courier"/>
               </a:rPr>
-              <a:t> </a:t>
-            </a:r>
-            <a:r>
-              <a:rPr>
-                <a:solidFill>
-                  <a:srgbClr val="06287E"/>
-                </a:solidFill>
-                <a:latin typeface="Courier"/>
-              </a:rPr>
-              <a:t>sql</a:t>
-            </a:r>
-            <a:r>
-              <a:rPr b="1">
-                <a:solidFill>
-                  <a:srgbClr val="007020"/>
-                </a:solidFill>
-                <a:latin typeface="Courier"/>
-              </a:rPr>
-              <a:t>:</a:t>
-            </a:r>
-            <a:r>
-              <a:rPr>
-                <a:solidFill>
-                  <a:srgbClr val="7D9029"/>
-                </a:solidFill>
-                <a:latin typeface="Courier"/>
-              </a:rPr>
-              <a:t> </a:t>
-            </a:r>
-            <a:r>
-              <a:rPr>
-                <a:solidFill>
-                  <a:srgbClr val="4070A0"/>
-                </a:solidFill>
-                <a:latin typeface="Courier"/>
-              </a:rPr>
-              <a:t>"SELECT sum(xact_rollback) as count_test FROM pg_stat_database; "</a:t>
-            </a:r>
-            <a:br/>
-            <a:r>
-              <a:rPr>
-                <a:solidFill>
-                  <a:srgbClr val="7D9029"/>
-                </a:solidFill>
-                <a:latin typeface="Courier"/>
-              </a:rPr>
-              <a:t>        </a:t>
-            </a:r>
-            <a:r>
-              <a:rPr>
-                <a:solidFill>
-                  <a:srgbClr val="06287E"/>
-                </a:solidFill>
-                <a:latin typeface="Courier"/>
-              </a:rPr>
-              <a:t>metrics</a:t>
-            </a:r>
-            <a:r>
-              <a:rPr b="1">
-                <a:solidFill>
-                  <a:srgbClr val="007020"/>
-                </a:solidFill>
-                <a:latin typeface="Courier"/>
-              </a:rPr>
-              <a:t>:</a:t>
-            </a:r>
-            <a:br/>
-            <a:r>
-              <a:rPr>
-                <a:solidFill>
-                  <a:srgbClr val="7D9029"/>
-                </a:solidFill>
-                <a:latin typeface="Courier"/>
-              </a:rPr>
-              <a:t>          </a:t>
-            </a:r>
-            <a:r>
-              <a:rPr b="1">
-                <a:solidFill>
-                  <a:srgbClr val="007020"/>
-                </a:solidFill>
-                <a:latin typeface="Courier"/>
-              </a:rPr>
-              <a:t>-</a:t>
-            </a:r>
-            <a:r>
-              <a:rPr>
-                <a:solidFill>
-                  <a:srgbClr val="7D9029"/>
-                </a:solidFill>
-                <a:latin typeface="Courier"/>
-              </a:rPr>
-              <a:t> </a:t>
-            </a:r>
-            <a:r>
-              <a:rPr>
-                <a:solidFill>
-                  <a:srgbClr val="06287E"/>
-                </a:solidFill>
-                <a:latin typeface="Courier"/>
-              </a:rPr>
-              <a:t>metric_name</a:t>
-            </a:r>
-            <a:r>
-              <a:rPr b="1">
-                <a:solidFill>
-                  <a:srgbClr val="007020"/>
-                </a:solidFill>
-                <a:latin typeface="Courier"/>
-              </a:rPr>
-              <a:t>:</a:t>
-            </a:r>
-            <a:r>
-              <a:rPr>
-                <a:solidFill>
-                  <a:srgbClr val="7D9029"/>
-                </a:solidFill>
-                <a:latin typeface="Courier"/>
-              </a:rPr>
-              <a:t> query_errors</a:t>
-            </a:r>
-            <a:r>
-              <a:rPr i="1">
-                <a:solidFill>
-                  <a:srgbClr val="60A0B0"/>
-                </a:solidFill>
-                <a:latin typeface="Courier"/>
-              </a:rPr>
-              <a:t> # E from REDS</a:t>
-            </a:r>
-            <a:br/>
-            <a:r>
-              <a:rPr>
-                <a:solidFill>
-                  <a:srgbClr val="7D9029"/>
-                </a:solidFill>
-                <a:latin typeface="Courier"/>
-              </a:rPr>
-              <a:t>            </a:t>
-            </a:r>
-            <a:r>
-              <a:rPr>
-                <a:solidFill>
-                  <a:srgbClr val="06287E"/>
-                </a:solidFill>
-                <a:latin typeface="Courier"/>
-              </a:rPr>
-              <a:t>value_column</a:t>
-            </a:r>
-            <a:r>
-              <a:rPr b="1">
-                <a:solidFill>
-                  <a:srgbClr val="007020"/>
-                </a:solidFill>
-                <a:latin typeface="Courier"/>
-              </a:rPr>
-              <a:t>:</a:t>
-            </a:r>
-            <a:r>
-              <a:rPr>
-                <a:solidFill>
-                  <a:srgbClr val="7D9029"/>
-                </a:solidFill>
-                <a:latin typeface="Courier"/>
-              </a:rPr>
               <a:t> count_test</a:t>
             </a:r>
           </a:p>
           <a:p>
-            <a:pPr lvl="1"/>
+            <a:pPr lvl="0"/>
             <a:r>
               <a:rPr/>
               <a:t>the value_column is count_test but other columns will be stored as attributes</a:t>
@@ -7069,4 +6656,265 @@
   </a:objectDefaults>
   <a:extraClrSchemeLst/>
 </a:theme>
+</file>
+
+<file path=ppt/theme/theme2.xml><?xml version="1.0" encoding="utf-8"?>
+<a:theme xmlns:a="http://schemas.openxmlformats.org/drawingml/2006/main" name="Office Theme">
+  <a:themeElements>
+    <a:clrScheme name="Office">
+      <a:dk1>
+        <a:sysClr val="windowText" lastClr="000000"/>
+      </a:dk1>
+      <a:lt1>
+        <a:sysClr val="window" lastClr="FFFFFF"/>
+      </a:lt1>
+      <a:dk2>
+        <a:srgbClr val="44546A"/>
+      </a:dk2>
+      <a:lt2>
+        <a:srgbClr val="E7E6E6"/>
+      </a:lt2>
+      <a:accent1>
+        <a:srgbClr val="5B9BD5"/>
+      </a:accent1>
+      <a:accent2>
+        <a:srgbClr val="ED7D31"/>
+      </a:accent2>
+      <a:accent3>
+        <a:srgbClr val="A5A5A5"/>
+      </a:accent3>
+      <a:accent4>
+        <a:srgbClr val="FFC000"/>
+      </a:accent4>
+      <a:accent5>
+        <a:srgbClr val="4472C4"/>
+      </a:accent5>
+      <a:accent6>
+        <a:srgbClr val="70AD47"/>
+      </a:accent6>
+      <a:hlink>
+        <a:srgbClr val="0563C1"/>
+      </a:hlink>
+      <a:folHlink>
+        <a:srgbClr val="954F72"/>
+      </a:folHlink>
+    </a:clrScheme>
+    <a:fontScheme name="Office">
+      <a:majorFont>
+        <a:latin typeface="Calibri Light" panose="020F0302020204030204"/>
+        <a:ea typeface=""/>
+        <a:cs typeface=""/>
+        <a:font script="Jpan" typeface="ＭＳ Ｐゴシック"/>
+        <a:font script="Hang" typeface="맑은 고딕"/>
+        <a:font script="Hans" typeface="宋体"/>
+        <a:font script="Hant" typeface="新細明體"/>
+        <a:font script="Arab" typeface="Times New Roman"/>
+        <a:font script="Hebr" typeface="Times New Roman"/>
+        <a:font script="Thai" typeface="Angsana New"/>
+        <a:font script="Ethi" typeface="Nyala"/>
+        <a:font script="Beng" typeface="Vrinda"/>
+        <a:font script="Gujr" typeface="Shruti"/>
+        <a:font script="Khmr" typeface="MoolBoran"/>
+        <a:font script="Knda" typeface="Tunga"/>
+        <a:font script="Guru" typeface="Raavi"/>
+        <a:font script="Cans" typeface="Euphemia"/>
+        <a:font script="Cher" typeface="Plantagenet Cherokee"/>
+        <a:font script="Yiii" typeface="Microsoft Yi Baiti"/>
+        <a:font script="Tibt" typeface="Microsoft Himalaya"/>
+        <a:font script="Thaa" typeface="MV Boli"/>
+        <a:font script="Deva" typeface="Mangal"/>
+        <a:font script="Telu" typeface="Gautami"/>
+        <a:font script="Taml" typeface="Latha"/>
+        <a:font script="Syrc" typeface="Estrangelo Edessa"/>
+        <a:font script="Orya" typeface="Kalinga"/>
+        <a:font script="Mlym" typeface="Kartika"/>
+        <a:font script="Laoo" typeface="DokChampa"/>
+        <a:font script="Sinh" typeface="Iskoola Pota"/>
+        <a:font script="Mong" typeface="Mongolian Baiti"/>
+        <a:font script="Viet" typeface="Times New Roman"/>
+        <a:font script="Uigh" typeface="Microsoft Uighur"/>
+        <a:font script="Geor" typeface="Sylfaen"/>
+      </a:majorFont>
+      <a:minorFont>
+        <a:latin typeface="Calibri" panose="020F0502020204030204"/>
+        <a:ea typeface=""/>
+        <a:cs typeface=""/>
+        <a:font script="Jpan" typeface="ＭＳ Ｐゴシック"/>
+        <a:font script="Hang" typeface="맑은 고딕"/>
+        <a:font script="Hans" typeface="宋体"/>
+        <a:font script="Hant" typeface="新細明體"/>
+        <a:font script="Arab" typeface="Arial"/>
+        <a:font script="Hebr" typeface="Arial"/>
+        <a:font script="Thai" typeface="Cordia New"/>
+        <a:font script="Ethi" typeface="Nyala"/>
+        <a:font script="Beng" typeface="Vrinda"/>
+        <a:font script="Gujr" typeface="Shruti"/>
+        <a:font script="Khmr" typeface="DaunPenh"/>
+        <a:font script="Knda" typeface="Tunga"/>
+        <a:font script="Guru" typeface="Raavi"/>
+        <a:font script="Cans" typeface="Euphemia"/>
+        <a:font script="Cher" typeface="Plantagenet Cherokee"/>
+        <a:font script="Yiii" typeface="Microsoft Yi Baiti"/>
+        <a:font script="Tibt" typeface="Microsoft Himalaya"/>
+        <a:font script="Thaa" typeface="MV Boli"/>
+        <a:font script="Deva" typeface="Mangal"/>
+        <a:font script="Telu" typeface="Gautami"/>
+        <a:font script="Taml" typeface="Latha"/>
+        <a:font script="Syrc" typeface="Estrangelo Edessa"/>
+        <a:font script="Orya" typeface="Kalinga"/>
+        <a:font script="Mlym" typeface="Kartika"/>
+        <a:font script="Laoo" typeface="DokChampa"/>
+        <a:font script="Sinh" typeface="Iskoola Pota"/>
+        <a:font script="Mong" typeface="Mongolian Baiti"/>
+        <a:font script="Viet" typeface="Arial"/>
+        <a:font script="Uigh" typeface="Microsoft Uighur"/>
+        <a:font script="Geor" typeface="Sylfaen"/>
+      </a:minorFont>
+    </a:fontScheme>
+    <a:fmtScheme name="Office">
+      <a:fillStyleLst>
+        <a:solidFill>
+          <a:schemeClr val="phClr"/>
+        </a:solidFill>
+        <a:gradFill rotWithShape="1">
+          <a:gsLst>
+            <a:gs pos="0">
+              <a:schemeClr val="phClr">
+                <a:lumMod val="110000"/>
+                <a:satMod val="105000"/>
+                <a:tint val="67000"/>
+              </a:schemeClr>
+            </a:gs>
+            <a:gs pos="50000">
+              <a:schemeClr val="phClr">
+                <a:lumMod val="105000"/>
+                <a:satMod val="103000"/>
+                <a:tint val="73000"/>
+              </a:schemeClr>
+            </a:gs>
+            <a:gs pos="100000">
+              <a:schemeClr val="phClr">
+                <a:lumMod val="105000"/>
+                <a:satMod val="109000"/>
+                <a:tint val="81000"/>
+              </a:schemeClr>
+            </a:gs>
+          </a:gsLst>
+          <a:lin ang="5400000" scaled="0"/>
+        </a:gradFill>
+        <a:gradFill rotWithShape="1">
+          <a:gsLst>
+            <a:gs pos="0">
+              <a:schemeClr val="phClr">
+                <a:satMod val="103000"/>
+                <a:lumMod val="102000"/>
+                <a:tint val="94000"/>
+              </a:schemeClr>
+            </a:gs>
+            <a:gs pos="50000">
+              <a:schemeClr val="phClr">
+                <a:satMod val="110000"/>
+                <a:lumMod val="100000"/>
+                <a:shade val="100000"/>
+              </a:schemeClr>
+            </a:gs>
+            <a:gs pos="100000">
+              <a:schemeClr val="phClr">
+                <a:lumMod val="99000"/>
+                <a:satMod val="120000"/>
+                <a:shade val="78000"/>
+              </a:schemeClr>
+            </a:gs>
+          </a:gsLst>
+          <a:lin ang="5400000" scaled="0"/>
+        </a:gradFill>
+      </a:fillStyleLst>
+      <a:lnStyleLst>
+        <a:ln w="6350" cap="flat" cmpd="sng" algn="ctr">
+          <a:solidFill>
+            <a:schemeClr val="phClr"/>
+          </a:solidFill>
+          <a:prstDash val="solid"/>
+          <a:miter lim="800000"/>
+        </a:ln>
+        <a:ln w="12700" cap="flat" cmpd="sng" algn="ctr">
+          <a:solidFill>
+            <a:schemeClr val="phClr"/>
+          </a:solidFill>
+          <a:prstDash val="solid"/>
+          <a:miter lim="800000"/>
+        </a:ln>
+        <a:ln w="19050" cap="flat" cmpd="sng" algn="ctr">
+          <a:solidFill>
+            <a:schemeClr val="phClr"/>
+          </a:solidFill>
+          <a:prstDash val="solid"/>
+          <a:miter lim="800000"/>
+        </a:ln>
+      </a:lnStyleLst>
+      <a:effectStyleLst>
+        <a:effectStyle>
+          <a:effectLst/>
+        </a:effectStyle>
+        <a:effectStyle>
+          <a:effectLst/>
+        </a:effectStyle>
+        <a:effectStyle>
+          <a:effectLst>
+            <a:outerShdw blurRad="57150" dist="19050" dir="5400000" algn="ctr" rotWithShape="0">
+              <a:srgbClr val="000000">
+                <a:alpha val="63000"/>
+              </a:srgbClr>
+            </a:outerShdw>
+          </a:effectLst>
+        </a:effectStyle>
+      </a:effectStyleLst>
+      <a:bgFillStyleLst>
+        <a:solidFill>
+          <a:schemeClr val="phClr"/>
+        </a:solidFill>
+        <a:solidFill>
+          <a:schemeClr val="phClr">
+            <a:tint val="95000"/>
+            <a:satMod val="170000"/>
+          </a:schemeClr>
+        </a:solidFill>
+        <a:gradFill rotWithShape="1">
+          <a:gsLst>
+            <a:gs pos="0">
+              <a:schemeClr val="phClr">
+                <a:tint val="93000"/>
+                <a:satMod val="150000"/>
+                <a:shade val="98000"/>
+                <a:lumMod val="102000"/>
+              </a:schemeClr>
+            </a:gs>
+            <a:gs pos="50000">
+              <a:schemeClr val="phClr">
+                <a:tint val="98000"/>
+                <a:satMod val="130000"/>
+                <a:shade val="90000"/>
+                <a:lumMod val="103000"/>
+              </a:schemeClr>
+            </a:gs>
+            <a:gs pos="100000">
+              <a:schemeClr val="phClr">
+                <a:shade val="63000"/>
+                <a:satMod val="120000"/>
+              </a:schemeClr>
+            </a:gs>
+          </a:gsLst>
+          <a:lin ang="5400000" scaled="0"/>
+        </a:gradFill>
+      </a:bgFillStyleLst>
+    </a:fmtScheme>
+  </a:themeElements>
+  <a:objectDefaults/>
+  <a:extraClrSchemeLst/>
+  <a:extLst>
+    <a:ext uri="{05A4C25C-085E-4340-85A3-A5531E510DB2}">
+      <thm15:themeFamily xmlns:thm15="http://schemas.microsoft.com/office/thememl/2012/main" name="Office Theme" id="{62F939B6-93AF-4DB8-9C6B-D6C7DFDC589F}" vid="{4A3C46E8-61CC-4603-A589-7422A47A8E4A}"/>
+    </a:ext>
+  </a:extLst>
+</a:theme>
 </file>